--- a/resources/ppt-slides/control-flow-break.pptx
+++ b/resources/ppt-slides/control-flow-break.pptx
@@ -13,6 +13,7 @@
     <p:sldId id="292" r:id="rId7"/>
     <p:sldId id="293" r:id="rId8"/>
     <p:sldId id="294" r:id="rId9"/>
+    <p:sldId id="295" r:id="rId10"/>
   </p:sldIdLst>
   <p:sldSz cx="7559675" cy="5040313"/>
   <p:notesSz cx="6858000" cy="9144000"/>
@@ -250,7 +251,7 @@
           <a:p>
             <a:fld id="{964302DC-9F53-934F-AE4D-0F1F197008C1}" type="datetimeFigureOut">
               <a:rPr lang="en-US" smtClean="0"/>
-              <a:t>10/26/23</a:t>
+              <a:t>12/7/23</a:t>
             </a:fld>
             <a:endParaRPr lang="en-US"/>
           </a:p>
@@ -420,7 +421,7 @@
           <a:p>
             <a:fld id="{964302DC-9F53-934F-AE4D-0F1F197008C1}" type="datetimeFigureOut">
               <a:rPr lang="en-US" smtClean="0"/>
-              <a:t>10/26/23</a:t>
+              <a:t>12/7/23</a:t>
             </a:fld>
             <a:endParaRPr lang="en-US"/>
           </a:p>
@@ -600,7 +601,7 @@
           <a:p>
             <a:fld id="{964302DC-9F53-934F-AE4D-0F1F197008C1}" type="datetimeFigureOut">
               <a:rPr lang="en-US" smtClean="0"/>
-              <a:t>10/26/23</a:t>
+              <a:t>12/7/23</a:t>
             </a:fld>
             <a:endParaRPr lang="en-US"/>
           </a:p>
@@ -770,7 +771,7 @@
           <a:p>
             <a:fld id="{964302DC-9F53-934F-AE4D-0F1F197008C1}" type="datetimeFigureOut">
               <a:rPr lang="en-US" smtClean="0"/>
-              <a:t>10/26/23</a:t>
+              <a:t>12/7/23</a:t>
             </a:fld>
             <a:endParaRPr lang="en-US"/>
           </a:p>
@@ -1014,7 +1015,7 @@
           <a:p>
             <a:fld id="{964302DC-9F53-934F-AE4D-0F1F197008C1}" type="datetimeFigureOut">
               <a:rPr lang="en-US" smtClean="0"/>
-              <a:t>10/26/23</a:t>
+              <a:t>12/7/23</a:t>
             </a:fld>
             <a:endParaRPr lang="en-US"/>
           </a:p>
@@ -1246,7 +1247,7 @@
           <a:p>
             <a:fld id="{964302DC-9F53-934F-AE4D-0F1F197008C1}" type="datetimeFigureOut">
               <a:rPr lang="en-US" smtClean="0"/>
-              <a:t>10/26/23</a:t>
+              <a:t>12/7/23</a:t>
             </a:fld>
             <a:endParaRPr lang="en-US"/>
           </a:p>
@@ -1613,7 +1614,7 @@
           <a:p>
             <a:fld id="{964302DC-9F53-934F-AE4D-0F1F197008C1}" type="datetimeFigureOut">
               <a:rPr lang="en-US" smtClean="0"/>
-              <a:t>10/26/23</a:t>
+              <a:t>12/7/23</a:t>
             </a:fld>
             <a:endParaRPr lang="en-US"/>
           </a:p>
@@ -1731,7 +1732,7 @@
           <a:p>
             <a:fld id="{964302DC-9F53-934F-AE4D-0F1F197008C1}" type="datetimeFigureOut">
               <a:rPr lang="en-US" smtClean="0"/>
-              <a:t>10/26/23</a:t>
+              <a:t>12/7/23</a:t>
             </a:fld>
             <a:endParaRPr lang="en-US"/>
           </a:p>
@@ -1826,7 +1827,7 @@
           <a:p>
             <a:fld id="{964302DC-9F53-934F-AE4D-0F1F197008C1}" type="datetimeFigureOut">
               <a:rPr lang="en-US" smtClean="0"/>
-              <a:t>10/26/23</a:t>
+              <a:t>12/7/23</a:t>
             </a:fld>
             <a:endParaRPr lang="en-US"/>
           </a:p>
@@ -2103,7 +2104,7 @@
           <a:p>
             <a:fld id="{964302DC-9F53-934F-AE4D-0F1F197008C1}" type="datetimeFigureOut">
               <a:rPr lang="en-US" smtClean="0"/>
-              <a:t>10/26/23</a:t>
+              <a:t>12/7/23</a:t>
             </a:fld>
             <a:endParaRPr lang="en-US"/>
           </a:p>
@@ -2360,7 +2361,7 @@
           <a:p>
             <a:fld id="{964302DC-9F53-934F-AE4D-0F1F197008C1}" type="datetimeFigureOut">
               <a:rPr lang="en-US" smtClean="0"/>
-              <a:t>10/26/23</a:t>
+              <a:t>12/7/23</a:t>
             </a:fld>
             <a:endParaRPr lang="en-US"/>
           </a:p>
@@ -2573,7 +2574,7 @@
           <a:p>
             <a:fld id="{964302DC-9F53-934F-AE4D-0F1F197008C1}" type="datetimeFigureOut">
               <a:rPr lang="en-US" smtClean="0"/>
-              <a:t>10/26/23</a:t>
+              <a:t>12/7/23</a:t>
             </a:fld>
             <a:endParaRPr lang="en-US"/>
           </a:p>
@@ -3210,7 +3211,7 @@
             </p:nvPicPr>
             <p:blipFill>
               <a:blip r:embed="rId3">
-                <a:alphaModFix amt="30000"/>
+                <a:alphaModFix/>
               </a:blip>
               <a:stretch>
                 <a:fillRect/>
@@ -5311,7 +5312,7 @@
           </p:nvSpPr>
           <p:spPr>
             <a:xfrm>
-              <a:off x="2243036" y="-2557454"/>
+              <a:off x="2243036" y="-2470366"/>
               <a:ext cx="5034154" cy="2677656"/>
             </a:xfrm>
             <a:prstGeom prst="rect">
@@ -5330,15 +5331,15 @@
                 <a:buAutoNum type="arabicPeriod" startAt="4"/>
               </a:pPr>
               <a:r>
-                <a:rPr lang="en-AU" sz="1400" dirty="0"/>
+                <a:rPr lang="en-AU" sz="1200" dirty="0"/>
                 <a:t>while ( !</a:t>
               </a:r>
               <a:r>
-                <a:rPr lang="en-AU" sz="1400" dirty="0" err="1"/>
+                <a:rPr lang="en-AU" sz="1200" dirty="0" err="1"/>
                 <a:t>QuitRequested</a:t>
               </a:r>
               <a:r>
-                <a:rPr lang="en-AU" sz="1400" dirty="0"/>
+                <a:rPr lang="en-AU" sz="1200" dirty="0"/>
                 <a:t>())</a:t>
               </a:r>
             </a:p>
@@ -5348,7 +5349,7 @@
                 <a:buAutoNum type="arabicPeriod" startAt="4"/>
               </a:pPr>
               <a:r>
-                <a:rPr lang="en-AU" sz="1400" dirty="0">
+                <a:rPr lang="en-AU" sz="1200" dirty="0">
                   <a:solidFill>
                     <a:schemeClr val="bg1">
                       <a:lumMod val="65000"/>
@@ -5364,7 +5365,7 @@
                 <a:buAutoNum type="arabicPeriod" startAt="4"/>
               </a:pPr>
               <a:r>
-                <a:rPr lang="en-AU" sz="1400" dirty="0">
+                <a:rPr lang="en-AU" sz="1200" dirty="0">
                   <a:solidFill>
                     <a:schemeClr val="bg1">
                       <a:lumMod val="65000"/>
@@ -5374,7 +5375,7 @@
                 <a:t>    </a:t>
               </a:r>
               <a:r>
-                <a:rPr lang="en-AU" sz="1400" dirty="0" err="1">
+                <a:rPr lang="en-AU" sz="1200" dirty="0" err="1">
                   <a:solidFill>
                     <a:schemeClr val="bg1">
                       <a:lumMod val="65000"/>
@@ -5384,7 +5385,7 @@
                 <a:t>FillCircle</a:t>
               </a:r>
               <a:r>
-                <a:rPr lang="en-AU" sz="1400" dirty="0">
+                <a:rPr lang="en-AU" sz="1200" dirty="0">
                   <a:solidFill>
                     <a:schemeClr val="bg1">
                       <a:lumMod val="65000"/>
@@ -5394,7 +5395,7 @@
                 <a:t>(</a:t>
               </a:r>
               <a:r>
-                <a:rPr lang="en-AU" sz="1400" dirty="0" err="1">
+                <a:rPr lang="en-AU" sz="1200" dirty="0" err="1">
                   <a:solidFill>
                     <a:schemeClr val="bg1">
                       <a:lumMod val="65000"/>
@@ -5404,7 +5405,7 @@
                 <a:t>RandomColor</a:t>
               </a:r>
               <a:r>
-                <a:rPr lang="en-AU" sz="1400" dirty="0">
+                <a:rPr lang="en-AU" sz="1200" dirty="0">
                   <a:solidFill>
                     <a:schemeClr val="bg1">
                       <a:lumMod val="65000"/>
@@ -5414,7 +5415,7 @@
                 <a:t>(), </a:t>
               </a:r>
               <a:r>
-                <a:rPr lang="en-AU" sz="1400" dirty="0" err="1">
+                <a:rPr lang="en-AU" sz="1200" dirty="0" err="1">
                   <a:solidFill>
                     <a:schemeClr val="bg1">
                       <a:lumMod val="65000"/>
@@ -5424,7 +5425,7 @@
                 <a:t>Rnd</a:t>
               </a:r>
               <a:r>
-                <a:rPr lang="en-AU" sz="1400" dirty="0">
+                <a:rPr lang="en-AU" sz="1200" dirty="0">
                   <a:solidFill>
                     <a:schemeClr val="bg1">
                       <a:lumMod val="65000"/>
@@ -5434,7 +5435,7 @@
                 <a:t>(</a:t>
               </a:r>
               <a:r>
-                <a:rPr lang="en-AU" sz="1400" dirty="0" err="1">
+                <a:rPr lang="en-AU" sz="1200" dirty="0" err="1">
                   <a:solidFill>
                     <a:schemeClr val="bg1">
                       <a:lumMod val="65000"/>
@@ -5444,7 +5445,7 @@
                 <a:t>ScreenWidth</a:t>
               </a:r>
               <a:r>
-                <a:rPr lang="en-AU" sz="1400" dirty="0">
+                <a:rPr lang="en-AU" sz="1200" dirty="0">
                   <a:solidFill>
                     <a:schemeClr val="bg1">
                       <a:lumMod val="65000"/>
@@ -5454,7 +5455,7 @@
                 <a:t>()),</a:t>
               </a:r>
               <a:br>
-                <a:rPr lang="en-AU" sz="1400" dirty="0">
+                <a:rPr lang="en-AU" sz="1200" dirty="0">
                   <a:solidFill>
                     <a:schemeClr val="bg1">
                       <a:lumMod val="65000"/>
@@ -5463,7 +5464,7 @@
                 </a:rPr>
               </a:br>
               <a:r>
-                <a:rPr lang="en-AU" sz="1400" dirty="0">
+                <a:rPr lang="en-AU" sz="1200" dirty="0">
                   <a:solidFill>
                     <a:schemeClr val="bg1">
                       <a:lumMod val="65000"/>
@@ -5473,7 +5474,7 @@
                 <a:t>                         </a:t>
               </a:r>
               <a:r>
-                <a:rPr lang="en-AU" sz="1400" dirty="0" err="1">
+                <a:rPr lang="en-AU" sz="1200" dirty="0" err="1">
                   <a:solidFill>
                     <a:schemeClr val="bg1">
                       <a:lumMod val="65000"/>
@@ -5483,7 +5484,7 @@
                 <a:t>Rnd</a:t>
               </a:r>
               <a:r>
-                <a:rPr lang="en-AU" sz="1400" dirty="0">
+                <a:rPr lang="en-AU" sz="1200" dirty="0">
                   <a:solidFill>
                     <a:schemeClr val="bg1">
                       <a:lumMod val="65000"/>
@@ -5493,7 +5494,7 @@
                 <a:t>(</a:t>
               </a:r>
               <a:r>
-                <a:rPr lang="en-AU" sz="1400" dirty="0" err="1">
+                <a:rPr lang="en-AU" sz="1200" dirty="0" err="1">
                   <a:solidFill>
                     <a:schemeClr val="bg1">
                       <a:lumMod val="65000"/>
@@ -5503,7 +5504,7 @@
                 <a:t>ScreenHeight</a:t>
               </a:r>
               <a:r>
-                <a:rPr lang="en-AU" sz="1400" dirty="0">
+                <a:rPr lang="en-AU" sz="1200" dirty="0">
                   <a:solidFill>
                     <a:schemeClr val="bg1">
                       <a:lumMod val="65000"/>
@@ -5513,7 +5514,7 @@
                 <a:t>()), </a:t>
               </a:r>
               <a:r>
-                <a:rPr lang="en-AU" sz="1400" dirty="0" err="1">
+                <a:rPr lang="en-AU" sz="1200" dirty="0" err="1">
                   <a:solidFill>
                     <a:schemeClr val="bg1">
                       <a:lumMod val="65000"/>
@@ -5523,7 +5524,7 @@
                 <a:t>Rnd</a:t>
               </a:r>
               <a:r>
-                <a:rPr lang="en-AU" sz="1400" dirty="0">
+                <a:rPr lang="en-AU" sz="1200" dirty="0">
                   <a:solidFill>
                     <a:schemeClr val="bg1">
                       <a:lumMod val="65000"/>
@@ -5539,7 +5540,7 @@
                 <a:buAutoNum type="arabicPeriod" startAt="4"/>
               </a:pPr>
               <a:r>
-                <a:rPr lang="en-AU" sz="1400" dirty="0">
+                <a:rPr lang="en-AU" sz="1200" dirty="0">
                   <a:solidFill>
                     <a:schemeClr val="bg1">
                       <a:lumMod val="65000"/>
@@ -5549,7 +5550,7 @@
                 <a:t>    </a:t>
               </a:r>
               <a:r>
-                <a:rPr lang="en-AU" sz="1400" dirty="0" err="1">
+                <a:rPr lang="en-AU" sz="1200" dirty="0" err="1">
                   <a:solidFill>
                     <a:schemeClr val="bg1">
                       <a:lumMod val="65000"/>
@@ -5559,7 +5560,7 @@
                 <a:t>RefreshScreen</a:t>
               </a:r>
               <a:r>
-                <a:rPr lang="en-AU" sz="1400" dirty="0">
+                <a:rPr lang="en-AU" sz="1200" dirty="0">
                   <a:solidFill>
                     <a:schemeClr val="bg1">
                       <a:lumMod val="65000"/>
@@ -5575,7 +5576,7 @@
                 <a:buAutoNum type="arabicPeriod" startAt="4"/>
               </a:pPr>
               <a:r>
-                <a:rPr lang="en-AU" sz="1400" dirty="0">
+                <a:rPr lang="en-AU" sz="1200" dirty="0">
                   <a:solidFill>
                     <a:schemeClr val="bg1">
                       <a:lumMod val="65000"/>
@@ -5585,7 +5586,7 @@
                 <a:t>    </a:t>
               </a:r>
               <a:r>
-                <a:rPr lang="en-AU" sz="1400" dirty="0" err="1">
+                <a:rPr lang="en-AU" sz="1200" dirty="0" err="1">
                   <a:solidFill>
                     <a:schemeClr val="bg1">
                       <a:lumMod val="65000"/>
@@ -5595,7 +5596,7 @@
                 <a:t>ProcessEvents</a:t>
               </a:r>
               <a:r>
-                <a:rPr lang="en-AU" sz="1400" dirty="0">
+                <a:rPr lang="en-AU" sz="1200" dirty="0">
                   <a:solidFill>
                     <a:schemeClr val="bg1">
                       <a:lumMod val="65000"/>
@@ -5610,7 +5611,7 @@
                 <a:buFont typeface="+mj-lt"/>
                 <a:buAutoNum type="arabicPeriod" startAt="4"/>
               </a:pPr>
-              <a:endParaRPr lang="en-AU" sz="1400" dirty="0">
+              <a:endParaRPr lang="en-AU" sz="1200" dirty="0">
                 <a:solidFill>
                   <a:schemeClr val="bg1">
                     <a:lumMod val="65000"/>
@@ -5624,7 +5625,7 @@
                 <a:buAutoNum type="arabicPeriod" startAt="4"/>
               </a:pPr>
               <a:r>
-                <a:rPr lang="en-AU" sz="1400" dirty="0">
+                <a:rPr lang="en-AU" sz="1200" dirty="0">
                   <a:solidFill>
                     <a:schemeClr val="bg1">
                       <a:lumMod val="65000"/>
@@ -5634,7 +5635,7 @@
                 <a:t>    if (</a:t>
               </a:r>
               <a:r>
-                <a:rPr lang="en-AU" sz="1400" dirty="0" err="1">
+                <a:rPr lang="en-AU" sz="1200" dirty="0" err="1">
                   <a:solidFill>
                     <a:schemeClr val="bg1">
                       <a:lumMod val="65000"/>
@@ -5644,7 +5645,7 @@
                 <a:t>KeyTyped</a:t>
               </a:r>
               <a:r>
-                <a:rPr lang="en-AU" sz="1400" dirty="0">
+                <a:rPr lang="en-AU" sz="1200" dirty="0">
                   <a:solidFill>
                     <a:schemeClr val="bg1">
                       <a:lumMod val="65000"/>
@@ -5654,7 +5655,7 @@
                 <a:t>(</a:t>
               </a:r>
               <a:r>
-                <a:rPr lang="en-AU" sz="1400" dirty="0" err="1">
+                <a:rPr lang="en-AU" sz="1200" dirty="0" err="1">
                   <a:solidFill>
                     <a:schemeClr val="bg1">
                       <a:lumMod val="65000"/>
@@ -5664,7 +5665,7 @@
                 <a:t>KeyCode.EscapeKey</a:t>
               </a:r>
               <a:r>
-                <a:rPr lang="en-AU" sz="1400" dirty="0">
+                <a:rPr lang="en-AU" sz="1200" dirty="0">
                   <a:solidFill>
                     <a:schemeClr val="bg1">
                       <a:lumMod val="65000"/>
@@ -5680,7 +5681,7 @@
                 <a:buAutoNum type="arabicPeriod" startAt="4"/>
               </a:pPr>
               <a:r>
-                <a:rPr lang="en-AU" sz="1400" dirty="0">
+                <a:rPr lang="en-AU" sz="1200" dirty="0">
                   <a:solidFill>
                     <a:schemeClr val="bg1">
                       <a:lumMod val="65000"/>
@@ -5696,7 +5697,7 @@
                 <a:buAutoNum type="arabicPeriod" startAt="4"/>
               </a:pPr>
               <a:r>
-                <a:rPr lang="en-AU" sz="1400" dirty="0">
+                <a:rPr lang="en-AU" sz="1200" dirty="0">
                   <a:solidFill>
                     <a:schemeClr val="bg1">
                       <a:lumMod val="65000"/>
@@ -5712,7 +5713,7 @@
                 <a:buAutoNum type="arabicPeriod" startAt="4"/>
               </a:pPr>
               <a:r>
-                <a:rPr lang="en-AU" sz="1400" dirty="0">
+                <a:rPr lang="en-AU" sz="1200" dirty="0">
                   <a:solidFill>
                     <a:schemeClr val="bg1">
                       <a:lumMod val="65000"/>
@@ -5728,7 +5729,7 @@
                 <a:buAutoNum type="arabicPeriod" startAt="4"/>
               </a:pPr>
               <a:r>
-                <a:rPr lang="en-AU" sz="1400" dirty="0">
+                <a:rPr lang="en-AU" sz="1200" dirty="0">
                   <a:solidFill>
                     <a:schemeClr val="bg1">
                       <a:lumMod val="65000"/>
@@ -5738,98 +5739,74 @@
                 <a:t>}</a:t>
               </a:r>
             </a:p>
+            <a:p>
+              <a:pPr marL="342900" indent="-342900" rtl="0">
+                <a:buFont typeface="+mj-lt"/>
+                <a:buAutoNum type="arabicPeriod" startAt="4"/>
+              </a:pPr>
+              <a:r>
+                <a:rPr lang="en-AU" sz="1200" dirty="0">
+                  <a:solidFill>
+                    <a:schemeClr val="bg1">
+                      <a:lumMod val="65000"/>
+                    </a:schemeClr>
+                  </a:solidFill>
+                </a:rPr>
+                <a:t>WriteLine("Bye…")</a:t>
+              </a:r>
+            </a:p>
+            <a:p>
+              <a:pPr marL="342900" indent="-342900" rtl="0">
+                <a:buFont typeface="+mj-lt"/>
+                <a:buAutoNum type="arabicPeriod" startAt="4"/>
+              </a:pPr>
+              <a:endParaRPr lang="en-AU" sz="1200" dirty="0">
+                <a:solidFill>
+                  <a:schemeClr val="bg1">
+                    <a:lumMod val="65000"/>
+                  </a:schemeClr>
+                </a:solidFill>
+              </a:endParaRPr>
+            </a:p>
           </p:txBody>
         </p:sp>
-        <p:grpSp>
-          <p:nvGrpSpPr>
-            <p:cNvPr id="37" name="Group 36">
+        <p:sp>
+          <p:nvSpPr>
+            <p:cNvPr id="18" name="TextBox 17">
               <a:extLst>
                 <a:ext uri="{FF2B5EF4-FFF2-40B4-BE49-F238E27FC236}">
-                  <a16:creationId xmlns:a16="http://schemas.microsoft.com/office/drawing/2014/main" id="{2DBCA10F-924D-E145-7FF6-9A1953DEE281}"/>
+                  <a16:creationId xmlns:a16="http://schemas.microsoft.com/office/drawing/2014/main" id="{21E6B770-730F-7A2F-0BCC-DFD2371C6F55}"/>
                 </a:ext>
               </a:extLst>
             </p:cNvPr>
-            <p:cNvGrpSpPr/>
+            <p:cNvSpPr txBox="1"/>
             <p:nvPr/>
-          </p:nvGrpSpPr>
-          <p:grpSpPr>
+          </p:nvSpPr>
+          <p:spPr>
             <a:xfrm>
-              <a:off x="231271" y="917189"/>
-              <a:ext cx="1274409" cy="625877"/>
-              <a:chOff x="1357821" y="4757683"/>
-              <a:chExt cx="1274409" cy="625877"/>
+              <a:off x="231271" y="1002884"/>
+              <a:ext cx="554960" cy="369332"/>
             </a:xfrm>
-          </p:grpSpPr>
-          <p:pic>
-            <p:nvPicPr>
-              <p:cNvPr id="13" name="Picture 12" descr="A black square with white lines&#10;&#10;Description automatically generated">
-                <a:extLst>
-                  <a:ext uri="{FF2B5EF4-FFF2-40B4-BE49-F238E27FC236}">
-                    <a16:creationId xmlns:a16="http://schemas.microsoft.com/office/drawing/2014/main" id="{9975BC6B-61F7-6B1E-178A-EB5A5CF8412C}"/>
-                  </a:ext>
-                </a:extLst>
-              </p:cNvPr>
-              <p:cNvPicPr>
-                <a:picLocks noChangeAspect="1"/>
-              </p:cNvPicPr>
-              <p:nvPr/>
-            </p:nvPicPr>
-            <p:blipFill>
-              <a:blip r:embed="rId3">
-                <a:alphaModFix amt="30000"/>
-              </a:blip>
-              <a:stretch>
-                <a:fillRect/>
-              </a:stretch>
-            </p:blipFill>
-            <p:spPr>
-              <a:xfrm>
-                <a:off x="1950895" y="4757683"/>
-                <a:ext cx="681335" cy="625877"/>
-              </a:xfrm>
-              <a:prstGeom prst="rect">
-                <a:avLst/>
-              </a:prstGeom>
-            </p:spPr>
-          </p:pic>
-          <p:sp>
-            <p:nvSpPr>
-              <p:cNvPr id="18" name="TextBox 17">
-                <a:extLst>
-                  <a:ext uri="{FF2B5EF4-FFF2-40B4-BE49-F238E27FC236}">
-                    <a16:creationId xmlns:a16="http://schemas.microsoft.com/office/drawing/2014/main" id="{21E6B770-730F-7A2F-0BCC-DFD2371C6F55}"/>
-                  </a:ext>
-                </a:extLst>
-              </p:cNvPr>
-              <p:cNvSpPr txBox="1"/>
-              <p:nvPr/>
-            </p:nvSpPr>
-            <p:spPr>
-              <a:xfrm>
-                <a:off x="1357821" y="4843378"/>
-                <a:ext cx="554960" cy="369332"/>
-              </a:xfrm>
-              <a:prstGeom prst="rect">
-                <a:avLst/>
-              </a:prstGeom>
-              <a:noFill/>
-            </p:spPr>
-            <p:txBody>
-              <a:bodyPr wrap="none" rtlCol="0">
-                <a:spAutoFit/>
-              </a:bodyPr>
-              <a:lstStyle/>
-              <a:p>
-                <a:r>
-                  <a:rPr lang="en-US" dirty="0">
-                    <a:latin typeface="Gaegu" pitchFamily="2" charset="0"/>
-                  </a:rPr>
-                  <a:t>CPU</a:t>
-                </a:r>
-              </a:p>
-            </p:txBody>
-          </p:sp>
-        </p:grpSp>
+            <a:prstGeom prst="rect">
+              <a:avLst/>
+            </a:prstGeom>
+            <a:noFill/>
+          </p:spPr>
+          <p:txBody>
+            <a:bodyPr wrap="none" rtlCol="0">
+              <a:spAutoFit/>
+            </a:bodyPr>
+            <a:lstStyle/>
+            <a:p>
+              <a:r>
+                <a:rPr lang="en-US" dirty="0">
+                  <a:latin typeface="Gaegu" pitchFamily="2" charset="0"/>
+                </a:rPr>
+                <a:t>CPU</a:t>
+              </a:r>
+            </a:p>
+          </p:txBody>
+        </p:sp>
         <p:sp>
           <p:nvSpPr>
             <p:cNvPr id="2" name="TextBox 1">
@@ -7625,7 +7602,7 @@
             <p:nvPr/>
           </p:nvPicPr>
           <p:blipFill>
-            <a:blip r:embed="rId4">
+            <a:blip r:embed="rId3">
               <a:alphaModFix amt="30000"/>
             </a:blip>
             <a:stretch>
@@ -7694,8 +7671,8 @@
         </p:nvGrpSpPr>
         <p:grpSpPr>
           <a:xfrm>
-            <a:off x="1905137" y="721218"/>
-            <a:ext cx="407468" cy="3137273"/>
+            <a:off x="1905137" y="772886"/>
+            <a:ext cx="407468" cy="3247971"/>
             <a:chOff x="1668759" y="-13958058"/>
             <a:chExt cx="487848" cy="22198517"/>
           </a:xfrm>
@@ -7799,6 +7776,38 @@
           </p:txBody>
         </p:sp>
       </p:grpSp>
+      <p:pic>
+        <p:nvPicPr>
+          <p:cNvPr id="4" name="Picture 3" descr="A black square with white lines&#10;&#10;Description automatically generated">
+            <a:extLst>
+              <a:ext uri="{FF2B5EF4-FFF2-40B4-BE49-F238E27FC236}">
+                <a16:creationId xmlns:a16="http://schemas.microsoft.com/office/drawing/2014/main" id="{F1B75644-4105-9A77-D641-E5530EA5A9D4}"/>
+              </a:ext>
+            </a:extLst>
+          </p:cNvPr>
+          <p:cNvPicPr>
+            <a:picLocks noChangeAspect="1"/>
+          </p:cNvPicPr>
+          <p:nvPr/>
+        </p:nvPicPr>
+        <p:blipFill>
+          <a:blip r:embed="rId4">
+            <a:alphaModFix/>
+          </a:blip>
+          <a:stretch>
+            <a:fillRect/>
+          </a:stretch>
+        </p:blipFill>
+        <p:spPr>
+          <a:xfrm>
+            <a:off x="822117" y="4020857"/>
+            <a:ext cx="681335" cy="625877"/>
+          </a:xfrm>
+          <a:prstGeom prst="rect">
+            <a:avLst/>
+          </a:prstGeom>
+        </p:spPr>
+      </p:pic>
     </p:spTree>
     <p:extLst>
       <p:ext uri="{BB962C8B-B14F-4D97-AF65-F5344CB8AC3E}">
@@ -7877,8 +7886,8 @@
           </p:nvSpPr>
           <p:spPr>
             <a:xfrm>
-              <a:off x="2243036" y="-2557454"/>
-              <a:ext cx="5034154" cy="2677656"/>
+              <a:off x="2243036" y="-2470366"/>
+              <a:ext cx="5034154" cy="2492990"/>
             </a:xfrm>
             <a:prstGeom prst="rect">
               <a:avLst/>
@@ -7896,7 +7905,7 @@
                 <a:buAutoNum type="arabicPeriod" startAt="4"/>
               </a:pPr>
               <a:r>
-                <a:rPr lang="en-AU" sz="1400" dirty="0">
+                <a:rPr lang="en-AU" sz="1200" dirty="0">
                   <a:solidFill>
                     <a:schemeClr val="bg1">
                       <a:lumMod val="65000"/>
@@ -7906,7 +7915,7 @@
                 <a:t>while ( !</a:t>
               </a:r>
               <a:r>
-                <a:rPr lang="en-AU" sz="1400" dirty="0" err="1">
+                <a:rPr lang="en-AU" sz="1200" dirty="0" err="1">
                   <a:solidFill>
                     <a:schemeClr val="bg1">
                       <a:lumMod val="65000"/>
@@ -7916,7 +7925,7 @@
                 <a:t>QuitRequested</a:t>
               </a:r>
               <a:r>
-                <a:rPr lang="en-AU" sz="1400" dirty="0">
+                <a:rPr lang="en-AU" sz="1200" dirty="0">
                   <a:solidFill>
                     <a:schemeClr val="bg1">
                       <a:lumMod val="65000"/>
@@ -7932,7 +7941,7 @@
                 <a:buAutoNum type="arabicPeriod" startAt="4"/>
               </a:pPr>
               <a:r>
-                <a:rPr lang="en-AU" sz="1400" dirty="0">
+                <a:rPr lang="en-AU" sz="1200" dirty="0">
                   <a:solidFill>
                     <a:schemeClr val="bg1">
                       <a:lumMod val="65000"/>
@@ -7948,70 +7957,70 @@
                 <a:buAutoNum type="arabicPeriod" startAt="4"/>
               </a:pPr>
               <a:r>
-                <a:rPr lang="en-AU" sz="1400" dirty="0"/>
+                <a:rPr lang="en-AU" sz="1200" dirty="0"/>
                 <a:t>    </a:t>
               </a:r>
               <a:r>
-                <a:rPr lang="en-AU" sz="1400" dirty="0" err="1"/>
+                <a:rPr lang="en-AU" sz="1200" dirty="0" err="1"/>
                 <a:t>FillCircle</a:t>
               </a:r>
               <a:r>
-                <a:rPr lang="en-AU" sz="1400" dirty="0"/>
+                <a:rPr lang="en-AU" sz="1200" dirty="0"/>
                 <a:t>(</a:t>
               </a:r>
               <a:r>
-                <a:rPr lang="en-AU" sz="1400" dirty="0" err="1"/>
+                <a:rPr lang="en-AU" sz="1200" dirty="0" err="1"/>
                 <a:t>RandomColor</a:t>
               </a:r>
               <a:r>
-                <a:rPr lang="en-AU" sz="1400" dirty="0"/>
+                <a:rPr lang="en-AU" sz="1200" dirty="0"/>
                 <a:t>(), </a:t>
               </a:r>
               <a:r>
-                <a:rPr lang="en-AU" sz="1400" dirty="0" err="1"/>
+                <a:rPr lang="en-AU" sz="1200" dirty="0" err="1"/>
                 <a:t>Rnd</a:t>
               </a:r>
               <a:r>
-                <a:rPr lang="en-AU" sz="1400" dirty="0"/>
+                <a:rPr lang="en-AU" sz="1200" dirty="0"/>
                 <a:t>(</a:t>
               </a:r>
               <a:r>
-                <a:rPr lang="en-AU" sz="1400" dirty="0" err="1"/>
+                <a:rPr lang="en-AU" sz="1200" dirty="0" err="1"/>
                 <a:t>ScreenWidth</a:t>
               </a:r>
               <a:r>
-                <a:rPr lang="en-AU" sz="1400" dirty="0"/>
+                <a:rPr lang="en-AU" sz="1200" dirty="0"/>
                 <a:t>()),</a:t>
               </a:r>
               <a:br>
-                <a:rPr lang="en-AU" sz="1400" dirty="0"/>
+                <a:rPr lang="en-AU" sz="1200" dirty="0"/>
               </a:br>
               <a:r>
-                <a:rPr lang="en-AU" sz="1400" dirty="0"/>
+                <a:rPr lang="en-AU" sz="1200" dirty="0"/>
                 <a:t>                         </a:t>
               </a:r>
               <a:r>
-                <a:rPr lang="en-AU" sz="1400" dirty="0" err="1"/>
+                <a:rPr lang="en-AU" sz="1200" dirty="0" err="1"/>
                 <a:t>Rnd</a:t>
               </a:r>
               <a:r>
-                <a:rPr lang="en-AU" sz="1400" dirty="0"/>
+                <a:rPr lang="en-AU" sz="1200" dirty="0"/>
                 <a:t>(</a:t>
               </a:r>
               <a:r>
-                <a:rPr lang="en-AU" sz="1400" dirty="0" err="1"/>
+                <a:rPr lang="en-AU" sz="1200" dirty="0" err="1"/>
                 <a:t>ScreenHeight</a:t>
               </a:r>
               <a:r>
-                <a:rPr lang="en-AU" sz="1400" dirty="0"/>
+                <a:rPr lang="en-AU" sz="1200" dirty="0"/>
                 <a:t>()), </a:t>
               </a:r>
               <a:r>
-                <a:rPr lang="en-AU" sz="1400" dirty="0" err="1"/>
+                <a:rPr lang="en-AU" sz="1200" dirty="0" err="1"/>
                 <a:t>Rnd</a:t>
               </a:r>
               <a:r>
-                <a:rPr lang="en-AU" sz="1400" dirty="0"/>
+                <a:rPr lang="en-AU" sz="1200" dirty="0"/>
                 <a:t>(50));</a:t>
               </a:r>
             </a:p>
@@ -8021,15 +8030,15 @@
                 <a:buAutoNum type="arabicPeriod" startAt="4"/>
               </a:pPr>
               <a:r>
-                <a:rPr lang="en-AU" sz="1400" dirty="0"/>
+                <a:rPr lang="en-AU" sz="1200" dirty="0"/>
                 <a:t>    </a:t>
               </a:r>
               <a:r>
-                <a:rPr lang="en-AU" sz="1400" dirty="0" err="1"/>
+                <a:rPr lang="en-AU" sz="1200" dirty="0" err="1"/>
                 <a:t>RefreshScreen</a:t>
               </a:r>
               <a:r>
-                <a:rPr lang="en-AU" sz="1400" dirty="0"/>
+                <a:rPr lang="en-AU" sz="1200" dirty="0"/>
                 <a:t>();</a:t>
               </a:r>
             </a:p>
@@ -8039,15 +8048,15 @@
                 <a:buAutoNum type="arabicPeriod" startAt="4"/>
               </a:pPr>
               <a:r>
-                <a:rPr lang="en-AU" sz="1400" dirty="0"/>
+                <a:rPr lang="en-AU" sz="1200" dirty="0"/>
                 <a:t>    </a:t>
               </a:r>
               <a:r>
-                <a:rPr lang="en-AU" sz="1400" dirty="0" err="1"/>
+                <a:rPr lang="en-AU" sz="1200" dirty="0" err="1"/>
                 <a:t>ProcessEvents</a:t>
               </a:r>
               <a:r>
-                <a:rPr lang="en-AU" sz="1400" dirty="0"/>
+                <a:rPr lang="en-AU" sz="1200" dirty="0"/>
                 <a:t>();</a:t>
               </a:r>
             </a:p>
@@ -8056,7 +8065,7 @@
                 <a:buFont typeface="+mj-lt"/>
                 <a:buAutoNum type="arabicPeriod" startAt="4"/>
               </a:pPr>
-              <a:endParaRPr lang="en-AU" sz="1400" dirty="0">
+              <a:endParaRPr lang="en-AU" sz="1200" dirty="0">
                 <a:solidFill>
                   <a:schemeClr val="bg1">
                     <a:lumMod val="65000"/>
@@ -8070,7 +8079,7 @@
                 <a:buAutoNum type="arabicPeriod" startAt="4"/>
               </a:pPr>
               <a:r>
-                <a:rPr lang="en-AU" sz="1400" dirty="0">
+                <a:rPr lang="en-AU" sz="1200" dirty="0">
                   <a:solidFill>
                     <a:schemeClr val="bg1">
                       <a:lumMod val="65000"/>
@@ -8080,7 +8089,7 @@
                 <a:t>    if (</a:t>
               </a:r>
               <a:r>
-                <a:rPr lang="en-AU" sz="1400" dirty="0" err="1">
+                <a:rPr lang="en-AU" sz="1200" dirty="0" err="1">
                   <a:solidFill>
                     <a:schemeClr val="bg1">
                       <a:lumMod val="65000"/>
@@ -8090,7 +8099,7 @@
                 <a:t>KeyTyped</a:t>
               </a:r>
               <a:r>
-                <a:rPr lang="en-AU" sz="1400" dirty="0">
+                <a:rPr lang="en-AU" sz="1200" dirty="0">
                   <a:solidFill>
                     <a:schemeClr val="bg1">
                       <a:lumMod val="65000"/>
@@ -8100,7 +8109,7 @@
                 <a:t>(</a:t>
               </a:r>
               <a:r>
-                <a:rPr lang="en-AU" sz="1400" dirty="0" err="1">
+                <a:rPr lang="en-AU" sz="1200" dirty="0" err="1">
                   <a:solidFill>
                     <a:schemeClr val="bg1">
                       <a:lumMod val="65000"/>
@@ -8110,7 +8119,7 @@
                 <a:t>KeyCode.EscapeKey</a:t>
               </a:r>
               <a:r>
-                <a:rPr lang="en-AU" sz="1400" dirty="0">
+                <a:rPr lang="en-AU" sz="1200" dirty="0">
                   <a:solidFill>
                     <a:schemeClr val="bg1">
                       <a:lumMod val="65000"/>
@@ -8126,7 +8135,7 @@
                 <a:buAutoNum type="arabicPeriod" startAt="4"/>
               </a:pPr>
               <a:r>
-                <a:rPr lang="en-AU" sz="1400" dirty="0">
+                <a:rPr lang="en-AU" sz="1200" dirty="0">
                   <a:solidFill>
                     <a:schemeClr val="bg1">
                       <a:lumMod val="65000"/>
@@ -8142,7 +8151,7 @@
                 <a:buAutoNum type="arabicPeriod" startAt="4"/>
               </a:pPr>
               <a:r>
-                <a:rPr lang="en-AU" sz="1400" dirty="0">
+                <a:rPr lang="en-AU" sz="1200" dirty="0">
                   <a:solidFill>
                     <a:schemeClr val="bg1">
                       <a:lumMod val="65000"/>
@@ -8158,7 +8167,7 @@
                 <a:buAutoNum type="arabicPeriod" startAt="4"/>
               </a:pPr>
               <a:r>
-                <a:rPr lang="en-AU" sz="1400" dirty="0">
+                <a:rPr lang="en-AU" sz="1200" dirty="0">
                   <a:solidFill>
                     <a:schemeClr val="bg1">
                       <a:lumMod val="65000"/>
@@ -8174,7 +8183,7 @@
                 <a:buAutoNum type="arabicPeriod" startAt="4"/>
               </a:pPr>
               <a:r>
-                <a:rPr lang="en-AU" sz="1400" dirty="0">
+                <a:rPr lang="en-AU" sz="1200" dirty="0">
                   <a:solidFill>
                     <a:schemeClr val="bg1">
                       <a:lumMod val="65000"/>
@@ -8184,98 +8193,61 @@
                 <a:t>}</a:t>
               </a:r>
             </a:p>
+            <a:p>
+              <a:pPr marL="342900" indent="-342900" rtl="0">
+                <a:buFont typeface="+mj-lt"/>
+                <a:buAutoNum type="arabicPeriod" startAt="4"/>
+              </a:pPr>
+              <a:r>
+                <a:rPr lang="en-AU" sz="1200" dirty="0">
+                  <a:solidFill>
+                    <a:schemeClr val="bg1">
+                      <a:lumMod val="65000"/>
+                    </a:schemeClr>
+                  </a:solidFill>
+                </a:rPr>
+                <a:t>WriteLine("Bye…")</a:t>
+              </a:r>
+            </a:p>
           </p:txBody>
         </p:sp>
-        <p:grpSp>
-          <p:nvGrpSpPr>
-            <p:cNvPr id="37" name="Group 36">
+        <p:sp>
+          <p:nvSpPr>
+            <p:cNvPr id="18" name="TextBox 17">
               <a:extLst>
                 <a:ext uri="{FF2B5EF4-FFF2-40B4-BE49-F238E27FC236}">
-                  <a16:creationId xmlns:a16="http://schemas.microsoft.com/office/drawing/2014/main" id="{2DBCA10F-924D-E145-7FF6-9A1953DEE281}"/>
+                  <a16:creationId xmlns:a16="http://schemas.microsoft.com/office/drawing/2014/main" id="{21E6B770-730F-7A2F-0BCC-DFD2371C6F55}"/>
                 </a:ext>
               </a:extLst>
             </p:cNvPr>
-            <p:cNvGrpSpPr/>
+            <p:cNvSpPr txBox="1"/>
             <p:nvPr/>
-          </p:nvGrpSpPr>
-          <p:grpSpPr>
+          </p:nvSpPr>
+          <p:spPr>
             <a:xfrm>
-              <a:off x="231271" y="917189"/>
-              <a:ext cx="1274409" cy="625877"/>
-              <a:chOff x="1357821" y="4757683"/>
-              <a:chExt cx="1274409" cy="625877"/>
+              <a:off x="231271" y="1002884"/>
+              <a:ext cx="554960" cy="369332"/>
             </a:xfrm>
-          </p:grpSpPr>
-          <p:pic>
-            <p:nvPicPr>
-              <p:cNvPr id="13" name="Picture 12" descr="A black square with white lines&#10;&#10;Description automatically generated">
-                <a:extLst>
-                  <a:ext uri="{FF2B5EF4-FFF2-40B4-BE49-F238E27FC236}">
-                    <a16:creationId xmlns:a16="http://schemas.microsoft.com/office/drawing/2014/main" id="{9975BC6B-61F7-6B1E-178A-EB5A5CF8412C}"/>
-                  </a:ext>
-                </a:extLst>
-              </p:cNvPr>
-              <p:cNvPicPr>
-                <a:picLocks noChangeAspect="1"/>
-              </p:cNvPicPr>
-              <p:nvPr/>
-            </p:nvPicPr>
-            <p:blipFill>
-              <a:blip r:embed="rId3">
-                <a:alphaModFix amt="30000"/>
-              </a:blip>
-              <a:stretch>
-                <a:fillRect/>
-              </a:stretch>
-            </p:blipFill>
-            <p:spPr>
-              <a:xfrm>
-                <a:off x="1950895" y="4757683"/>
-                <a:ext cx="681335" cy="625877"/>
-              </a:xfrm>
-              <a:prstGeom prst="rect">
-                <a:avLst/>
-              </a:prstGeom>
-            </p:spPr>
-          </p:pic>
-          <p:sp>
-            <p:nvSpPr>
-              <p:cNvPr id="18" name="TextBox 17">
-                <a:extLst>
-                  <a:ext uri="{FF2B5EF4-FFF2-40B4-BE49-F238E27FC236}">
-                    <a16:creationId xmlns:a16="http://schemas.microsoft.com/office/drawing/2014/main" id="{21E6B770-730F-7A2F-0BCC-DFD2371C6F55}"/>
-                  </a:ext>
-                </a:extLst>
-              </p:cNvPr>
-              <p:cNvSpPr txBox="1"/>
-              <p:nvPr/>
-            </p:nvSpPr>
-            <p:spPr>
-              <a:xfrm>
-                <a:off x="1357821" y="4843378"/>
-                <a:ext cx="554960" cy="369332"/>
-              </a:xfrm>
-              <a:prstGeom prst="rect">
-                <a:avLst/>
-              </a:prstGeom>
-              <a:noFill/>
-            </p:spPr>
-            <p:txBody>
-              <a:bodyPr wrap="none" rtlCol="0">
-                <a:spAutoFit/>
-              </a:bodyPr>
-              <a:lstStyle/>
-              <a:p>
-                <a:r>
-                  <a:rPr lang="en-US" dirty="0">
-                    <a:latin typeface="Gaegu" pitchFamily="2" charset="0"/>
-                  </a:rPr>
-                  <a:t>CPU</a:t>
-                </a:r>
-              </a:p>
-            </p:txBody>
-          </p:sp>
-        </p:grpSp>
+            <a:prstGeom prst="rect">
+              <a:avLst/>
+            </a:prstGeom>
+            <a:noFill/>
+          </p:spPr>
+          <p:txBody>
+            <a:bodyPr wrap="none" rtlCol="0">
+              <a:spAutoFit/>
+            </a:bodyPr>
+            <a:lstStyle/>
+            <a:p>
+              <a:r>
+                <a:rPr lang="en-US" dirty="0">
+                  <a:latin typeface="Gaegu" pitchFamily="2" charset="0"/>
+                </a:rPr>
+                <a:t>CPU</a:t>
+              </a:r>
+            </a:p>
+          </p:txBody>
+        </p:sp>
         <p:sp>
           <p:nvSpPr>
             <p:cNvPr id="2" name="TextBox 1">
@@ -10071,7 +10043,7 @@
             <p:nvPr/>
           </p:nvPicPr>
           <p:blipFill>
-            <a:blip r:embed="rId4">
+            <a:blip r:embed="rId3">
               <a:alphaModFix amt="30000"/>
             </a:blip>
             <a:stretch>
@@ -10140,8 +10112,8 @@
         </p:nvGrpSpPr>
         <p:grpSpPr>
           <a:xfrm>
-            <a:off x="1905137" y="1763486"/>
-            <a:ext cx="407468" cy="2062009"/>
+            <a:off x="1905137" y="1684927"/>
+            <a:ext cx="407468" cy="2140568"/>
             <a:chOff x="1668759" y="-13958058"/>
             <a:chExt cx="487848" cy="22198517"/>
           </a:xfrm>
@@ -10245,6 +10217,38 @@
           </p:txBody>
         </p:sp>
       </p:grpSp>
+      <p:pic>
+        <p:nvPicPr>
+          <p:cNvPr id="4" name="Picture 3" descr="A black square with white lines&#10;&#10;Description automatically generated">
+            <a:extLst>
+              <a:ext uri="{FF2B5EF4-FFF2-40B4-BE49-F238E27FC236}">
+                <a16:creationId xmlns:a16="http://schemas.microsoft.com/office/drawing/2014/main" id="{CF31BAE3-1257-517F-A20A-5332FC801E5C}"/>
+              </a:ext>
+            </a:extLst>
+          </p:cNvPr>
+          <p:cNvPicPr>
+            <a:picLocks noChangeAspect="1"/>
+          </p:cNvPicPr>
+          <p:nvPr/>
+        </p:nvPicPr>
+        <p:blipFill>
+          <a:blip r:embed="rId4">
+            <a:alphaModFix/>
+          </a:blip>
+          <a:stretch>
+            <a:fillRect/>
+          </a:stretch>
+        </p:blipFill>
+        <p:spPr>
+          <a:xfrm>
+            <a:off x="822117" y="4020857"/>
+            <a:ext cx="681335" cy="625877"/>
+          </a:xfrm>
+          <a:prstGeom prst="rect">
+            <a:avLst/>
+          </a:prstGeom>
+        </p:spPr>
+      </p:pic>
     </p:spTree>
     <p:extLst>
       <p:ext uri="{BB962C8B-B14F-4D97-AF65-F5344CB8AC3E}">
@@ -10323,8 +10327,8 @@
           </p:nvSpPr>
           <p:spPr>
             <a:xfrm>
-              <a:off x="2243036" y="-2557454"/>
-              <a:ext cx="5034154" cy="2677656"/>
+              <a:off x="2243036" y="-2470366"/>
+              <a:ext cx="5034154" cy="2492990"/>
             </a:xfrm>
             <a:prstGeom prst="rect">
               <a:avLst/>
@@ -10342,7 +10346,7 @@
                 <a:buAutoNum type="arabicPeriod" startAt="4"/>
               </a:pPr>
               <a:r>
-                <a:rPr lang="en-AU" sz="1400" dirty="0">
+                <a:rPr lang="en-AU" sz="1200" dirty="0">
                   <a:solidFill>
                     <a:schemeClr val="bg1">
                       <a:lumMod val="65000"/>
@@ -10352,7 +10356,7 @@
                 <a:t>while ( !</a:t>
               </a:r>
               <a:r>
-                <a:rPr lang="en-AU" sz="1400" dirty="0" err="1">
+                <a:rPr lang="en-AU" sz="1200" dirty="0" err="1">
                   <a:solidFill>
                     <a:schemeClr val="bg1">
                       <a:lumMod val="65000"/>
@@ -10362,7 +10366,7 @@
                 <a:t>QuitRequested</a:t>
               </a:r>
               <a:r>
-                <a:rPr lang="en-AU" sz="1400" dirty="0">
+                <a:rPr lang="en-AU" sz="1200" dirty="0">
                   <a:solidFill>
                     <a:schemeClr val="bg1">
                       <a:lumMod val="65000"/>
@@ -10378,7 +10382,7 @@
                 <a:buAutoNum type="arabicPeriod" startAt="4"/>
               </a:pPr>
               <a:r>
-                <a:rPr lang="en-AU" sz="1400" dirty="0">
+                <a:rPr lang="en-AU" sz="1200" dirty="0">
                   <a:solidFill>
                     <a:schemeClr val="bg1">
                       <a:lumMod val="65000"/>
@@ -10394,7 +10398,7 @@
                 <a:buAutoNum type="arabicPeriod" startAt="4"/>
               </a:pPr>
               <a:r>
-                <a:rPr lang="en-AU" sz="1400" dirty="0">
+                <a:rPr lang="en-AU" sz="1200" dirty="0">
                   <a:solidFill>
                     <a:schemeClr val="bg1">
                       <a:lumMod val="65000"/>
@@ -10404,7 +10408,7 @@
                 <a:t>    </a:t>
               </a:r>
               <a:r>
-                <a:rPr lang="en-AU" sz="1400" dirty="0" err="1">
+                <a:rPr lang="en-AU" sz="1200" dirty="0" err="1">
                   <a:solidFill>
                     <a:schemeClr val="bg1">
                       <a:lumMod val="65000"/>
@@ -10414,7 +10418,7 @@
                 <a:t>FillCircle</a:t>
               </a:r>
               <a:r>
-                <a:rPr lang="en-AU" sz="1400" dirty="0">
+                <a:rPr lang="en-AU" sz="1200" dirty="0">
                   <a:solidFill>
                     <a:schemeClr val="bg1">
                       <a:lumMod val="65000"/>
@@ -10424,7 +10428,7 @@
                 <a:t>(</a:t>
               </a:r>
               <a:r>
-                <a:rPr lang="en-AU" sz="1400" dirty="0" err="1">
+                <a:rPr lang="en-AU" sz="1200" dirty="0" err="1">
                   <a:solidFill>
                     <a:schemeClr val="bg1">
                       <a:lumMod val="65000"/>
@@ -10434,7 +10438,7 @@
                 <a:t>RandomColor</a:t>
               </a:r>
               <a:r>
-                <a:rPr lang="en-AU" sz="1400" dirty="0">
+                <a:rPr lang="en-AU" sz="1200" dirty="0">
                   <a:solidFill>
                     <a:schemeClr val="bg1">
                       <a:lumMod val="65000"/>
@@ -10444,7 +10448,7 @@
                 <a:t>(), </a:t>
               </a:r>
               <a:r>
-                <a:rPr lang="en-AU" sz="1400" dirty="0" err="1">
+                <a:rPr lang="en-AU" sz="1200" dirty="0" err="1">
                   <a:solidFill>
                     <a:schemeClr val="bg1">
                       <a:lumMod val="65000"/>
@@ -10454,7 +10458,7 @@
                 <a:t>Rnd</a:t>
               </a:r>
               <a:r>
-                <a:rPr lang="en-AU" sz="1400" dirty="0">
+                <a:rPr lang="en-AU" sz="1200" dirty="0">
                   <a:solidFill>
                     <a:schemeClr val="bg1">
                       <a:lumMod val="65000"/>
@@ -10464,7 +10468,7 @@
                 <a:t>(</a:t>
               </a:r>
               <a:r>
-                <a:rPr lang="en-AU" sz="1400" dirty="0" err="1">
+                <a:rPr lang="en-AU" sz="1200" dirty="0" err="1">
                   <a:solidFill>
                     <a:schemeClr val="bg1">
                       <a:lumMod val="65000"/>
@@ -10474,7 +10478,7 @@
                 <a:t>ScreenWidth</a:t>
               </a:r>
               <a:r>
-                <a:rPr lang="en-AU" sz="1400" dirty="0">
+                <a:rPr lang="en-AU" sz="1200" dirty="0">
                   <a:solidFill>
                     <a:schemeClr val="bg1">
                       <a:lumMod val="65000"/>
@@ -10484,7 +10488,7 @@
                 <a:t>()),</a:t>
               </a:r>
               <a:br>
-                <a:rPr lang="en-AU" sz="1400" dirty="0">
+                <a:rPr lang="en-AU" sz="1200" dirty="0">
                   <a:solidFill>
                     <a:schemeClr val="bg1">
                       <a:lumMod val="65000"/>
@@ -10493,7 +10497,7 @@
                 </a:rPr>
               </a:br>
               <a:r>
-                <a:rPr lang="en-AU" sz="1400" dirty="0">
+                <a:rPr lang="en-AU" sz="1200" dirty="0">
                   <a:solidFill>
                     <a:schemeClr val="bg1">
                       <a:lumMod val="65000"/>
@@ -10503,7 +10507,7 @@
                 <a:t>                         </a:t>
               </a:r>
               <a:r>
-                <a:rPr lang="en-AU" sz="1400" dirty="0" err="1">
+                <a:rPr lang="en-AU" sz="1200" dirty="0" err="1">
                   <a:solidFill>
                     <a:schemeClr val="bg1">
                       <a:lumMod val="65000"/>
@@ -10513,7 +10517,7 @@
                 <a:t>Rnd</a:t>
               </a:r>
               <a:r>
-                <a:rPr lang="en-AU" sz="1400" dirty="0">
+                <a:rPr lang="en-AU" sz="1200" dirty="0">
                   <a:solidFill>
                     <a:schemeClr val="bg1">
                       <a:lumMod val="65000"/>
@@ -10523,7 +10527,7 @@
                 <a:t>(</a:t>
               </a:r>
               <a:r>
-                <a:rPr lang="en-AU" sz="1400" dirty="0" err="1">
+                <a:rPr lang="en-AU" sz="1200" dirty="0" err="1">
                   <a:solidFill>
                     <a:schemeClr val="bg1">
                       <a:lumMod val="65000"/>
@@ -10533,7 +10537,7 @@
                 <a:t>ScreenHeight</a:t>
               </a:r>
               <a:r>
-                <a:rPr lang="en-AU" sz="1400" dirty="0">
+                <a:rPr lang="en-AU" sz="1200" dirty="0">
                   <a:solidFill>
                     <a:schemeClr val="bg1">
                       <a:lumMod val="65000"/>
@@ -10543,7 +10547,7 @@
                 <a:t>()), </a:t>
               </a:r>
               <a:r>
-                <a:rPr lang="en-AU" sz="1400" dirty="0" err="1">
+                <a:rPr lang="en-AU" sz="1200" dirty="0" err="1">
                   <a:solidFill>
                     <a:schemeClr val="bg1">
                       <a:lumMod val="65000"/>
@@ -10553,7 +10557,7 @@
                 <a:t>Rnd</a:t>
               </a:r>
               <a:r>
-                <a:rPr lang="en-AU" sz="1400" dirty="0">
+                <a:rPr lang="en-AU" sz="1200" dirty="0">
                   <a:solidFill>
                     <a:schemeClr val="bg1">
                       <a:lumMod val="65000"/>
@@ -10569,7 +10573,7 @@
                 <a:buAutoNum type="arabicPeriod" startAt="4"/>
               </a:pPr>
               <a:r>
-                <a:rPr lang="en-AU" sz="1400" dirty="0">
+                <a:rPr lang="en-AU" sz="1200" dirty="0">
                   <a:solidFill>
                     <a:schemeClr val="bg1">
                       <a:lumMod val="65000"/>
@@ -10579,7 +10583,7 @@
                 <a:t>    </a:t>
               </a:r>
               <a:r>
-                <a:rPr lang="en-AU" sz="1400" dirty="0" err="1">
+                <a:rPr lang="en-AU" sz="1200" dirty="0" err="1">
                   <a:solidFill>
                     <a:schemeClr val="bg1">
                       <a:lumMod val="65000"/>
@@ -10589,7 +10593,7 @@
                 <a:t>RefreshScreen</a:t>
               </a:r>
               <a:r>
-                <a:rPr lang="en-AU" sz="1400" dirty="0">
+                <a:rPr lang="en-AU" sz="1200" dirty="0">
                   <a:solidFill>
                     <a:schemeClr val="bg1">
                       <a:lumMod val="65000"/>
@@ -10605,7 +10609,7 @@
                 <a:buAutoNum type="arabicPeriod" startAt="4"/>
               </a:pPr>
               <a:r>
-                <a:rPr lang="en-AU" sz="1400" dirty="0">
+                <a:rPr lang="en-AU" sz="1200" dirty="0">
                   <a:solidFill>
                     <a:schemeClr val="bg1">
                       <a:lumMod val="65000"/>
@@ -10615,7 +10619,7 @@
                 <a:t>    </a:t>
               </a:r>
               <a:r>
-                <a:rPr lang="en-AU" sz="1400" dirty="0" err="1">
+                <a:rPr lang="en-AU" sz="1200" dirty="0" err="1">
                   <a:solidFill>
                     <a:schemeClr val="bg1">
                       <a:lumMod val="65000"/>
@@ -10625,7 +10629,7 @@
                 <a:t>ProcessEvents</a:t>
               </a:r>
               <a:r>
-                <a:rPr lang="en-AU" sz="1400" dirty="0">
+                <a:rPr lang="en-AU" sz="1200" dirty="0">
                   <a:solidFill>
                     <a:schemeClr val="bg1">
                       <a:lumMod val="65000"/>
@@ -10640,7 +10644,7 @@
                 <a:buFont typeface="+mj-lt"/>
                 <a:buAutoNum type="arabicPeriod" startAt="4"/>
               </a:pPr>
-              <a:endParaRPr lang="en-AU" sz="1400" dirty="0">
+              <a:endParaRPr lang="en-AU" sz="1200" dirty="0">
                 <a:solidFill>
                   <a:schemeClr val="bg1">
                     <a:lumMod val="65000"/>
@@ -10654,23 +10658,23 @@
                 <a:buAutoNum type="arabicPeriod" startAt="4"/>
               </a:pPr>
               <a:r>
-                <a:rPr lang="en-AU" sz="1400" dirty="0"/>
+                <a:rPr lang="en-AU" sz="1200" dirty="0"/>
                 <a:t>    if (</a:t>
               </a:r>
               <a:r>
-                <a:rPr lang="en-AU" sz="1400" dirty="0" err="1"/>
+                <a:rPr lang="en-AU" sz="1200" dirty="0" err="1"/>
                 <a:t>KeyTyped</a:t>
               </a:r>
               <a:r>
-                <a:rPr lang="en-AU" sz="1400" dirty="0"/>
+                <a:rPr lang="en-AU" sz="1200" dirty="0"/>
                 <a:t>(</a:t>
               </a:r>
               <a:r>
-                <a:rPr lang="en-AU" sz="1400" dirty="0" err="1"/>
+                <a:rPr lang="en-AU" sz="1200" dirty="0" err="1"/>
                 <a:t>KeyCode.EscapeKey</a:t>
               </a:r>
               <a:r>
-                <a:rPr lang="en-AU" sz="1400" dirty="0"/>
+                <a:rPr lang="en-AU" sz="1200" dirty="0"/>
                 <a:t>))</a:t>
               </a:r>
             </a:p>
@@ -10680,7 +10684,7 @@
                 <a:buAutoNum type="arabicPeriod" startAt="4"/>
               </a:pPr>
               <a:r>
-                <a:rPr lang="en-AU" sz="1400" dirty="0">
+                <a:rPr lang="en-AU" sz="1200" dirty="0">
                   <a:solidFill>
                     <a:schemeClr val="bg1">
                       <a:lumMod val="65000"/>
@@ -10696,7 +10700,7 @@
                 <a:buAutoNum type="arabicPeriod" startAt="4"/>
               </a:pPr>
               <a:r>
-                <a:rPr lang="en-AU" sz="1400" dirty="0">
+                <a:rPr lang="en-AU" sz="1200" dirty="0">
                   <a:solidFill>
                     <a:schemeClr val="bg1">
                       <a:lumMod val="65000"/>
@@ -10712,7 +10716,7 @@
                 <a:buAutoNum type="arabicPeriod" startAt="4"/>
               </a:pPr>
               <a:r>
-                <a:rPr lang="en-AU" sz="1400" dirty="0">
+                <a:rPr lang="en-AU" sz="1200" dirty="0">
                   <a:solidFill>
                     <a:schemeClr val="bg1">
                       <a:lumMod val="65000"/>
@@ -10728,7 +10732,7 @@
                 <a:buAutoNum type="arabicPeriod" startAt="4"/>
               </a:pPr>
               <a:r>
-                <a:rPr lang="en-AU" sz="1400" dirty="0">
+                <a:rPr lang="en-AU" sz="1200" dirty="0">
                   <a:solidFill>
                     <a:schemeClr val="bg1">
                       <a:lumMod val="65000"/>
@@ -10738,98 +10742,61 @@
                 <a:t>}</a:t>
               </a:r>
             </a:p>
+            <a:p>
+              <a:pPr marL="342900" indent="-342900" rtl="0">
+                <a:buFont typeface="+mj-lt"/>
+                <a:buAutoNum type="arabicPeriod" startAt="4"/>
+              </a:pPr>
+              <a:r>
+                <a:rPr lang="en-AU" sz="1200" dirty="0">
+                  <a:solidFill>
+                    <a:schemeClr val="bg1">
+                      <a:lumMod val="65000"/>
+                    </a:schemeClr>
+                  </a:solidFill>
+                </a:rPr>
+                <a:t>WriteLine("Bye…")</a:t>
+              </a:r>
+            </a:p>
           </p:txBody>
         </p:sp>
-        <p:grpSp>
-          <p:nvGrpSpPr>
-            <p:cNvPr id="37" name="Group 36">
+        <p:sp>
+          <p:nvSpPr>
+            <p:cNvPr id="18" name="TextBox 17">
               <a:extLst>
                 <a:ext uri="{FF2B5EF4-FFF2-40B4-BE49-F238E27FC236}">
-                  <a16:creationId xmlns:a16="http://schemas.microsoft.com/office/drawing/2014/main" id="{2DBCA10F-924D-E145-7FF6-9A1953DEE281}"/>
+                  <a16:creationId xmlns:a16="http://schemas.microsoft.com/office/drawing/2014/main" id="{21E6B770-730F-7A2F-0BCC-DFD2371C6F55}"/>
                 </a:ext>
               </a:extLst>
             </p:cNvPr>
-            <p:cNvGrpSpPr/>
+            <p:cNvSpPr txBox="1"/>
             <p:nvPr/>
-          </p:nvGrpSpPr>
-          <p:grpSpPr>
+          </p:nvSpPr>
+          <p:spPr>
             <a:xfrm>
-              <a:off x="231271" y="917189"/>
-              <a:ext cx="1274409" cy="625877"/>
-              <a:chOff x="1357821" y="4757683"/>
-              <a:chExt cx="1274409" cy="625877"/>
+              <a:off x="231271" y="1002884"/>
+              <a:ext cx="554960" cy="369332"/>
             </a:xfrm>
-          </p:grpSpPr>
-          <p:pic>
-            <p:nvPicPr>
-              <p:cNvPr id="13" name="Picture 12" descr="A black square with white lines&#10;&#10;Description automatically generated">
-                <a:extLst>
-                  <a:ext uri="{FF2B5EF4-FFF2-40B4-BE49-F238E27FC236}">
-                    <a16:creationId xmlns:a16="http://schemas.microsoft.com/office/drawing/2014/main" id="{9975BC6B-61F7-6B1E-178A-EB5A5CF8412C}"/>
-                  </a:ext>
-                </a:extLst>
-              </p:cNvPr>
-              <p:cNvPicPr>
-                <a:picLocks noChangeAspect="1"/>
-              </p:cNvPicPr>
-              <p:nvPr/>
-            </p:nvPicPr>
-            <p:blipFill>
-              <a:blip r:embed="rId3">
-                <a:alphaModFix amt="30000"/>
-              </a:blip>
-              <a:stretch>
-                <a:fillRect/>
-              </a:stretch>
-            </p:blipFill>
-            <p:spPr>
-              <a:xfrm>
-                <a:off x="1950895" y="4757683"/>
-                <a:ext cx="681335" cy="625877"/>
-              </a:xfrm>
-              <a:prstGeom prst="rect">
-                <a:avLst/>
-              </a:prstGeom>
-            </p:spPr>
-          </p:pic>
-          <p:sp>
-            <p:nvSpPr>
-              <p:cNvPr id="18" name="TextBox 17">
-                <a:extLst>
-                  <a:ext uri="{FF2B5EF4-FFF2-40B4-BE49-F238E27FC236}">
-                    <a16:creationId xmlns:a16="http://schemas.microsoft.com/office/drawing/2014/main" id="{21E6B770-730F-7A2F-0BCC-DFD2371C6F55}"/>
-                  </a:ext>
-                </a:extLst>
-              </p:cNvPr>
-              <p:cNvSpPr txBox="1"/>
-              <p:nvPr/>
-            </p:nvSpPr>
-            <p:spPr>
-              <a:xfrm>
-                <a:off x="1357821" y="4843378"/>
-                <a:ext cx="554960" cy="369332"/>
-              </a:xfrm>
-              <a:prstGeom prst="rect">
-                <a:avLst/>
-              </a:prstGeom>
-              <a:noFill/>
-            </p:spPr>
-            <p:txBody>
-              <a:bodyPr wrap="none" rtlCol="0">
-                <a:spAutoFit/>
-              </a:bodyPr>
-              <a:lstStyle/>
-              <a:p>
-                <a:r>
-                  <a:rPr lang="en-US" dirty="0">
-                    <a:latin typeface="Gaegu" pitchFamily="2" charset="0"/>
-                  </a:rPr>
-                  <a:t>CPU</a:t>
-                </a:r>
-              </a:p>
-            </p:txBody>
-          </p:sp>
-        </p:grpSp>
+            <a:prstGeom prst="rect">
+              <a:avLst/>
+            </a:prstGeom>
+            <a:noFill/>
+          </p:spPr>
+          <p:txBody>
+            <a:bodyPr wrap="none" rtlCol="0">
+              <a:spAutoFit/>
+            </a:bodyPr>
+            <a:lstStyle/>
+            <a:p>
+              <a:r>
+                <a:rPr lang="en-US" dirty="0">
+                  <a:latin typeface="Gaegu" pitchFamily="2" charset="0"/>
+                </a:rPr>
+                <a:t>CPU</a:t>
+              </a:r>
+            </a:p>
+          </p:txBody>
+        </p:sp>
         <p:sp>
           <p:nvSpPr>
             <p:cNvPr id="2" name="TextBox 1">
@@ -12625,7 +12592,7 @@
             <p:nvPr/>
           </p:nvPicPr>
           <p:blipFill>
-            <a:blip r:embed="rId4">
+            <a:blip r:embed="rId3">
               <a:alphaModFix amt="30000"/>
             </a:blip>
             <a:stretch>
@@ -12694,8 +12661,8 @@
         </p:nvGrpSpPr>
         <p:grpSpPr>
           <a:xfrm>
-            <a:off x="1905137" y="2212561"/>
-            <a:ext cx="407468" cy="1482506"/>
+            <a:off x="1905137" y="2049275"/>
+            <a:ext cx="407468" cy="1712828"/>
             <a:chOff x="1668759" y="-13958058"/>
             <a:chExt cx="487848" cy="22198517"/>
           </a:xfrm>
@@ -12799,6 +12766,38 @@
           </p:txBody>
         </p:sp>
       </p:grpSp>
+      <p:pic>
+        <p:nvPicPr>
+          <p:cNvPr id="4" name="Picture 3" descr="A black square with white lines&#10;&#10;Description automatically generated">
+            <a:extLst>
+              <a:ext uri="{FF2B5EF4-FFF2-40B4-BE49-F238E27FC236}">
+                <a16:creationId xmlns:a16="http://schemas.microsoft.com/office/drawing/2014/main" id="{123D4C17-73D4-5AF6-BDC4-7B323B41634A}"/>
+              </a:ext>
+            </a:extLst>
+          </p:cNvPr>
+          <p:cNvPicPr>
+            <a:picLocks noChangeAspect="1"/>
+          </p:cNvPicPr>
+          <p:nvPr/>
+        </p:nvPicPr>
+        <p:blipFill>
+          <a:blip r:embed="rId4">
+            <a:alphaModFix/>
+          </a:blip>
+          <a:stretch>
+            <a:fillRect/>
+          </a:stretch>
+        </p:blipFill>
+        <p:spPr>
+          <a:xfrm>
+            <a:off x="822117" y="4020857"/>
+            <a:ext cx="681335" cy="625877"/>
+          </a:xfrm>
+          <a:prstGeom prst="rect">
+            <a:avLst/>
+          </a:prstGeom>
+        </p:spPr>
+      </p:pic>
     </p:spTree>
     <p:extLst>
       <p:ext uri="{BB962C8B-B14F-4D97-AF65-F5344CB8AC3E}">
@@ -12877,8 +12876,8 @@
           </p:nvSpPr>
           <p:spPr>
             <a:xfrm>
-              <a:off x="2243036" y="-2557454"/>
-              <a:ext cx="5034154" cy="2677656"/>
+              <a:off x="2243036" y="-2470366"/>
+              <a:ext cx="5034154" cy="2492990"/>
             </a:xfrm>
             <a:prstGeom prst="rect">
               <a:avLst/>
@@ -12896,15 +12895,15 @@
                 <a:buAutoNum type="arabicPeriod" startAt="4"/>
               </a:pPr>
               <a:r>
-                <a:rPr lang="en-AU" sz="1400" dirty="0"/>
+                <a:rPr lang="en-AU" sz="1200" dirty="0"/>
                 <a:t>while ( !</a:t>
               </a:r>
               <a:r>
-                <a:rPr lang="en-AU" sz="1400" dirty="0" err="1"/>
+                <a:rPr lang="en-AU" sz="1200" dirty="0" err="1"/>
                 <a:t>QuitRequested</a:t>
               </a:r>
               <a:r>
-                <a:rPr lang="en-AU" sz="1400" dirty="0"/>
+                <a:rPr lang="en-AU" sz="1200" dirty="0"/>
                 <a:t>())</a:t>
               </a:r>
             </a:p>
@@ -12914,7 +12913,7 @@
                 <a:buAutoNum type="arabicPeriod" startAt="4"/>
               </a:pPr>
               <a:r>
-                <a:rPr lang="en-AU" sz="1400" dirty="0">
+                <a:rPr lang="en-AU" sz="1200" dirty="0">
                   <a:solidFill>
                     <a:schemeClr val="bg1">
                       <a:lumMod val="65000"/>
@@ -12930,7 +12929,7 @@
                 <a:buAutoNum type="arabicPeriod" startAt="4"/>
               </a:pPr>
               <a:r>
-                <a:rPr lang="en-AU" sz="1400" dirty="0">
+                <a:rPr lang="en-AU" sz="1200" dirty="0">
                   <a:solidFill>
                     <a:schemeClr val="bg1">
                       <a:lumMod val="65000"/>
@@ -12940,7 +12939,7 @@
                 <a:t>    </a:t>
               </a:r>
               <a:r>
-                <a:rPr lang="en-AU" sz="1400" dirty="0" err="1">
+                <a:rPr lang="en-AU" sz="1200" dirty="0" err="1">
                   <a:solidFill>
                     <a:schemeClr val="bg1">
                       <a:lumMod val="65000"/>
@@ -12950,7 +12949,7 @@
                 <a:t>FillCircle</a:t>
               </a:r>
               <a:r>
-                <a:rPr lang="en-AU" sz="1400" dirty="0">
+                <a:rPr lang="en-AU" sz="1200" dirty="0">
                   <a:solidFill>
                     <a:schemeClr val="bg1">
                       <a:lumMod val="65000"/>
@@ -12960,7 +12959,7 @@
                 <a:t>(</a:t>
               </a:r>
               <a:r>
-                <a:rPr lang="en-AU" sz="1400" dirty="0" err="1">
+                <a:rPr lang="en-AU" sz="1200" dirty="0" err="1">
                   <a:solidFill>
                     <a:schemeClr val="bg1">
                       <a:lumMod val="65000"/>
@@ -12970,7 +12969,7 @@
                 <a:t>RandomColor</a:t>
               </a:r>
               <a:r>
-                <a:rPr lang="en-AU" sz="1400" dirty="0">
+                <a:rPr lang="en-AU" sz="1200" dirty="0">
                   <a:solidFill>
                     <a:schemeClr val="bg1">
                       <a:lumMod val="65000"/>
@@ -12980,7 +12979,7 @@
                 <a:t>(), </a:t>
               </a:r>
               <a:r>
-                <a:rPr lang="en-AU" sz="1400" dirty="0" err="1">
+                <a:rPr lang="en-AU" sz="1200" dirty="0" err="1">
                   <a:solidFill>
                     <a:schemeClr val="bg1">
                       <a:lumMod val="65000"/>
@@ -12990,7 +12989,7 @@
                 <a:t>Rnd</a:t>
               </a:r>
               <a:r>
-                <a:rPr lang="en-AU" sz="1400" dirty="0">
+                <a:rPr lang="en-AU" sz="1200" dirty="0">
                   <a:solidFill>
                     <a:schemeClr val="bg1">
                       <a:lumMod val="65000"/>
@@ -13000,7 +12999,7 @@
                 <a:t>(</a:t>
               </a:r>
               <a:r>
-                <a:rPr lang="en-AU" sz="1400" dirty="0" err="1">
+                <a:rPr lang="en-AU" sz="1200" dirty="0" err="1">
                   <a:solidFill>
                     <a:schemeClr val="bg1">
                       <a:lumMod val="65000"/>
@@ -13010,7 +13009,7 @@
                 <a:t>ScreenWidth</a:t>
               </a:r>
               <a:r>
-                <a:rPr lang="en-AU" sz="1400" dirty="0">
+                <a:rPr lang="en-AU" sz="1200" dirty="0">
                   <a:solidFill>
                     <a:schemeClr val="bg1">
                       <a:lumMod val="65000"/>
@@ -13020,7 +13019,7 @@
                 <a:t>()),</a:t>
               </a:r>
               <a:br>
-                <a:rPr lang="en-AU" sz="1400" dirty="0">
+                <a:rPr lang="en-AU" sz="1200" dirty="0">
                   <a:solidFill>
                     <a:schemeClr val="bg1">
                       <a:lumMod val="65000"/>
@@ -13029,7 +13028,7 @@
                 </a:rPr>
               </a:br>
               <a:r>
-                <a:rPr lang="en-AU" sz="1400" dirty="0">
+                <a:rPr lang="en-AU" sz="1200" dirty="0">
                   <a:solidFill>
                     <a:schemeClr val="bg1">
                       <a:lumMod val="65000"/>
@@ -13039,7 +13038,7 @@
                 <a:t>                         </a:t>
               </a:r>
               <a:r>
-                <a:rPr lang="en-AU" sz="1400" dirty="0" err="1">
+                <a:rPr lang="en-AU" sz="1200" dirty="0" err="1">
                   <a:solidFill>
                     <a:schemeClr val="bg1">
                       <a:lumMod val="65000"/>
@@ -13049,7 +13048,7 @@
                 <a:t>Rnd</a:t>
               </a:r>
               <a:r>
-                <a:rPr lang="en-AU" sz="1400" dirty="0">
+                <a:rPr lang="en-AU" sz="1200" dirty="0">
                   <a:solidFill>
                     <a:schemeClr val="bg1">
                       <a:lumMod val="65000"/>
@@ -13059,7 +13058,7 @@
                 <a:t>(</a:t>
               </a:r>
               <a:r>
-                <a:rPr lang="en-AU" sz="1400" dirty="0" err="1">
+                <a:rPr lang="en-AU" sz="1200" dirty="0" err="1">
                   <a:solidFill>
                     <a:schemeClr val="bg1">
                       <a:lumMod val="65000"/>
@@ -13069,7 +13068,7 @@
                 <a:t>ScreenHeight</a:t>
               </a:r>
               <a:r>
-                <a:rPr lang="en-AU" sz="1400" dirty="0">
+                <a:rPr lang="en-AU" sz="1200" dirty="0">
                   <a:solidFill>
                     <a:schemeClr val="bg1">
                       <a:lumMod val="65000"/>
@@ -13079,7 +13078,7 @@
                 <a:t>()), </a:t>
               </a:r>
               <a:r>
-                <a:rPr lang="en-AU" sz="1400" dirty="0" err="1">
+                <a:rPr lang="en-AU" sz="1200" dirty="0" err="1">
                   <a:solidFill>
                     <a:schemeClr val="bg1">
                       <a:lumMod val="65000"/>
@@ -13089,7 +13088,7 @@
                 <a:t>Rnd</a:t>
               </a:r>
               <a:r>
-                <a:rPr lang="en-AU" sz="1400" dirty="0">
+                <a:rPr lang="en-AU" sz="1200" dirty="0">
                   <a:solidFill>
                     <a:schemeClr val="bg1">
                       <a:lumMod val="65000"/>
@@ -13105,7 +13104,7 @@
                 <a:buAutoNum type="arabicPeriod" startAt="4"/>
               </a:pPr>
               <a:r>
-                <a:rPr lang="en-AU" sz="1400" dirty="0">
+                <a:rPr lang="en-AU" sz="1200" dirty="0">
                   <a:solidFill>
                     <a:schemeClr val="bg1">
                       <a:lumMod val="65000"/>
@@ -13115,7 +13114,7 @@
                 <a:t>    </a:t>
               </a:r>
               <a:r>
-                <a:rPr lang="en-AU" sz="1400" dirty="0" err="1">
+                <a:rPr lang="en-AU" sz="1200" dirty="0" err="1">
                   <a:solidFill>
                     <a:schemeClr val="bg1">
                       <a:lumMod val="65000"/>
@@ -13125,7 +13124,7 @@
                 <a:t>RefreshScreen</a:t>
               </a:r>
               <a:r>
-                <a:rPr lang="en-AU" sz="1400" dirty="0">
+                <a:rPr lang="en-AU" sz="1200" dirty="0">
                   <a:solidFill>
                     <a:schemeClr val="bg1">
                       <a:lumMod val="65000"/>
@@ -13141,7 +13140,7 @@
                 <a:buAutoNum type="arabicPeriod" startAt="4"/>
               </a:pPr>
               <a:r>
-                <a:rPr lang="en-AU" sz="1400" dirty="0">
+                <a:rPr lang="en-AU" sz="1200" dirty="0">
                   <a:solidFill>
                     <a:schemeClr val="bg1">
                       <a:lumMod val="65000"/>
@@ -13151,7 +13150,7 @@
                 <a:t>    </a:t>
               </a:r>
               <a:r>
-                <a:rPr lang="en-AU" sz="1400" dirty="0" err="1">
+                <a:rPr lang="en-AU" sz="1200" dirty="0" err="1">
                   <a:solidFill>
                     <a:schemeClr val="bg1">
                       <a:lumMod val="65000"/>
@@ -13161,7 +13160,7 @@
                 <a:t>ProcessEvents</a:t>
               </a:r>
               <a:r>
-                <a:rPr lang="en-AU" sz="1400" dirty="0">
+                <a:rPr lang="en-AU" sz="1200" dirty="0">
                   <a:solidFill>
                     <a:schemeClr val="bg1">
                       <a:lumMod val="65000"/>
@@ -13176,7 +13175,7 @@
                 <a:buFont typeface="+mj-lt"/>
                 <a:buAutoNum type="arabicPeriod" startAt="4"/>
               </a:pPr>
-              <a:endParaRPr lang="en-AU" sz="1400" dirty="0">
+              <a:endParaRPr lang="en-AU" sz="1200" dirty="0">
                 <a:solidFill>
                   <a:schemeClr val="bg1">
                     <a:lumMod val="65000"/>
@@ -13190,7 +13189,7 @@
                 <a:buAutoNum type="arabicPeriod" startAt="4"/>
               </a:pPr>
               <a:r>
-                <a:rPr lang="en-AU" sz="1400" dirty="0">
+                <a:rPr lang="en-AU" sz="1200" dirty="0">
                   <a:solidFill>
                     <a:schemeClr val="bg1">
                       <a:lumMod val="65000"/>
@@ -13200,7 +13199,7 @@
                 <a:t>    if (</a:t>
               </a:r>
               <a:r>
-                <a:rPr lang="en-AU" sz="1400" dirty="0" err="1">
+                <a:rPr lang="en-AU" sz="1200" dirty="0" err="1">
                   <a:solidFill>
                     <a:schemeClr val="bg1">
                       <a:lumMod val="65000"/>
@@ -13210,7 +13209,7 @@
                 <a:t>KeyTyped</a:t>
               </a:r>
               <a:r>
-                <a:rPr lang="en-AU" sz="1400" dirty="0">
+                <a:rPr lang="en-AU" sz="1200" dirty="0">
                   <a:solidFill>
                     <a:schemeClr val="bg1">
                       <a:lumMod val="65000"/>
@@ -13220,7 +13219,7 @@
                 <a:t>(</a:t>
               </a:r>
               <a:r>
-                <a:rPr lang="en-AU" sz="1400" dirty="0" err="1">
+                <a:rPr lang="en-AU" sz="1200" dirty="0" err="1">
                   <a:solidFill>
                     <a:schemeClr val="bg1">
                       <a:lumMod val="65000"/>
@@ -13230,7 +13229,7 @@
                 <a:t>KeyCode.EscapeKey</a:t>
               </a:r>
               <a:r>
-                <a:rPr lang="en-AU" sz="1400" dirty="0">
+                <a:rPr lang="en-AU" sz="1200" dirty="0">
                   <a:solidFill>
                     <a:schemeClr val="bg1">
                       <a:lumMod val="65000"/>
@@ -13246,7 +13245,7 @@
                 <a:buAutoNum type="arabicPeriod" startAt="4"/>
               </a:pPr>
               <a:r>
-                <a:rPr lang="en-AU" sz="1400" dirty="0">
+                <a:rPr lang="en-AU" sz="1200" dirty="0">
                   <a:solidFill>
                     <a:schemeClr val="bg1">
                       <a:lumMod val="65000"/>
@@ -13262,7 +13261,7 @@
                 <a:buAutoNum type="arabicPeriod" startAt="4"/>
               </a:pPr>
               <a:r>
-                <a:rPr lang="en-AU" sz="1400" dirty="0">
+                <a:rPr lang="en-AU" sz="1200" dirty="0">
                   <a:solidFill>
                     <a:schemeClr val="bg1">
                       <a:lumMod val="65000"/>
@@ -13278,7 +13277,7 @@
                 <a:buAutoNum type="arabicPeriod" startAt="4"/>
               </a:pPr>
               <a:r>
-                <a:rPr lang="en-AU" sz="1400" dirty="0">
+                <a:rPr lang="en-AU" sz="1200" dirty="0">
                   <a:solidFill>
                     <a:schemeClr val="bg1">
                       <a:lumMod val="65000"/>
@@ -13294,7 +13293,7 @@
                 <a:buAutoNum type="arabicPeriod" startAt="4"/>
               </a:pPr>
               <a:r>
-                <a:rPr lang="en-AU" sz="1400" dirty="0">
+                <a:rPr lang="en-AU" sz="1200" dirty="0">
                   <a:solidFill>
                     <a:schemeClr val="bg1">
                       <a:lumMod val="65000"/>
@@ -13304,98 +13303,61 @@
                 <a:t>}</a:t>
               </a:r>
             </a:p>
+            <a:p>
+              <a:pPr marL="342900" indent="-342900" rtl="0">
+                <a:buFont typeface="+mj-lt"/>
+                <a:buAutoNum type="arabicPeriod" startAt="4"/>
+              </a:pPr>
+              <a:r>
+                <a:rPr lang="en-AU" sz="1200" dirty="0">
+                  <a:solidFill>
+                    <a:schemeClr val="bg1">
+                      <a:lumMod val="65000"/>
+                    </a:schemeClr>
+                  </a:solidFill>
+                </a:rPr>
+                <a:t>WriteLine("Bye…")</a:t>
+              </a:r>
+            </a:p>
           </p:txBody>
         </p:sp>
-        <p:grpSp>
-          <p:nvGrpSpPr>
-            <p:cNvPr id="37" name="Group 36">
+        <p:sp>
+          <p:nvSpPr>
+            <p:cNvPr id="18" name="TextBox 17">
               <a:extLst>
                 <a:ext uri="{FF2B5EF4-FFF2-40B4-BE49-F238E27FC236}">
-                  <a16:creationId xmlns:a16="http://schemas.microsoft.com/office/drawing/2014/main" id="{2DBCA10F-924D-E145-7FF6-9A1953DEE281}"/>
+                  <a16:creationId xmlns:a16="http://schemas.microsoft.com/office/drawing/2014/main" id="{21E6B770-730F-7A2F-0BCC-DFD2371C6F55}"/>
                 </a:ext>
               </a:extLst>
             </p:cNvPr>
-            <p:cNvGrpSpPr/>
+            <p:cNvSpPr txBox="1"/>
             <p:nvPr/>
-          </p:nvGrpSpPr>
-          <p:grpSpPr>
+          </p:nvSpPr>
+          <p:spPr>
             <a:xfrm>
-              <a:off x="231271" y="917189"/>
-              <a:ext cx="1274409" cy="625877"/>
-              <a:chOff x="1357821" y="4757683"/>
-              <a:chExt cx="1274409" cy="625877"/>
+              <a:off x="231271" y="1002884"/>
+              <a:ext cx="554960" cy="369332"/>
             </a:xfrm>
-          </p:grpSpPr>
-          <p:pic>
-            <p:nvPicPr>
-              <p:cNvPr id="13" name="Picture 12" descr="A black square with white lines&#10;&#10;Description automatically generated">
-                <a:extLst>
-                  <a:ext uri="{FF2B5EF4-FFF2-40B4-BE49-F238E27FC236}">
-                    <a16:creationId xmlns:a16="http://schemas.microsoft.com/office/drawing/2014/main" id="{9975BC6B-61F7-6B1E-178A-EB5A5CF8412C}"/>
-                  </a:ext>
-                </a:extLst>
-              </p:cNvPr>
-              <p:cNvPicPr>
-                <a:picLocks noChangeAspect="1"/>
-              </p:cNvPicPr>
-              <p:nvPr/>
-            </p:nvPicPr>
-            <p:blipFill>
-              <a:blip r:embed="rId3">
-                <a:alphaModFix amt="30000"/>
-              </a:blip>
-              <a:stretch>
-                <a:fillRect/>
-              </a:stretch>
-            </p:blipFill>
-            <p:spPr>
-              <a:xfrm>
-                <a:off x="1950895" y="4757683"/>
-                <a:ext cx="681335" cy="625877"/>
-              </a:xfrm>
-              <a:prstGeom prst="rect">
-                <a:avLst/>
-              </a:prstGeom>
-            </p:spPr>
-          </p:pic>
-          <p:sp>
-            <p:nvSpPr>
-              <p:cNvPr id="18" name="TextBox 17">
-                <a:extLst>
-                  <a:ext uri="{FF2B5EF4-FFF2-40B4-BE49-F238E27FC236}">
-                    <a16:creationId xmlns:a16="http://schemas.microsoft.com/office/drawing/2014/main" id="{21E6B770-730F-7A2F-0BCC-DFD2371C6F55}"/>
-                  </a:ext>
-                </a:extLst>
-              </p:cNvPr>
-              <p:cNvSpPr txBox="1"/>
-              <p:nvPr/>
-            </p:nvSpPr>
-            <p:spPr>
-              <a:xfrm>
-                <a:off x="1357821" y="4843378"/>
-                <a:ext cx="554960" cy="369332"/>
-              </a:xfrm>
-              <a:prstGeom prst="rect">
-                <a:avLst/>
-              </a:prstGeom>
-              <a:noFill/>
-            </p:spPr>
-            <p:txBody>
-              <a:bodyPr wrap="none" rtlCol="0">
-                <a:spAutoFit/>
-              </a:bodyPr>
-              <a:lstStyle/>
-              <a:p>
-                <a:r>
-                  <a:rPr lang="en-US" dirty="0">
-                    <a:latin typeface="Gaegu" pitchFamily="2" charset="0"/>
-                  </a:rPr>
-                  <a:t>CPU</a:t>
-                </a:r>
-              </a:p>
-            </p:txBody>
-          </p:sp>
-        </p:grpSp>
+            <a:prstGeom prst="rect">
+              <a:avLst/>
+            </a:prstGeom>
+            <a:noFill/>
+          </p:spPr>
+          <p:txBody>
+            <a:bodyPr wrap="none" rtlCol="0">
+              <a:spAutoFit/>
+            </a:bodyPr>
+            <a:lstStyle/>
+            <a:p>
+              <a:r>
+                <a:rPr lang="en-US" dirty="0">
+                  <a:latin typeface="Gaegu" pitchFamily="2" charset="0"/>
+                </a:rPr>
+                <a:t>CPU</a:t>
+              </a:r>
+            </a:p>
+          </p:txBody>
+        </p:sp>
         <p:sp>
           <p:nvSpPr>
             <p:cNvPr id="2" name="TextBox 1">
@@ -15191,7 +15153,7 @@
             <p:nvPr/>
           </p:nvPicPr>
           <p:blipFill>
-            <a:blip r:embed="rId4">
+            <a:blip r:embed="rId3">
               <a:alphaModFix amt="30000"/>
             </a:blip>
             <a:stretch>
@@ -15260,8 +15222,8 @@
         </p:nvGrpSpPr>
         <p:grpSpPr>
           <a:xfrm>
-            <a:off x="1905137" y="721218"/>
-            <a:ext cx="407468" cy="3137273"/>
+            <a:off x="1905137" y="783771"/>
+            <a:ext cx="407468" cy="3237086"/>
             <a:chOff x="1668759" y="-13958058"/>
             <a:chExt cx="487848" cy="22198517"/>
           </a:xfrm>
@@ -15365,6 +15327,38 @@
           </p:txBody>
         </p:sp>
       </p:grpSp>
+      <p:pic>
+        <p:nvPicPr>
+          <p:cNvPr id="4" name="Picture 3" descr="A black square with white lines&#10;&#10;Description automatically generated">
+            <a:extLst>
+              <a:ext uri="{FF2B5EF4-FFF2-40B4-BE49-F238E27FC236}">
+                <a16:creationId xmlns:a16="http://schemas.microsoft.com/office/drawing/2014/main" id="{36285D4A-CC77-539F-7014-CAF9040C8EA4}"/>
+              </a:ext>
+            </a:extLst>
+          </p:cNvPr>
+          <p:cNvPicPr>
+            <a:picLocks noChangeAspect="1"/>
+          </p:cNvPicPr>
+          <p:nvPr/>
+        </p:nvPicPr>
+        <p:blipFill>
+          <a:blip r:embed="rId4">
+            <a:alphaModFix/>
+          </a:blip>
+          <a:stretch>
+            <a:fillRect/>
+          </a:stretch>
+        </p:blipFill>
+        <p:spPr>
+          <a:xfrm>
+            <a:off x="822117" y="4020857"/>
+            <a:ext cx="681335" cy="625877"/>
+          </a:xfrm>
+          <a:prstGeom prst="rect">
+            <a:avLst/>
+          </a:prstGeom>
+        </p:spPr>
+      </p:pic>
     </p:spTree>
     <p:extLst>
       <p:ext uri="{BB962C8B-B14F-4D97-AF65-F5344CB8AC3E}">
@@ -15443,7 +15437,7 @@
           </p:nvSpPr>
           <p:spPr>
             <a:xfrm>
-              <a:off x="2243036" y="-2557454"/>
+              <a:off x="2243036" y="-2470366"/>
               <a:ext cx="5034154" cy="2677656"/>
             </a:xfrm>
             <a:prstGeom prst="rect">
@@ -15462,7 +15456,7 @@
                 <a:buAutoNum type="arabicPeriod" startAt="4"/>
               </a:pPr>
               <a:r>
-                <a:rPr lang="en-AU" sz="1400" dirty="0">
+                <a:rPr lang="en-AU" sz="1200" dirty="0">
                   <a:solidFill>
                     <a:schemeClr val="bg1">
                       <a:lumMod val="65000"/>
@@ -15472,7 +15466,7 @@
                 <a:t>while ( !</a:t>
               </a:r>
               <a:r>
-                <a:rPr lang="en-AU" sz="1400" dirty="0" err="1">
+                <a:rPr lang="en-AU" sz="1200" dirty="0" err="1">
                   <a:solidFill>
                     <a:schemeClr val="bg1">
                       <a:lumMod val="65000"/>
@@ -15482,7 +15476,7 @@
                 <a:t>QuitRequested</a:t>
               </a:r>
               <a:r>
-                <a:rPr lang="en-AU" sz="1400" dirty="0">
+                <a:rPr lang="en-AU" sz="1200" dirty="0">
                   <a:solidFill>
                     <a:schemeClr val="bg1">
                       <a:lumMod val="65000"/>
@@ -15498,7 +15492,7 @@
                 <a:buAutoNum type="arabicPeriod" startAt="4"/>
               </a:pPr>
               <a:r>
-                <a:rPr lang="en-AU" sz="1400" dirty="0">
+                <a:rPr lang="en-AU" sz="1200" dirty="0">
                   <a:solidFill>
                     <a:schemeClr val="bg1">
                       <a:lumMod val="65000"/>
@@ -15514,70 +15508,70 @@
                 <a:buAutoNum type="arabicPeriod" startAt="4"/>
               </a:pPr>
               <a:r>
-                <a:rPr lang="en-AU" sz="1400" dirty="0"/>
+                <a:rPr lang="en-AU" sz="1200" dirty="0"/>
                 <a:t>    </a:t>
               </a:r>
               <a:r>
-                <a:rPr lang="en-AU" sz="1400" dirty="0" err="1"/>
+                <a:rPr lang="en-AU" sz="1200" dirty="0" err="1"/>
                 <a:t>FillCircle</a:t>
               </a:r>
               <a:r>
-                <a:rPr lang="en-AU" sz="1400" dirty="0"/>
+                <a:rPr lang="en-AU" sz="1200" dirty="0"/>
                 <a:t>(</a:t>
               </a:r>
               <a:r>
-                <a:rPr lang="en-AU" sz="1400" dirty="0" err="1"/>
+                <a:rPr lang="en-AU" sz="1200" dirty="0" err="1"/>
                 <a:t>RandomColor</a:t>
               </a:r>
               <a:r>
-                <a:rPr lang="en-AU" sz="1400" dirty="0"/>
+                <a:rPr lang="en-AU" sz="1200" dirty="0"/>
                 <a:t>(), </a:t>
               </a:r>
               <a:r>
-                <a:rPr lang="en-AU" sz="1400" dirty="0" err="1"/>
+                <a:rPr lang="en-AU" sz="1200" dirty="0" err="1"/>
                 <a:t>Rnd</a:t>
               </a:r>
               <a:r>
-                <a:rPr lang="en-AU" sz="1400" dirty="0"/>
+                <a:rPr lang="en-AU" sz="1200" dirty="0"/>
                 <a:t>(</a:t>
               </a:r>
               <a:r>
-                <a:rPr lang="en-AU" sz="1400" dirty="0" err="1"/>
+                <a:rPr lang="en-AU" sz="1200" dirty="0" err="1"/>
                 <a:t>ScreenWidth</a:t>
               </a:r>
               <a:r>
-                <a:rPr lang="en-AU" sz="1400" dirty="0"/>
+                <a:rPr lang="en-AU" sz="1200" dirty="0"/>
                 <a:t>()),</a:t>
               </a:r>
               <a:br>
-                <a:rPr lang="en-AU" sz="1400" dirty="0"/>
+                <a:rPr lang="en-AU" sz="1200" dirty="0"/>
               </a:br>
               <a:r>
-                <a:rPr lang="en-AU" sz="1400" dirty="0"/>
+                <a:rPr lang="en-AU" sz="1200" dirty="0"/>
                 <a:t>                         </a:t>
               </a:r>
               <a:r>
-                <a:rPr lang="en-AU" sz="1400" dirty="0" err="1"/>
+                <a:rPr lang="en-AU" sz="1200" dirty="0" err="1"/>
                 <a:t>Rnd</a:t>
               </a:r>
               <a:r>
-                <a:rPr lang="en-AU" sz="1400" dirty="0"/>
+                <a:rPr lang="en-AU" sz="1200" dirty="0"/>
                 <a:t>(</a:t>
               </a:r>
               <a:r>
-                <a:rPr lang="en-AU" sz="1400" dirty="0" err="1"/>
+                <a:rPr lang="en-AU" sz="1200" dirty="0" err="1"/>
                 <a:t>ScreenHeight</a:t>
               </a:r>
               <a:r>
-                <a:rPr lang="en-AU" sz="1400" dirty="0"/>
+                <a:rPr lang="en-AU" sz="1200" dirty="0"/>
                 <a:t>()), </a:t>
               </a:r>
               <a:r>
-                <a:rPr lang="en-AU" sz="1400" dirty="0" err="1"/>
+                <a:rPr lang="en-AU" sz="1200" dirty="0" err="1"/>
                 <a:t>Rnd</a:t>
               </a:r>
               <a:r>
-                <a:rPr lang="en-AU" sz="1400" dirty="0"/>
+                <a:rPr lang="en-AU" sz="1200" dirty="0"/>
                 <a:t>(50));</a:t>
               </a:r>
             </a:p>
@@ -15587,15 +15581,15 @@
                 <a:buAutoNum type="arabicPeriod" startAt="4"/>
               </a:pPr>
               <a:r>
-                <a:rPr lang="en-AU" sz="1400" dirty="0"/>
+                <a:rPr lang="en-AU" sz="1200" dirty="0"/>
                 <a:t>    </a:t>
               </a:r>
               <a:r>
-                <a:rPr lang="en-AU" sz="1400" dirty="0" err="1"/>
+                <a:rPr lang="en-AU" sz="1200" dirty="0" err="1"/>
                 <a:t>RefreshScreen</a:t>
               </a:r>
               <a:r>
-                <a:rPr lang="en-AU" sz="1400" dirty="0"/>
+                <a:rPr lang="en-AU" sz="1200" dirty="0"/>
                 <a:t>();</a:t>
               </a:r>
             </a:p>
@@ -15605,15 +15599,15 @@
                 <a:buAutoNum type="arabicPeriod" startAt="4"/>
               </a:pPr>
               <a:r>
-                <a:rPr lang="en-AU" sz="1400" dirty="0"/>
+                <a:rPr lang="en-AU" sz="1200" dirty="0"/>
                 <a:t>    </a:t>
               </a:r>
               <a:r>
-                <a:rPr lang="en-AU" sz="1400" dirty="0" err="1"/>
+                <a:rPr lang="en-AU" sz="1200" dirty="0" err="1"/>
                 <a:t>ProcessEvents</a:t>
               </a:r>
               <a:r>
-                <a:rPr lang="en-AU" sz="1400" dirty="0"/>
+                <a:rPr lang="en-AU" sz="1200" dirty="0"/>
                 <a:t>();</a:t>
               </a:r>
             </a:p>
@@ -15622,7 +15616,7 @@
                 <a:buFont typeface="+mj-lt"/>
                 <a:buAutoNum type="arabicPeriod" startAt="4"/>
               </a:pPr>
-              <a:endParaRPr lang="en-AU" sz="1400" dirty="0">
+              <a:endParaRPr lang="en-AU" sz="1200" dirty="0">
                 <a:solidFill>
                   <a:schemeClr val="bg1">
                     <a:lumMod val="65000"/>
@@ -15636,7 +15630,7 @@
                 <a:buAutoNum type="arabicPeriod" startAt="4"/>
               </a:pPr>
               <a:r>
-                <a:rPr lang="en-AU" sz="1400" dirty="0">
+                <a:rPr lang="en-AU" sz="1200" dirty="0">
                   <a:solidFill>
                     <a:schemeClr val="bg1">
                       <a:lumMod val="65000"/>
@@ -15646,7 +15640,7 @@
                 <a:t>    if (</a:t>
               </a:r>
               <a:r>
-                <a:rPr lang="en-AU" sz="1400" dirty="0" err="1">
+                <a:rPr lang="en-AU" sz="1200" dirty="0" err="1">
                   <a:solidFill>
                     <a:schemeClr val="bg1">
                       <a:lumMod val="65000"/>
@@ -15656,7 +15650,7 @@
                 <a:t>KeyTyped</a:t>
               </a:r>
               <a:r>
-                <a:rPr lang="en-AU" sz="1400" dirty="0">
+                <a:rPr lang="en-AU" sz="1200" dirty="0">
                   <a:solidFill>
                     <a:schemeClr val="bg1">
                       <a:lumMod val="65000"/>
@@ -15666,7 +15660,7 @@
                 <a:t>(</a:t>
               </a:r>
               <a:r>
-                <a:rPr lang="en-AU" sz="1400" dirty="0" err="1">
+                <a:rPr lang="en-AU" sz="1200" dirty="0" err="1">
                   <a:solidFill>
                     <a:schemeClr val="bg1">
                       <a:lumMod val="65000"/>
@@ -15676,7 +15670,7 @@
                 <a:t>KeyCode.EscapeKey</a:t>
               </a:r>
               <a:r>
-                <a:rPr lang="en-AU" sz="1400" dirty="0">
+                <a:rPr lang="en-AU" sz="1200" dirty="0">
                   <a:solidFill>
                     <a:schemeClr val="bg1">
                       <a:lumMod val="65000"/>
@@ -15692,7 +15686,7 @@
                 <a:buAutoNum type="arabicPeriod" startAt="4"/>
               </a:pPr>
               <a:r>
-                <a:rPr lang="en-AU" sz="1400" dirty="0">
+                <a:rPr lang="en-AU" sz="1200" dirty="0">
                   <a:solidFill>
                     <a:schemeClr val="bg1">
                       <a:lumMod val="65000"/>
@@ -15708,7 +15702,7 @@
                 <a:buAutoNum type="arabicPeriod" startAt="4"/>
               </a:pPr>
               <a:r>
-                <a:rPr lang="en-AU" sz="1400" dirty="0">
+                <a:rPr lang="en-AU" sz="1200" dirty="0">
                   <a:solidFill>
                     <a:schemeClr val="bg1">
                       <a:lumMod val="65000"/>
@@ -15724,7 +15718,7 @@
                 <a:buAutoNum type="arabicPeriod" startAt="4"/>
               </a:pPr>
               <a:r>
-                <a:rPr lang="en-AU" sz="1400" dirty="0">
+                <a:rPr lang="en-AU" sz="1200" dirty="0">
                   <a:solidFill>
                     <a:schemeClr val="bg1">
                       <a:lumMod val="65000"/>
@@ -15740,7 +15734,7 @@
                 <a:buAutoNum type="arabicPeriod" startAt="4"/>
               </a:pPr>
               <a:r>
-                <a:rPr lang="en-AU" sz="1400" dirty="0">
+                <a:rPr lang="en-AU" sz="1200" dirty="0">
                   <a:solidFill>
                     <a:schemeClr val="bg1">
                       <a:lumMod val="65000"/>
@@ -15750,98 +15744,74 @@
                 <a:t>}</a:t>
               </a:r>
             </a:p>
+            <a:p>
+              <a:pPr marL="342900" indent="-342900" rtl="0">
+                <a:buFont typeface="+mj-lt"/>
+                <a:buAutoNum type="arabicPeriod" startAt="4"/>
+              </a:pPr>
+              <a:r>
+                <a:rPr lang="en-AU" sz="1200" dirty="0">
+                  <a:solidFill>
+                    <a:schemeClr val="bg1">
+                      <a:lumMod val="65000"/>
+                    </a:schemeClr>
+                  </a:solidFill>
+                </a:rPr>
+                <a:t>WriteLine("Bye…")</a:t>
+              </a:r>
+            </a:p>
+            <a:p>
+              <a:pPr marL="342900" indent="-342900" rtl="0">
+                <a:buFont typeface="+mj-lt"/>
+                <a:buAutoNum type="arabicPeriod" startAt="4"/>
+              </a:pPr>
+              <a:endParaRPr lang="en-AU" sz="1200" dirty="0">
+                <a:solidFill>
+                  <a:schemeClr val="bg1">
+                    <a:lumMod val="65000"/>
+                  </a:schemeClr>
+                </a:solidFill>
+              </a:endParaRPr>
+            </a:p>
           </p:txBody>
         </p:sp>
-        <p:grpSp>
-          <p:nvGrpSpPr>
-            <p:cNvPr id="37" name="Group 36">
+        <p:sp>
+          <p:nvSpPr>
+            <p:cNvPr id="18" name="TextBox 17">
               <a:extLst>
                 <a:ext uri="{FF2B5EF4-FFF2-40B4-BE49-F238E27FC236}">
-                  <a16:creationId xmlns:a16="http://schemas.microsoft.com/office/drawing/2014/main" id="{2DBCA10F-924D-E145-7FF6-9A1953DEE281}"/>
+                  <a16:creationId xmlns:a16="http://schemas.microsoft.com/office/drawing/2014/main" id="{21E6B770-730F-7A2F-0BCC-DFD2371C6F55}"/>
                 </a:ext>
               </a:extLst>
             </p:cNvPr>
-            <p:cNvGrpSpPr/>
+            <p:cNvSpPr txBox="1"/>
             <p:nvPr/>
-          </p:nvGrpSpPr>
-          <p:grpSpPr>
+          </p:nvSpPr>
+          <p:spPr>
             <a:xfrm>
-              <a:off x="231271" y="917189"/>
-              <a:ext cx="1274409" cy="625877"/>
-              <a:chOff x="1357821" y="4757683"/>
-              <a:chExt cx="1274409" cy="625877"/>
+              <a:off x="231271" y="1002884"/>
+              <a:ext cx="554960" cy="369332"/>
             </a:xfrm>
-          </p:grpSpPr>
-          <p:pic>
-            <p:nvPicPr>
-              <p:cNvPr id="13" name="Picture 12" descr="A black square with white lines&#10;&#10;Description automatically generated">
-                <a:extLst>
-                  <a:ext uri="{FF2B5EF4-FFF2-40B4-BE49-F238E27FC236}">
-                    <a16:creationId xmlns:a16="http://schemas.microsoft.com/office/drawing/2014/main" id="{9975BC6B-61F7-6B1E-178A-EB5A5CF8412C}"/>
-                  </a:ext>
-                </a:extLst>
-              </p:cNvPr>
-              <p:cNvPicPr>
-                <a:picLocks noChangeAspect="1"/>
-              </p:cNvPicPr>
-              <p:nvPr/>
-            </p:nvPicPr>
-            <p:blipFill>
-              <a:blip r:embed="rId3">
-                <a:alphaModFix amt="30000"/>
-              </a:blip>
-              <a:stretch>
-                <a:fillRect/>
-              </a:stretch>
-            </p:blipFill>
-            <p:spPr>
-              <a:xfrm>
-                <a:off x="1950895" y="4757683"/>
-                <a:ext cx="681335" cy="625877"/>
-              </a:xfrm>
-              <a:prstGeom prst="rect">
-                <a:avLst/>
-              </a:prstGeom>
-            </p:spPr>
-          </p:pic>
-          <p:sp>
-            <p:nvSpPr>
-              <p:cNvPr id="18" name="TextBox 17">
-                <a:extLst>
-                  <a:ext uri="{FF2B5EF4-FFF2-40B4-BE49-F238E27FC236}">
-                    <a16:creationId xmlns:a16="http://schemas.microsoft.com/office/drawing/2014/main" id="{21E6B770-730F-7A2F-0BCC-DFD2371C6F55}"/>
-                  </a:ext>
-                </a:extLst>
-              </p:cNvPr>
-              <p:cNvSpPr txBox="1"/>
-              <p:nvPr/>
-            </p:nvSpPr>
-            <p:spPr>
-              <a:xfrm>
-                <a:off x="1357821" y="4843378"/>
-                <a:ext cx="554960" cy="369332"/>
-              </a:xfrm>
-              <a:prstGeom prst="rect">
-                <a:avLst/>
-              </a:prstGeom>
-              <a:noFill/>
-            </p:spPr>
-            <p:txBody>
-              <a:bodyPr wrap="none" rtlCol="0">
-                <a:spAutoFit/>
-              </a:bodyPr>
-              <a:lstStyle/>
-              <a:p>
-                <a:r>
-                  <a:rPr lang="en-US" dirty="0">
-                    <a:latin typeface="Gaegu" pitchFamily="2" charset="0"/>
-                  </a:rPr>
-                  <a:t>CPU</a:t>
-                </a:r>
-              </a:p>
-            </p:txBody>
-          </p:sp>
-        </p:grpSp>
+            <a:prstGeom prst="rect">
+              <a:avLst/>
+            </a:prstGeom>
+            <a:noFill/>
+          </p:spPr>
+          <p:txBody>
+            <a:bodyPr wrap="none" rtlCol="0">
+              <a:spAutoFit/>
+            </a:bodyPr>
+            <a:lstStyle/>
+            <a:p>
+              <a:r>
+                <a:rPr lang="en-US" dirty="0">
+                  <a:latin typeface="Gaegu" pitchFamily="2" charset="0"/>
+                </a:rPr>
+                <a:t>CPU</a:t>
+              </a:r>
+            </a:p>
+          </p:txBody>
+        </p:sp>
         <p:sp>
           <p:nvSpPr>
             <p:cNvPr id="2" name="TextBox 1">
@@ -17637,7 +17607,7 @@
             <p:nvPr/>
           </p:nvPicPr>
           <p:blipFill>
-            <a:blip r:embed="rId4">
+            <a:blip r:embed="rId3">
               <a:alphaModFix amt="30000"/>
             </a:blip>
             <a:stretch>
@@ -17706,8 +17676,8 @@
         </p:nvGrpSpPr>
         <p:grpSpPr>
           <a:xfrm>
-            <a:off x="1905137" y="1763486"/>
-            <a:ext cx="407468" cy="2062009"/>
+            <a:off x="1905137" y="1684927"/>
+            <a:ext cx="407468" cy="2140568"/>
             <a:chOff x="1668759" y="-13958058"/>
             <a:chExt cx="487848" cy="22198517"/>
           </a:xfrm>
@@ -17811,6 +17781,38 @@
           </p:txBody>
         </p:sp>
       </p:grpSp>
+      <p:pic>
+        <p:nvPicPr>
+          <p:cNvPr id="4" name="Picture 3" descr="A black square with white lines&#10;&#10;Description automatically generated">
+            <a:extLst>
+              <a:ext uri="{FF2B5EF4-FFF2-40B4-BE49-F238E27FC236}">
+                <a16:creationId xmlns:a16="http://schemas.microsoft.com/office/drawing/2014/main" id="{12710899-295D-91F2-9CC4-9AFE852C1495}"/>
+              </a:ext>
+            </a:extLst>
+          </p:cNvPr>
+          <p:cNvPicPr>
+            <a:picLocks noChangeAspect="1"/>
+          </p:cNvPicPr>
+          <p:nvPr/>
+        </p:nvPicPr>
+        <p:blipFill>
+          <a:blip r:embed="rId4">
+            <a:alphaModFix/>
+          </a:blip>
+          <a:stretch>
+            <a:fillRect/>
+          </a:stretch>
+        </p:blipFill>
+        <p:spPr>
+          <a:xfrm>
+            <a:off x="822117" y="4020857"/>
+            <a:ext cx="681335" cy="625877"/>
+          </a:xfrm>
+          <a:prstGeom prst="rect">
+            <a:avLst/>
+          </a:prstGeom>
+        </p:spPr>
+      </p:pic>
     </p:spTree>
     <p:extLst>
       <p:ext uri="{BB962C8B-B14F-4D97-AF65-F5344CB8AC3E}">
@@ -17889,8 +17891,8 @@
           </p:nvSpPr>
           <p:spPr>
             <a:xfrm>
-              <a:off x="2243036" y="-2557454"/>
-              <a:ext cx="5034154" cy="2677656"/>
+              <a:off x="2243036" y="-2470366"/>
+              <a:ext cx="5034154" cy="2492990"/>
             </a:xfrm>
             <a:prstGeom prst="rect">
               <a:avLst/>
@@ -17908,7 +17910,7 @@
                 <a:buAutoNum type="arabicPeriod" startAt="4"/>
               </a:pPr>
               <a:r>
-                <a:rPr lang="en-AU" sz="1400" dirty="0">
+                <a:rPr lang="en-AU" sz="1200" dirty="0">
                   <a:solidFill>
                     <a:schemeClr val="bg1">
                       <a:lumMod val="65000"/>
@@ -17918,7 +17920,7 @@
                 <a:t>while ( !</a:t>
               </a:r>
               <a:r>
-                <a:rPr lang="en-AU" sz="1400" dirty="0" err="1">
+                <a:rPr lang="en-AU" sz="1200" dirty="0" err="1">
                   <a:solidFill>
                     <a:schemeClr val="bg1">
                       <a:lumMod val="65000"/>
@@ -17928,7 +17930,7 @@
                 <a:t>QuitRequested</a:t>
               </a:r>
               <a:r>
-                <a:rPr lang="en-AU" sz="1400" dirty="0">
+                <a:rPr lang="en-AU" sz="1200" dirty="0">
                   <a:solidFill>
                     <a:schemeClr val="bg1">
                       <a:lumMod val="65000"/>
@@ -17944,7 +17946,7 @@
                 <a:buAutoNum type="arabicPeriod" startAt="4"/>
               </a:pPr>
               <a:r>
-                <a:rPr lang="en-AU" sz="1400" dirty="0">
+                <a:rPr lang="en-AU" sz="1200" dirty="0">
                   <a:solidFill>
                     <a:schemeClr val="bg1">
                       <a:lumMod val="65000"/>
@@ -17960,7 +17962,7 @@
                 <a:buAutoNum type="arabicPeriod" startAt="4"/>
               </a:pPr>
               <a:r>
-                <a:rPr lang="en-AU" sz="1400" dirty="0">
+                <a:rPr lang="en-AU" sz="1200" dirty="0">
                   <a:solidFill>
                     <a:schemeClr val="bg1">
                       <a:lumMod val="65000"/>
@@ -17970,7 +17972,7 @@
                 <a:t>    </a:t>
               </a:r>
               <a:r>
-                <a:rPr lang="en-AU" sz="1400" dirty="0" err="1">
+                <a:rPr lang="en-AU" sz="1200" dirty="0" err="1">
                   <a:solidFill>
                     <a:schemeClr val="bg1">
                       <a:lumMod val="65000"/>
@@ -17980,7 +17982,7 @@
                 <a:t>FillCircle</a:t>
               </a:r>
               <a:r>
-                <a:rPr lang="en-AU" sz="1400" dirty="0">
+                <a:rPr lang="en-AU" sz="1200" dirty="0">
                   <a:solidFill>
                     <a:schemeClr val="bg1">
                       <a:lumMod val="65000"/>
@@ -17990,7 +17992,7 @@
                 <a:t>(</a:t>
               </a:r>
               <a:r>
-                <a:rPr lang="en-AU" sz="1400" dirty="0" err="1">
+                <a:rPr lang="en-AU" sz="1200" dirty="0" err="1">
                   <a:solidFill>
                     <a:schemeClr val="bg1">
                       <a:lumMod val="65000"/>
@@ -18000,7 +18002,7 @@
                 <a:t>RandomColor</a:t>
               </a:r>
               <a:r>
-                <a:rPr lang="en-AU" sz="1400" dirty="0">
+                <a:rPr lang="en-AU" sz="1200" dirty="0">
                   <a:solidFill>
                     <a:schemeClr val="bg1">
                       <a:lumMod val="65000"/>
@@ -18010,7 +18012,7 @@
                 <a:t>(), </a:t>
               </a:r>
               <a:r>
-                <a:rPr lang="en-AU" sz="1400" dirty="0" err="1">
+                <a:rPr lang="en-AU" sz="1200" dirty="0" err="1">
                   <a:solidFill>
                     <a:schemeClr val="bg1">
                       <a:lumMod val="65000"/>
@@ -18020,7 +18022,7 @@
                 <a:t>Rnd</a:t>
               </a:r>
               <a:r>
-                <a:rPr lang="en-AU" sz="1400" dirty="0">
+                <a:rPr lang="en-AU" sz="1200" dirty="0">
                   <a:solidFill>
                     <a:schemeClr val="bg1">
                       <a:lumMod val="65000"/>
@@ -18030,7 +18032,7 @@
                 <a:t>(</a:t>
               </a:r>
               <a:r>
-                <a:rPr lang="en-AU" sz="1400" dirty="0" err="1">
+                <a:rPr lang="en-AU" sz="1200" dirty="0" err="1">
                   <a:solidFill>
                     <a:schemeClr val="bg1">
                       <a:lumMod val="65000"/>
@@ -18040,7 +18042,7 @@
                 <a:t>ScreenWidth</a:t>
               </a:r>
               <a:r>
-                <a:rPr lang="en-AU" sz="1400" dirty="0">
+                <a:rPr lang="en-AU" sz="1200" dirty="0">
                   <a:solidFill>
                     <a:schemeClr val="bg1">
                       <a:lumMod val="65000"/>
@@ -18050,7 +18052,7 @@
                 <a:t>()),</a:t>
               </a:r>
               <a:br>
-                <a:rPr lang="en-AU" sz="1400" dirty="0">
+                <a:rPr lang="en-AU" sz="1200" dirty="0">
                   <a:solidFill>
                     <a:schemeClr val="bg1">
                       <a:lumMod val="65000"/>
@@ -18059,7 +18061,7 @@
                 </a:rPr>
               </a:br>
               <a:r>
-                <a:rPr lang="en-AU" sz="1400" dirty="0">
+                <a:rPr lang="en-AU" sz="1200" dirty="0">
                   <a:solidFill>
                     <a:schemeClr val="bg1">
                       <a:lumMod val="65000"/>
@@ -18069,7 +18071,7 @@
                 <a:t>                         </a:t>
               </a:r>
               <a:r>
-                <a:rPr lang="en-AU" sz="1400" dirty="0" err="1">
+                <a:rPr lang="en-AU" sz="1200" dirty="0" err="1">
                   <a:solidFill>
                     <a:schemeClr val="bg1">
                       <a:lumMod val="65000"/>
@@ -18079,7 +18081,7 @@
                 <a:t>Rnd</a:t>
               </a:r>
               <a:r>
-                <a:rPr lang="en-AU" sz="1400" dirty="0">
+                <a:rPr lang="en-AU" sz="1200" dirty="0">
                   <a:solidFill>
                     <a:schemeClr val="bg1">
                       <a:lumMod val="65000"/>
@@ -18089,7 +18091,7 @@
                 <a:t>(</a:t>
               </a:r>
               <a:r>
-                <a:rPr lang="en-AU" sz="1400" dirty="0" err="1">
+                <a:rPr lang="en-AU" sz="1200" dirty="0" err="1">
                   <a:solidFill>
                     <a:schemeClr val="bg1">
                       <a:lumMod val="65000"/>
@@ -18099,7 +18101,7 @@
                 <a:t>ScreenHeight</a:t>
               </a:r>
               <a:r>
-                <a:rPr lang="en-AU" sz="1400" dirty="0">
+                <a:rPr lang="en-AU" sz="1200" dirty="0">
                   <a:solidFill>
                     <a:schemeClr val="bg1">
                       <a:lumMod val="65000"/>
@@ -18109,7 +18111,7 @@
                 <a:t>()), </a:t>
               </a:r>
               <a:r>
-                <a:rPr lang="en-AU" sz="1400" dirty="0" err="1">
+                <a:rPr lang="en-AU" sz="1200" dirty="0" err="1">
                   <a:solidFill>
                     <a:schemeClr val="bg1">
                       <a:lumMod val="65000"/>
@@ -18119,7 +18121,7 @@
                 <a:t>Rnd</a:t>
               </a:r>
               <a:r>
-                <a:rPr lang="en-AU" sz="1400" dirty="0">
+                <a:rPr lang="en-AU" sz="1200" dirty="0">
                   <a:solidFill>
                     <a:schemeClr val="bg1">
                       <a:lumMod val="65000"/>
@@ -18135,7 +18137,7 @@
                 <a:buAutoNum type="arabicPeriod" startAt="4"/>
               </a:pPr>
               <a:r>
-                <a:rPr lang="en-AU" sz="1400" dirty="0">
+                <a:rPr lang="en-AU" sz="1200" dirty="0">
                   <a:solidFill>
                     <a:schemeClr val="bg1">
                       <a:lumMod val="65000"/>
@@ -18145,7 +18147,7 @@
                 <a:t>    </a:t>
               </a:r>
               <a:r>
-                <a:rPr lang="en-AU" sz="1400" dirty="0" err="1">
+                <a:rPr lang="en-AU" sz="1200" dirty="0" err="1">
                   <a:solidFill>
                     <a:schemeClr val="bg1">
                       <a:lumMod val="65000"/>
@@ -18155,7 +18157,7 @@
                 <a:t>RefreshScreen</a:t>
               </a:r>
               <a:r>
-                <a:rPr lang="en-AU" sz="1400" dirty="0">
+                <a:rPr lang="en-AU" sz="1200" dirty="0">
                   <a:solidFill>
                     <a:schemeClr val="bg1">
                       <a:lumMod val="65000"/>
@@ -18171,7 +18173,7 @@
                 <a:buAutoNum type="arabicPeriod" startAt="4"/>
               </a:pPr>
               <a:r>
-                <a:rPr lang="en-AU" sz="1400" dirty="0">
+                <a:rPr lang="en-AU" sz="1200" dirty="0">
                   <a:solidFill>
                     <a:schemeClr val="bg1">
                       <a:lumMod val="65000"/>
@@ -18181,7 +18183,7 @@
                 <a:t>    </a:t>
               </a:r>
               <a:r>
-                <a:rPr lang="en-AU" sz="1400" dirty="0" err="1">
+                <a:rPr lang="en-AU" sz="1200" dirty="0" err="1">
                   <a:solidFill>
                     <a:schemeClr val="bg1">
                       <a:lumMod val="65000"/>
@@ -18191,7 +18193,7 @@
                 <a:t>ProcessEvents</a:t>
               </a:r>
               <a:r>
-                <a:rPr lang="en-AU" sz="1400" dirty="0">
+                <a:rPr lang="en-AU" sz="1200" dirty="0">
                   <a:solidFill>
                     <a:schemeClr val="bg1">
                       <a:lumMod val="65000"/>
@@ -18206,7 +18208,7 @@
                 <a:buFont typeface="+mj-lt"/>
                 <a:buAutoNum type="arabicPeriod" startAt="4"/>
               </a:pPr>
-              <a:endParaRPr lang="en-AU" sz="1400" dirty="0">
+              <a:endParaRPr lang="en-AU" sz="1200" dirty="0">
                 <a:solidFill>
                   <a:schemeClr val="bg1">
                     <a:lumMod val="65000"/>
@@ -18220,23 +18222,23 @@
                 <a:buAutoNum type="arabicPeriod" startAt="4"/>
               </a:pPr>
               <a:r>
-                <a:rPr lang="en-AU" sz="1400" dirty="0"/>
+                <a:rPr lang="en-AU" sz="1200" dirty="0"/>
                 <a:t>    if (</a:t>
               </a:r>
               <a:r>
-                <a:rPr lang="en-AU" sz="1400" dirty="0" err="1"/>
+                <a:rPr lang="en-AU" sz="1200" dirty="0" err="1"/>
                 <a:t>KeyTyped</a:t>
               </a:r>
               <a:r>
-                <a:rPr lang="en-AU" sz="1400" dirty="0"/>
+                <a:rPr lang="en-AU" sz="1200" dirty="0"/>
                 <a:t>(</a:t>
               </a:r>
               <a:r>
-                <a:rPr lang="en-AU" sz="1400" dirty="0" err="1"/>
+                <a:rPr lang="en-AU" sz="1200" dirty="0" err="1"/>
                 <a:t>KeyCode.EscapeKey</a:t>
               </a:r>
               <a:r>
-                <a:rPr lang="en-AU" sz="1400" dirty="0"/>
+                <a:rPr lang="en-AU" sz="1200" dirty="0"/>
                 <a:t>))</a:t>
               </a:r>
             </a:p>
@@ -18246,7 +18248,7 @@
                 <a:buAutoNum type="arabicPeriod" startAt="4"/>
               </a:pPr>
               <a:r>
-                <a:rPr lang="en-AU" sz="1400" dirty="0">
+                <a:rPr lang="en-AU" sz="1200" dirty="0">
                   <a:solidFill>
                     <a:schemeClr val="bg1">
                       <a:lumMod val="65000"/>
@@ -18262,7 +18264,7 @@
                 <a:buAutoNum type="arabicPeriod" startAt="4"/>
               </a:pPr>
               <a:r>
-                <a:rPr lang="en-AU" sz="1400" dirty="0">
+                <a:rPr lang="en-AU" sz="1200" dirty="0">
                   <a:solidFill>
                     <a:schemeClr val="bg1">
                       <a:lumMod val="65000"/>
@@ -18278,7 +18280,7 @@
                 <a:buAutoNum type="arabicPeriod" startAt="4"/>
               </a:pPr>
               <a:r>
-                <a:rPr lang="en-AU" sz="1400" dirty="0">
+                <a:rPr lang="en-AU" sz="1200" dirty="0">
                   <a:solidFill>
                     <a:schemeClr val="bg1">
                       <a:lumMod val="65000"/>
@@ -18294,7 +18296,7 @@
                 <a:buAutoNum type="arabicPeriod" startAt="4"/>
               </a:pPr>
               <a:r>
-                <a:rPr lang="en-AU" sz="1400" dirty="0">
+                <a:rPr lang="en-AU" sz="1200" dirty="0">
                   <a:solidFill>
                     <a:schemeClr val="bg1">
                       <a:lumMod val="65000"/>
@@ -18304,98 +18306,61 @@
                 <a:t>}</a:t>
               </a:r>
             </a:p>
+            <a:p>
+              <a:pPr marL="342900" indent="-342900" rtl="0">
+                <a:buFont typeface="+mj-lt"/>
+                <a:buAutoNum type="arabicPeriod" startAt="4"/>
+              </a:pPr>
+              <a:r>
+                <a:rPr lang="en-AU" sz="1200" dirty="0">
+                  <a:solidFill>
+                    <a:schemeClr val="bg1">
+                      <a:lumMod val="65000"/>
+                    </a:schemeClr>
+                  </a:solidFill>
+                </a:rPr>
+                <a:t>WriteLine("Bye…")</a:t>
+              </a:r>
+            </a:p>
           </p:txBody>
         </p:sp>
-        <p:grpSp>
-          <p:nvGrpSpPr>
-            <p:cNvPr id="37" name="Group 36">
+        <p:sp>
+          <p:nvSpPr>
+            <p:cNvPr id="18" name="TextBox 17">
               <a:extLst>
                 <a:ext uri="{FF2B5EF4-FFF2-40B4-BE49-F238E27FC236}">
-                  <a16:creationId xmlns:a16="http://schemas.microsoft.com/office/drawing/2014/main" id="{2DBCA10F-924D-E145-7FF6-9A1953DEE281}"/>
+                  <a16:creationId xmlns:a16="http://schemas.microsoft.com/office/drawing/2014/main" id="{21E6B770-730F-7A2F-0BCC-DFD2371C6F55}"/>
                 </a:ext>
               </a:extLst>
             </p:cNvPr>
-            <p:cNvGrpSpPr/>
+            <p:cNvSpPr txBox="1"/>
             <p:nvPr/>
-          </p:nvGrpSpPr>
-          <p:grpSpPr>
+          </p:nvSpPr>
+          <p:spPr>
             <a:xfrm>
-              <a:off x="231271" y="917189"/>
-              <a:ext cx="1274409" cy="625877"/>
-              <a:chOff x="1357821" y="4757683"/>
-              <a:chExt cx="1274409" cy="625877"/>
+              <a:off x="231271" y="1002884"/>
+              <a:ext cx="554960" cy="369332"/>
             </a:xfrm>
-          </p:grpSpPr>
-          <p:pic>
-            <p:nvPicPr>
-              <p:cNvPr id="13" name="Picture 12" descr="A black square with white lines&#10;&#10;Description automatically generated">
-                <a:extLst>
-                  <a:ext uri="{FF2B5EF4-FFF2-40B4-BE49-F238E27FC236}">
-                    <a16:creationId xmlns:a16="http://schemas.microsoft.com/office/drawing/2014/main" id="{9975BC6B-61F7-6B1E-178A-EB5A5CF8412C}"/>
-                  </a:ext>
-                </a:extLst>
-              </p:cNvPr>
-              <p:cNvPicPr>
-                <a:picLocks noChangeAspect="1"/>
-              </p:cNvPicPr>
-              <p:nvPr/>
-            </p:nvPicPr>
-            <p:blipFill>
-              <a:blip r:embed="rId3">
-                <a:alphaModFix amt="30000"/>
-              </a:blip>
-              <a:stretch>
-                <a:fillRect/>
-              </a:stretch>
-            </p:blipFill>
-            <p:spPr>
-              <a:xfrm>
-                <a:off x="1950895" y="4757683"/>
-                <a:ext cx="681335" cy="625877"/>
-              </a:xfrm>
-              <a:prstGeom prst="rect">
-                <a:avLst/>
-              </a:prstGeom>
-            </p:spPr>
-          </p:pic>
-          <p:sp>
-            <p:nvSpPr>
-              <p:cNvPr id="18" name="TextBox 17">
-                <a:extLst>
-                  <a:ext uri="{FF2B5EF4-FFF2-40B4-BE49-F238E27FC236}">
-                    <a16:creationId xmlns:a16="http://schemas.microsoft.com/office/drawing/2014/main" id="{21E6B770-730F-7A2F-0BCC-DFD2371C6F55}"/>
-                  </a:ext>
-                </a:extLst>
-              </p:cNvPr>
-              <p:cNvSpPr txBox="1"/>
-              <p:nvPr/>
-            </p:nvSpPr>
-            <p:spPr>
-              <a:xfrm>
-                <a:off x="1357821" y="4843378"/>
-                <a:ext cx="554960" cy="369332"/>
-              </a:xfrm>
-              <a:prstGeom prst="rect">
-                <a:avLst/>
-              </a:prstGeom>
-              <a:noFill/>
-            </p:spPr>
-            <p:txBody>
-              <a:bodyPr wrap="none" rtlCol="0">
-                <a:spAutoFit/>
-              </a:bodyPr>
-              <a:lstStyle/>
-              <a:p>
-                <a:r>
-                  <a:rPr lang="en-US" dirty="0">
-                    <a:latin typeface="Gaegu" pitchFamily="2" charset="0"/>
-                  </a:rPr>
-                  <a:t>CPU</a:t>
-                </a:r>
-              </a:p>
-            </p:txBody>
-          </p:sp>
-        </p:grpSp>
+            <a:prstGeom prst="rect">
+              <a:avLst/>
+            </a:prstGeom>
+            <a:noFill/>
+          </p:spPr>
+          <p:txBody>
+            <a:bodyPr wrap="none" rtlCol="0">
+              <a:spAutoFit/>
+            </a:bodyPr>
+            <a:lstStyle/>
+            <a:p>
+              <a:r>
+                <a:rPr lang="en-US" dirty="0">
+                  <a:latin typeface="Gaegu" pitchFamily="2" charset="0"/>
+                </a:rPr>
+                <a:t>CPU</a:t>
+              </a:r>
+            </a:p>
+          </p:txBody>
+        </p:sp>
         <p:sp>
           <p:nvSpPr>
             <p:cNvPr id="2" name="TextBox 1">
@@ -20191,7 +20156,7 @@
             <p:nvPr/>
           </p:nvPicPr>
           <p:blipFill>
-            <a:blip r:embed="rId4">
+            <a:blip r:embed="rId3">
               <a:alphaModFix amt="30000"/>
             </a:blip>
             <a:stretch>
@@ -20260,8 +20225,8 @@
         </p:nvGrpSpPr>
         <p:grpSpPr>
           <a:xfrm>
-            <a:off x="1905137" y="2212561"/>
-            <a:ext cx="407468" cy="1482506"/>
+            <a:off x="1905137" y="2081931"/>
+            <a:ext cx="407468" cy="1679146"/>
             <a:chOff x="1668759" y="-13958058"/>
             <a:chExt cx="487848" cy="22198517"/>
           </a:xfrm>
@@ -20365,6 +20330,38 @@
           </p:txBody>
         </p:sp>
       </p:grpSp>
+      <p:pic>
+        <p:nvPicPr>
+          <p:cNvPr id="4" name="Picture 3" descr="A black square with white lines&#10;&#10;Description automatically generated">
+            <a:extLst>
+              <a:ext uri="{FF2B5EF4-FFF2-40B4-BE49-F238E27FC236}">
+                <a16:creationId xmlns:a16="http://schemas.microsoft.com/office/drawing/2014/main" id="{9FF40F10-23F0-C8BF-F0E3-5D2B5CE657FA}"/>
+              </a:ext>
+            </a:extLst>
+          </p:cNvPr>
+          <p:cNvPicPr>
+            <a:picLocks noChangeAspect="1"/>
+          </p:cNvPicPr>
+          <p:nvPr/>
+        </p:nvPicPr>
+        <p:blipFill>
+          <a:blip r:embed="rId4">
+            <a:alphaModFix/>
+          </a:blip>
+          <a:stretch>
+            <a:fillRect/>
+          </a:stretch>
+        </p:blipFill>
+        <p:spPr>
+          <a:xfrm>
+            <a:off x="822117" y="4020857"/>
+            <a:ext cx="681335" cy="625877"/>
+          </a:xfrm>
+          <a:prstGeom prst="rect">
+            <a:avLst/>
+          </a:prstGeom>
+        </p:spPr>
+      </p:pic>
     </p:spTree>
     <p:extLst>
       <p:ext uri="{BB962C8B-B14F-4D97-AF65-F5344CB8AC3E}">
@@ -20443,8 +20440,8 @@
           </p:nvSpPr>
           <p:spPr>
             <a:xfrm>
-              <a:off x="2243036" y="-2557454"/>
-              <a:ext cx="5034154" cy="2677656"/>
+              <a:off x="2243036" y="-2470366"/>
+              <a:ext cx="5034154" cy="2492990"/>
             </a:xfrm>
             <a:prstGeom prst="rect">
               <a:avLst/>
@@ -20462,7 +20459,7 @@
                 <a:buAutoNum type="arabicPeriod" startAt="4"/>
               </a:pPr>
               <a:r>
-                <a:rPr lang="en-AU" sz="1400" dirty="0">
+                <a:rPr lang="en-AU" sz="1200" dirty="0">
                   <a:solidFill>
                     <a:schemeClr val="bg1">
                       <a:lumMod val="65000"/>
@@ -20472,7 +20469,7 @@
                 <a:t>while ( !</a:t>
               </a:r>
               <a:r>
-                <a:rPr lang="en-AU" sz="1400" dirty="0" err="1">
+                <a:rPr lang="en-AU" sz="1200" dirty="0" err="1">
                   <a:solidFill>
                     <a:schemeClr val="bg1">
                       <a:lumMod val="65000"/>
@@ -20482,7 +20479,7 @@
                 <a:t>QuitRequested</a:t>
               </a:r>
               <a:r>
-                <a:rPr lang="en-AU" sz="1400" dirty="0">
+                <a:rPr lang="en-AU" sz="1200" dirty="0">
                   <a:solidFill>
                     <a:schemeClr val="bg1">
                       <a:lumMod val="65000"/>
@@ -20498,7 +20495,7 @@
                 <a:buAutoNum type="arabicPeriod" startAt="4"/>
               </a:pPr>
               <a:r>
-                <a:rPr lang="en-AU" sz="1400" dirty="0">
+                <a:rPr lang="en-AU" sz="1200" dirty="0">
                   <a:solidFill>
                     <a:schemeClr val="bg1">
                       <a:lumMod val="65000"/>
@@ -20514,7 +20511,7 @@
                 <a:buAutoNum type="arabicPeriod" startAt="4"/>
               </a:pPr>
               <a:r>
-                <a:rPr lang="en-AU" sz="1400" dirty="0">
+                <a:rPr lang="en-AU" sz="1200" dirty="0">
                   <a:solidFill>
                     <a:schemeClr val="bg1">
                       <a:lumMod val="65000"/>
@@ -20524,7 +20521,7 @@
                 <a:t>    </a:t>
               </a:r>
               <a:r>
-                <a:rPr lang="en-AU" sz="1400" dirty="0" err="1">
+                <a:rPr lang="en-AU" sz="1200" dirty="0" err="1">
                   <a:solidFill>
                     <a:schemeClr val="bg1">
                       <a:lumMod val="65000"/>
@@ -20534,7 +20531,7 @@
                 <a:t>FillCircle</a:t>
               </a:r>
               <a:r>
-                <a:rPr lang="en-AU" sz="1400" dirty="0">
+                <a:rPr lang="en-AU" sz="1200" dirty="0">
                   <a:solidFill>
                     <a:schemeClr val="bg1">
                       <a:lumMod val="65000"/>
@@ -20544,7 +20541,7 @@
                 <a:t>(</a:t>
               </a:r>
               <a:r>
-                <a:rPr lang="en-AU" sz="1400" dirty="0" err="1">
+                <a:rPr lang="en-AU" sz="1200" dirty="0" err="1">
                   <a:solidFill>
                     <a:schemeClr val="bg1">
                       <a:lumMod val="65000"/>
@@ -20554,7 +20551,7 @@
                 <a:t>RandomColor</a:t>
               </a:r>
               <a:r>
-                <a:rPr lang="en-AU" sz="1400" dirty="0">
+                <a:rPr lang="en-AU" sz="1200" dirty="0">
                   <a:solidFill>
                     <a:schemeClr val="bg1">
                       <a:lumMod val="65000"/>
@@ -20564,7 +20561,7 @@
                 <a:t>(), </a:t>
               </a:r>
               <a:r>
-                <a:rPr lang="en-AU" sz="1400" dirty="0" err="1">
+                <a:rPr lang="en-AU" sz="1200" dirty="0" err="1">
                   <a:solidFill>
                     <a:schemeClr val="bg1">
                       <a:lumMod val="65000"/>
@@ -20574,7 +20571,7 @@
                 <a:t>Rnd</a:t>
               </a:r>
               <a:r>
-                <a:rPr lang="en-AU" sz="1400" dirty="0">
+                <a:rPr lang="en-AU" sz="1200" dirty="0">
                   <a:solidFill>
                     <a:schemeClr val="bg1">
                       <a:lumMod val="65000"/>
@@ -20584,7 +20581,7 @@
                 <a:t>(</a:t>
               </a:r>
               <a:r>
-                <a:rPr lang="en-AU" sz="1400" dirty="0" err="1">
+                <a:rPr lang="en-AU" sz="1200" dirty="0" err="1">
                   <a:solidFill>
                     <a:schemeClr val="bg1">
                       <a:lumMod val="65000"/>
@@ -20594,7 +20591,7 @@
                 <a:t>ScreenWidth</a:t>
               </a:r>
               <a:r>
-                <a:rPr lang="en-AU" sz="1400" dirty="0">
+                <a:rPr lang="en-AU" sz="1200" dirty="0">
                   <a:solidFill>
                     <a:schemeClr val="bg1">
                       <a:lumMod val="65000"/>
@@ -20604,7 +20601,7 @@
                 <a:t>()),</a:t>
               </a:r>
               <a:br>
-                <a:rPr lang="en-AU" sz="1400" dirty="0">
+                <a:rPr lang="en-AU" sz="1200" dirty="0">
                   <a:solidFill>
                     <a:schemeClr val="bg1">
                       <a:lumMod val="65000"/>
@@ -20613,7 +20610,7 @@
                 </a:rPr>
               </a:br>
               <a:r>
-                <a:rPr lang="en-AU" sz="1400" dirty="0">
+                <a:rPr lang="en-AU" sz="1200" dirty="0">
                   <a:solidFill>
                     <a:schemeClr val="bg1">
                       <a:lumMod val="65000"/>
@@ -20623,7 +20620,7 @@
                 <a:t>                         </a:t>
               </a:r>
               <a:r>
-                <a:rPr lang="en-AU" sz="1400" dirty="0" err="1">
+                <a:rPr lang="en-AU" sz="1200" dirty="0" err="1">
                   <a:solidFill>
                     <a:schemeClr val="bg1">
                       <a:lumMod val="65000"/>
@@ -20633,7 +20630,7 @@
                 <a:t>Rnd</a:t>
               </a:r>
               <a:r>
-                <a:rPr lang="en-AU" sz="1400" dirty="0">
+                <a:rPr lang="en-AU" sz="1200" dirty="0">
                   <a:solidFill>
                     <a:schemeClr val="bg1">
                       <a:lumMod val="65000"/>
@@ -20643,7 +20640,7 @@
                 <a:t>(</a:t>
               </a:r>
               <a:r>
-                <a:rPr lang="en-AU" sz="1400" dirty="0" err="1">
+                <a:rPr lang="en-AU" sz="1200" dirty="0" err="1">
                   <a:solidFill>
                     <a:schemeClr val="bg1">
                       <a:lumMod val="65000"/>
@@ -20653,7 +20650,7 @@
                 <a:t>ScreenHeight</a:t>
               </a:r>
               <a:r>
-                <a:rPr lang="en-AU" sz="1400" dirty="0">
+                <a:rPr lang="en-AU" sz="1200" dirty="0">
                   <a:solidFill>
                     <a:schemeClr val="bg1">
                       <a:lumMod val="65000"/>
@@ -20663,7 +20660,7 @@
                 <a:t>()), </a:t>
               </a:r>
               <a:r>
-                <a:rPr lang="en-AU" sz="1400" dirty="0" err="1">
+                <a:rPr lang="en-AU" sz="1200" dirty="0" err="1">
                   <a:solidFill>
                     <a:schemeClr val="bg1">
                       <a:lumMod val="65000"/>
@@ -20673,7 +20670,7 @@
                 <a:t>Rnd</a:t>
               </a:r>
               <a:r>
-                <a:rPr lang="en-AU" sz="1400" dirty="0">
+                <a:rPr lang="en-AU" sz="1200" dirty="0">
                   <a:solidFill>
                     <a:schemeClr val="bg1">
                       <a:lumMod val="65000"/>
@@ -20689,7 +20686,7 @@
                 <a:buAutoNum type="arabicPeriod" startAt="4"/>
               </a:pPr>
               <a:r>
-                <a:rPr lang="en-AU" sz="1400" dirty="0">
+                <a:rPr lang="en-AU" sz="1200" dirty="0">
                   <a:solidFill>
                     <a:schemeClr val="bg1">
                       <a:lumMod val="65000"/>
@@ -20699,7 +20696,7 @@
                 <a:t>    </a:t>
               </a:r>
               <a:r>
-                <a:rPr lang="en-AU" sz="1400" dirty="0" err="1">
+                <a:rPr lang="en-AU" sz="1200" dirty="0" err="1">
                   <a:solidFill>
                     <a:schemeClr val="bg1">
                       <a:lumMod val="65000"/>
@@ -20709,7 +20706,7 @@
                 <a:t>RefreshScreen</a:t>
               </a:r>
               <a:r>
-                <a:rPr lang="en-AU" sz="1400" dirty="0">
+                <a:rPr lang="en-AU" sz="1200" dirty="0">
                   <a:solidFill>
                     <a:schemeClr val="bg1">
                       <a:lumMod val="65000"/>
@@ -20725,7 +20722,7 @@
                 <a:buAutoNum type="arabicPeriod" startAt="4"/>
               </a:pPr>
               <a:r>
-                <a:rPr lang="en-AU" sz="1400" dirty="0">
+                <a:rPr lang="en-AU" sz="1200" dirty="0">
                   <a:solidFill>
                     <a:schemeClr val="bg1">
                       <a:lumMod val="65000"/>
@@ -20735,7 +20732,7 @@
                 <a:t>    </a:t>
               </a:r>
               <a:r>
-                <a:rPr lang="en-AU" sz="1400" dirty="0" err="1">
+                <a:rPr lang="en-AU" sz="1200" dirty="0" err="1">
                   <a:solidFill>
                     <a:schemeClr val="bg1">
                       <a:lumMod val="65000"/>
@@ -20745,7 +20742,7 @@
                 <a:t>ProcessEvents</a:t>
               </a:r>
               <a:r>
-                <a:rPr lang="en-AU" sz="1400" dirty="0">
+                <a:rPr lang="en-AU" sz="1200" dirty="0">
                   <a:solidFill>
                     <a:schemeClr val="bg1">
                       <a:lumMod val="65000"/>
@@ -20760,7 +20757,7 @@
                 <a:buFont typeface="+mj-lt"/>
                 <a:buAutoNum type="arabicPeriod" startAt="4"/>
               </a:pPr>
-              <a:endParaRPr lang="en-AU" sz="1400" dirty="0">
+              <a:endParaRPr lang="en-AU" sz="1200" dirty="0">
                 <a:solidFill>
                   <a:schemeClr val="bg1">
                     <a:lumMod val="65000"/>
@@ -20774,7 +20771,7 @@
                 <a:buAutoNum type="arabicPeriod" startAt="4"/>
               </a:pPr>
               <a:r>
-                <a:rPr lang="en-AU" sz="1400" dirty="0">
+                <a:rPr lang="en-AU" sz="1200" dirty="0">
                   <a:solidFill>
                     <a:schemeClr val="bg1">
                       <a:lumMod val="65000"/>
@@ -20784,7 +20781,7 @@
                 <a:t>    if (</a:t>
               </a:r>
               <a:r>
-                <a:rPr lang="en-AU" sz="1400" dirty="0" err="1">
+                <a:rPr lang="en-AU" sz="1200" dirty="0" err="1">
                   <a:solidFill>
                     <a:schemeClr val="bg1">
                       <a:lumMod val="65000"/>
@@ -20794,7 +20791,7 @@
                 <a:t>KeyTyped</a:t>
               </a:r>
               <a:r>
-                <a:rPr lang="en-AU" sz="1400" dirty="0">
+                <a:rPr lang="en-AU" sz="1200" dirty="0">
                   <a:solidFill>
                     <a:schemeClr val="bg1">
                       <a:lumMod val="65000"/>
@@ -20804,7 +20801,7 @@
                 <a:t>(</a:t>
               </a:r>
               <a:r>
-                <a:rPr lang="en-AU" sz="1400" dirty="0" err="1">
+                <a:rPr lang="en-AU" sz="1200" dirty="0" err="1">
                   <a:solidFill>
                     <a:schemeClr val="bg1">
                       <a:lumMod val="65000"/>
@@ -20814,7 +20811,7 @@
                 <a:t>KeyCode.EscapeKey</a:t>
               </a:r>
               <a:r>
-                <a:rPr lang="en-AU" sz="1400" dirty="0">
+                <a:rPr lang="en-AU" sz="1200" dirty="0">
                   <a:solidFill>
                     <a:schemeClr val="bg1">
                       <a:lumMod val="65000"/>
@@ -20830,7 +20827,7 @@
                 <a:buAutoNum type="arabicPeriod" startAt="4"/>
               </a:pPr>
               <a:r>
-                <a:rPr lang="en-AU" sz="1400" dirty="0">
+                <a:rPr lang="en-AU" sz="1200" dirty="0">
                   <a:solidFill>
                     <a:schemeClr val="bg1">
                       <a:lumMod val="65000"/>
@@ -20846,7 +20843,7 @@
                 <a:buAutoNum type="arabicPeriod" startAt="4"/>
               </a:pPr>
               <a:r>
-                <a:rPr lang="en-AU" sz="1400" dirty="0"/>
+                <a:rPr lang="en-AU" sz="1200" dirty="0"/>
                 <a:t>        break;  // end the loop</a:t>
               </a:r>
             </a:p>
@@ -20856,7 +20853,7 @@
                 <a:buAutoNum type="arabicPeriod" startAt="4"/>
               </a:pPr>
               <a:r>
-                <a:rPr lang="en-AU" sz="1400" dirty="0">
+                <a:rPr lang="en-AU" sz="1200" dirty="0">
                   <a:solidFill>
                     <a:schemeClr val="bg1">
                       <a:lumMod val="65000"/>
@@ -20872,7 +20869,7 @@
                 <a:buAutoNum type="arabicPeriod" startAt="4"/>
               </a:pPr>
               <a:r>
-                <a:rPr lang="en-AU" sz="1400" dirty="0">
+                <a:rPr lang="en-AU" sz="1200" dirty="0">
                   <a:solidFill>
                     <a:schemeClr val="bg1">
                       <a:lumMod val="65000"/>
@@ -20882,98 +20879,61 @@
                 <a:t>}</a:t>
               </a:r>
             </a:p>
+            <a:p>
+              <a:pPr marL="342900" indent="-342900" rtl="0">
+                <a:buFont typeface="+mj-lt"/>
+                <a:buAutoNum type="arabicPeriod" startAt="4"/>
+              </a:pPr>
+              <a:r>
+                <a:rPr lang="en-AU" sz="1200" dirty="0">
+                  <a:solidFill>
+                    <a:schemeClr val="bg1">
+                      <a:lumMod val="65000"/>
+                    </a:schemeClr>
+                  </a:solidFill>
+                </a:rPr>
+                <a:t>WriteLine("Bye…")</a:t>
+              </a:r>
+            </a:p>
           </p:txBody>
         </p:sp>
-        <p:grpSp>
-          <p:nvGrpSpPr>
-            <p:cNvPr id="37" name="Group 36">
+        <p:sp>
+          <p:nvSpPr>
+            <p:cNvPr id="18" name="TextBox 17">
               <a:extLst>
                 <a:ext uri="{FF2B5EF4-FFF2-40B4-BE49-F238E27FC236}">
-                  <a16:creationId xmlns:a16="http://schemas.microsoft.com/office/drawing/2014/main" id="{2DBCA10F-924D-E145-7FF6-9A1953DEE281}"/>
+                  <a16:creationId xmlns:a16="http://schemas.microsoft.com/office/drawing/2014/main" id="{21E6B770-730F-7A2F-0BCC-DFD2371C6F55}"/>
                 </a:ext>
               </a:extLst>
             </p:cNvPr>
-            <p:cNvGrpSpPr/>
+            <p:cNvSpPr txBox="1"/>
             <p:nvPr/>
-          </p:nvGrpSpPr>
-          <p:grpSpPr>
+          </p:nvSpPr>
+          <p:spPr>
             <a:xfrm>
-              <a:off x="231271" y="917189"/>
-              <a:ext cx="1274409" cy="625877"/>
-              <a:chOff x="1357821" y="4757683"/>
-              <a:chExt cx="1274409" cy="625877"/>
+              <a:off x="231271" y="1002884"/>
+              <a:ext cx="554960" cy="369332"/>
             </a:xfrm>
-          </p:grpSpPr>
-          <p:pic>
-            <p:nvPicPr>
-              <p:cNvPr id="13" name="Picture 12" descr="A black square with white lines&#10;&#10;Description automatically generated">
-                <a:extLst>
-                  <a:ext uri="{FF2B5EF4-FFF2-40B4-BE49-F238E27FC236}">
-                    <a16:creationId xmlns:a16="http://schemas.microsoft.com/office/drawing/2014/main" id="{9975BC6B-61F7-6B1E-178A-EB5A5CF8412C}"/>
-                  </a:ext>
-                </a:extLst>
-              </p:cNvPr>
-              <p:cNvPicPr>
-                <a:picLocks noChangeAspect="1"/>
-              </p:cNvPicPr>
-              <p:nvPr/>
-            </p:nvPicPr>
-            <p:blipFill>
-              <a:blip r:embed="rId3">
-                <a:alphaModFix amt="30000"/>
-              </a:blip>
-              <a:stretch>
-                <a:fillRect/>
-              </a:stretch>
-            </p:blipFill>
-            <p:spPr>
-              <a:xfrm>
-                <a:off x="1950895" y="4757683"/>
-                <a:ext cx="681335" cy="625877"/>
-              </a:xfrm>
-              <a:prstGeom prst="rect">
-                <a:avLst/>
-              </a:prstGeom>
-            </p:spPr>
-          </p:pic>
-          <p:sp>
-            <p:nvSpPr>
-              <p:cNvPr id="18" name="TextBox 17">
-                <a:extLst>
-                  <a:ext uri="{FF2B5EF4-FFF2-40B4-BE49-F238E27FC236}">
-                    <a16:creationId xmlns:a16="http://schemas.microsoft.com/office/drawing/2014/main" id="{21E6B770-730F-7A2F-0BCC-DFD2371C6F55}"/>
-                  </a:ext>
-                </a:extLst>
-              </p:cNvPr>
-              <p:cNvSpPr txBox="1"/>
-              <p:nvPr/>
-            </p:nvSpPr>
-            <p:spPr>
-              <a:xfrm>
-                <a:off x="1357821" y="4843378"/>
-                <a:ext cx="554960" cy="369332"/>
-              </a:xfrm>
-              <a:prstGeom prst="rect">
-                <a:avLst/>
-              </a:prstGeom>
-              <a:noFill/>
-            </p:spPr>
-            <p:txBody>
-              <a:bodyPr wrap="none" rtlCol="0">
-                <a:spAutoFit/>
-              </a:bodyPr>
-              <a:lstStyle/>
-              <a:p>
-                <a:r>
-                  <a:rPr lang="en-US" dirty="0">
-                    <a:latin typeface="Gaegu" pitchFamily="2" charset="0"/>
-                  </a:rPr>
-                  <a:t>CPU</a:t>
-                </a:r>
-              </a:p>
-            </p:txBody>
-          </p:sp>
-        </p:grpSp>
+            <a:prstGeom prst="rect">
+              <a:avLst/>
+            </a:prstGeom>
+            <a:noFill/>
+          </p:spPr>
+          <p:txBody>
+            <a:bodyPr wrap="none" rtlCol="0">
+              <a:spAutoFit/>
+            </a:bodyPr>
+            <a:lstStyle/>
+            <a:p>
+              <a:r>
+                <a:rPr lang="en-US" dirty="0">
+                  <a:latin typeface="Gaegu" pitchFamily="2" charset="0"/>
+                </a:rPr>
+                <a:t>CPU</a:t>
+              </a:r>
+            </a:p>
+          </p:txBody>
+        </p:sp>
         <p:sp>
           <p:nvSpPr>
             <p:cNvPr id="2" name="TextBox 1">
@@ -22738,7 +22698,7 @@
           <p:spPr>
             <a:xfrm>
               <a:off x="2438036" y="375300"/>
-              <a:ext cx="983270" cy="646331"/>
+              <a:ext cx="983270" cy="369332"/>
             </a:xfrm>
             <a:prstGeom prst="rect">
               <a:avLst/>
@@ -22753,7 +22713,7 @@
             <a:p>
               <a:r>
                 <a:rPr lang="en-US" dirty="0"/>
-                <a:t>12,13, END</a:t>
+                <a:t>14</a:t>
               </a:r>
             </a:p>
           </p:txBody>
@@ -22773,7 +22733,7 @@
             <p:nvPr/>
           </p:nvPicPr>
           <p:blipFill>
-            <a:blip r:embed="rId4">
+            <a:blip r:embed="rId3">
               <a:alphaModFix amt="30000"/>
             </a:blip>
             <a:stretch>
@@ -22842,8 +22802,8 @@
         </p:nvGrpSpPr>
         <p:grpSpPr>
           <a:xfrm>
-            <a:off x="1905137" y="2636293"/>
-            <a:ext cx="407468" cy="1058774"/>
+            <a:off x="1905137" y="2419389"/>
+            <a:ext cx="407468" cy="1275678"/>
             <a:chOff x="1668759" y="-13958058"/>
             <a:chExt cx="487848" cy="22198517"/>
           </a:xfrm>
@@ -22947,10 +22907,2642 @@
           </p:txBody>
         </p:sp>
       </p:grpSp>
+      <p:pic>
+        <p:nvPicPr>
+          <p:cNvPr id="4" name="Picture 3" descr="A black square with white lines&#10;&#10;Description automatically generated">
+            <a:extLst>
+              <a:ext uri="{FF2B5EF4-FFF2-40B4-BE49-F238E27FC236}">
+                <a16:creationId xmlns:a16="http://schemas.microsoft.com/office/drawing/2014/main" id="{C0809252-0B66-748D-8704-E28CC285B5C1}"/>
+              </a:ext>
+            </a:extLst>
+          </p:cNvPr>
+          <p:cNvPicPr>
+            <a:picLocks noChangeAspect="1"/>
+          </p:cNvPicPr>
+          <p:nvPr/>
+        </p:nvPicPr>
+        <p:blipFill>
+          <a:blip r:embed="rId4">
+            <a:alphaModFix/>
+          </a:blip>
+          <a:stretch>
+            <a:fillRect/>
+          </a:stretch>
+        </p:blipFill>
+        <p:spPr>
+          <a:xfrm>
+            <a:off x="822117" y="4020857"/>
+            <a:ext cx="681335" cy="625877"/>
+          </a:xfrm>
+          <a:prstGeom prst="rect">
+            <a:avLst/>
+          </a:prstGeom>
+        </p:spPr>
+      </p:pic>
     </p:spTree>
     <p:extLst>
       <p:ext uri="{BB962C8B-B14F-4D97-AF65-F5344CB8AC3E}">
         <p14:creationId xmlns:p14="http://schemas.microsoft.com/office/powerpoint/2010/main" val="1933028637"/>
+      </p:ext>
+    </p:extLst>
+  </p:cSld>
+  <p:clrMapOvr>
+    <a:masterClrMapping/>
+  </p:clrMapOvr>
+</p:sld>
+</file>
+
+<file path=ppt/slides/slide9.xml><?xml version="1.0" encoding="utf-8"?>
+<p:sld xmlns:a="http://schemas.openxmlformats.org/drawingml/2006/main" xmlns:r="http://schemas.openxmlformats.org/officeDocument/2006/relationships" xmlns:p="http://schemas.openxmlformats.org/presentationml/2006/main">
+  <p:cSld>
+    <p:bg>
+      <p:bgPr>
+        <a:blipFill dpi="0" rotWithShape="1">
+          <a:blip r:embed="rId2">
+            <a:lum/>
+          </a:blip>
+          <a:srcRect/>
+          <a:stretch>
+            <a:fillRect/>
+          </a:stretch>
+        </a:blipFill>
+        <a:effectLst/>
+      </p:bgPr>
+    </p:bg>
+    <p:spTree>
+      <p:nvGrpSpPr>
+        <p:cNvPr id="1" name=""/>
+        <p:cNvGrpSpPr/>
+        <p:nvPr/>
+      </p:nvGrpSpPr>
+      <p:grpSpPr>
+        <a:xfrm>
+          <a:off x="0" y="0"/>
+          <a:ext cx="0" cy="0"/>
+          <a:chOff x="0" y="0"/>
+          <a:chExt cx="0" cy="0"/>
+        </a:xfrm>
+      </p:grpSpPr>
+      <p:grpSp>
+        <p:nvGrpSpPr>
+          <p:cNvPr id="12" name="Group 11">
+            <a:extLst>
+              <a:ext uri="{FF2B5EF4-FFF2-40B4-BE49-F238E27FC236}">
+                <a16:creationId xmlns:a16="http://schemas.microsoft.com/office/drawing/2014/main" id="{F79D1400-153A-0626-FCB1-82473C4A95BC}"/>
+              </a:ext>
+            </a:extLst>
+          </p:cNvPr>
+          <p:cNvGrpSpPr/>
+          <p:nvPr/>
+        </p:nvGrpSpPr>
+        <p:grpSpPr>
+          <a:xfrm>
+            <a:off x="229043" y="213481"/>
+            <a:ext cx="7101587" cy="4603690"/>
+            <a:chOff x="231271" y="-2890187"/>
+            <a:chExt cx="7101587" cy="4603690"/>
+          </a:xfrm>
+        </p:grpSpPr>
+        <p:sp>
+          <p:nvSpPr>
+            <p:cNvPr id="16" name="TextBox 15">
+              <a:extLst>
+                <a:ext uri="{FF2B5EF4-FFF2-40B4-BE49-F238E27FC236}">
+                  <a16:creationId xmlns:a16="http://schemas.microsoft.com/office/drawing/2014/main" id="{579D6D41-105C-FB51-AC96-A544404112E8}"/>
+                </a:ext>
+              </a:extLst>
+            </p:cNvPr>
+            <p:cNvSpPr txBox="1"/>
+            <p:nvPr/>
+          </p:nvSpPr>
+          <p:spPr>
+            <a:xfrm>
+              <a:off x="2243036" y="-2470366"/>
+              <a:ext cx="5034154" cy="2492990"/>
+            </a:xfrm>
+            <a:prstGeom prst="rect">
+              <a:avLst/>
+            </a:prstGeom>
+            <a:noFill/>
+          </p:spPr>
+          <p:txBody>
+            <a:bodyPr wrap="square" rtlCol="0">
+              <a:spAutoFit/>
+            </a:bodyPr>
+            <a:lstStyle/>
+            <a:p>
+              <a:pPr marL="342900" indent="-342900" rtl="0">
+                <a:buFont typeface="+mj-lt"/>
+                <a:buAutoNum type="arabicPeriod" startAt="4"/>
+              </a:pPr>
+              <a:r>
+                <a:rPr lang="en-AU" sz="1200" dirty="0">
+                  <a:solidFill>
+                    <a:schemeClr val="bg1">
+                      <a:lumMod val="65000"/>
+                    </a:schemeClr>
+                  </a:solidFill>
+                </a:rPr>
+                <a:t>while ( !</a:t>
+              </a:r>
+              <a:r>
+                <a:rPr lang="en-AU" sz="1200" dirty="0" err="1">
+                  <a:solidFill>
+                    <a:schemeClr val="bg1">
+                      <a:lumMod val="65000"/>
+                    </a:schemeClr>
+                  </a:solidFill>
+                </a:rPr>
+                <a:t>QuitRequested</a:t>
+              </a:r>
+              <a:r>
+                <a:rPr lang="en-AU" sz="1200" dirty="0">
+                  <a:solidFill>
+                    <a:schemeClr val="bg1">
+                      <a:lumMod val="65000"/>
+                    </a:schemeClr>
+                  </a:solidFill>
+                </a:rPr>
+                <a:t>())</a:t>
+              </a:r>
+            </a:p>
+            <a:p>
+              <a:pPr marL="342900" indent="-342900" rtl="0">
+                <a:buFont typeface="+mj-lt"/>
+                <a:buAutoNum type="arabicPeriod" startAt="4"/>
+              </a:pPr>
+              <a:r>
+                <a:rPr lang="en-AU" sz="1200" dirty="0">
+                  <a:solidFill>
+                    <a:schemeClr val="bg1">
+                      <a:lumMod val="65000"/>
+                    </a:schemeClr>
+                  </a:solidFill>
+                </a:rPr>
+                <a:t>{</a:t>
+              </a:r>
+            </a:p>
+            <a:p>
+              <a:pPr marL="342900" indent="-342900" rtl="0">
+                <a:buFont typeface="+mj-lt"/>
+                <a:buAutoNum type="arabicPeriod" startAt="4"/>
+              </a:pPr>
+              <a:r>
+                <a:rPr lang="en-AU" sz="1200" dirty="0">
+                  <a:solidFill>
+                    <a:schemeClr val="bg1">
+                      <a:lumMod val="65000"/>
+                    </a:schemeClr>
+                  </a:solidFill>
+                </a:rPr>
+                <a:t>    </a:t>
+              </a:r>
+              <a:r>
+                <a:rPr lang="en-AU" sz="1200" dirty="0" err="1">
+                  <a:solidFill>
+                    <a:schemeClr val="bg1">
+                      <a:lumMod val="65000"/>
+                    </a:schemeClr>
+                  </a:solidFill>
+                </a:rPr>
+                <a:t>FillCircle</a:t>
+              </a:r>
+              <a:r>
+                <a:rPr lang="en-AU" sz="1200" dirty="0">
+                  <a:solidFill>
+                    <a:schemeClr val="bg1">
+                      <a:lumMod val="65000"/>
+                    </a:schemeClr>
+                  </a:solidFill>
+                </a:rPr>
+                <a:t>(</a:t>
+              </a:r>
+              <a:r>
+                <a:rPr lang="en-AU" sz="1200" dirty="0" err="1">
+                  <a:solidFill>
+                    <a:schemeClr val="bg1">
+                      <a:lumMod val="65000"/>
+                    </a:schemeClr>
+                  </a:solidFill>
+                </a:rPr>
+                <a:t>RandomColor</a:t>
+              </a:r>
+              <a:r>
+                <a:rPr lang="en-AU" sz="1200" dirty="0">
+                  <a:solidFill>
+                    <a:schemeClr val="bg1">
+                      <a:lumMod val="65000"/>
+                    </a:schemeClr>
+                  </a:solidFill>
+                </a:rPr>
+                <a:t>(), </a:t>
+              </a:r>
+              <a:r>
+                <a:rPr lang="en-AU" sz="1200" dirty="0" err="1">
+                  <a:solidFill>
+                    <a:schemeClr val="bg1">
+                      <a:lumMod val="65000"/>
+                    </a:schemeClr>
+                  </a:solidFill>
+                </a:rPr>
+                <a:t>Rnd</a:t>
+              </a:r>
+              <a:r>
+                <a:rPr lang="en-AU" sz="1200" dirty="0">
+                  <a:solidFill>
+                    <a:schemeClr val="bg1">
+                      <a:lumMod val="65000"/>
+                    </a:schemeClr>
+                  </a:solidFill>
+                </a:rPr>
+                <a:t>(</a:t>
+              </a:r>
+              <a:r>
+                <a:rPr lang="en-AU" sz="1200" dirty="0" err="1">
+                  <a:solidFill>
+                    <a:schemeClr val="bg1">
+                      <a:lumMod val="65000"/>
+                    </a:schemeClr>
+                  </a:solidFill>
+                </a:rPr>
+                <a:t>ScreenWidth</a:t>
+              </a:r>
+              <a:r>
+                <a:rPr lang="en-AU" sz="1200" dirty="0">
+                  <a:solidFill>
+                    <a:schemeClr val="bg1">
+                      <a:lumMod val="65000"/>
+                    </a:schemeClr>
+                  </a:solidFill>
+                </a:rPr>
+                <a:t>()),</a:t>
+              </a:r>
+              <a:br>
+                <a:rPr lang="en-AU" sz="1200" dirty="0">
+                  <a:solidFill>
+                    <a:schemeClr val="bg1">
+                      <a:lumMod val="65000"/>
+                    </a:schemeClr>
+                  </a:solidFill>
+                </a:rPr>
+              </a:br>
+              <a:r>
+                <a:rPr lang="en-AU" sz="1200" dirty="0">
+                  <a:solidFill>
+                    <a:schemeClr val="bg1">
+                      <a:lumMod val="65000"/>
+                    </a:schemeClr>
+                  </a:solidFill>
+                </a:rPr>
+                <a:t>                         </a:t>
+              </a:r>
+              <a:r>
+                <a:rPr lang="en-AU" sz="1200" dirty="0" err="1">
+                  <a:solidFill>
+                    <a:schemeClr val="bg1">
+                      <a:lumMod val="65000"/>
+                    </a:schemeClr>
+                  </a:solidFill>
+                </a:rPr>
+                <a:t>Rnd</a:t>
+              </a:r>
+              <a:r>
+                <a:rPr lang="en-AU" sz="1200" dirty="0">
+                  <a:solidFill>
+                    <a:schemeClr val="bg1">
+                      <a:lumMod val="65000"/>
+                    </a:schemeClr>
+                  </a:solidFill>
+                </a:rPr>
+                <a:t>(</a:t>
+              </a:r>
+              <a:r>
+                <a:rPr lang="en-AU" sz="1200" dirty="0" err="1">
+                  <a:solidFill>
+                    <a:schemeClr val="bg1">
+                      <a:lumMod val="65000"/>
+                    </a:schemeClr>
+                  </a:solidFill>
+                </a:rPr>
+                <a:t>ScreenHeight</a:t>
+              </a:r>
+              <a:r>
+                <a:rPr lang="en-AU" sz="1200" dirty="0">
+                  <a:solidFill>
+                    <a:schemeClr val="bg1">
+                      <a:lumMod val="65000"/>
+                    </a:schemeClr>
+                  </a:solidFill>
+                </a:rPr>
+                <a:t>()), </a:t>
+              </a:r>
+              <a:r>
+                <a:rPr lang="en-AU" sz="1200" dirty="0" err="1">
+                  <a:solidFill>
+                    <a:schemeClr val="bg1">
+                      <a:lumMod val="65000"/>
+                    </a:schemeClr>
+                  </a:solidFill>
+                </a:rPr>
+                <a:t>Rnd</a:t>
+              </a:r>
+              <a:r>
+                <a:rPr lang="en-AU" sz="1200" dirty="0">
+                  <a:solidFill>
+                    <a:schemeClr val="bg1">
+                      <a:lumMod val="65000"/>
+                    </a:schemeClr>
+                  </a:solidFill>
+                </a:rPr>
+                <a:t>(50));</a:t>
+              </a:r>
+            </a:p>
+            <a:p>
+              <a:pPr marL="342900" indent="-342900" rtl="0">
+                <a:buFont typeface="+mj-lt"/>
+                <a:buAutoNum type="arabicPeriod" startAt="4"/>
+              </a:pPr>
+              <a:r>
+                <a:rPr lang="en-AU" sz="1200" dirty="0">
+                  <a:solidFill>
+                    <a:schemeClr val="bg1">
+                      <a:lumMod val="65000"/>
+                    </a:schemeClr>
+                  </a:solidFill>
+                </a:rPr>
+                <a:t>    </a:t>
+              </a:r>
+              <a:r>
+                <a:rPr lang="en-AU" sz="1200" dirty="0" err="1">
+                  <a:solidFill>
+                    <a:schemeClr val="bg1">
+                      <a:lumMod val="65000"/>
+                    </a:schemeClr>
+                  </a:solidFill>
+                </a:rPr>
+                <a:t>RefreshScreen</a:t>
+              </a:r>
+              <a:r>
+                <a:rPr lang="en-AU" sz="1200" dirty="0">
+                  <a:solidFill>
+                    <a:schemeClr val="bg1">
+                      <a:lumMod val="65000"/>
+                    </a:schemeClr>
+                  </a:solidFill>
+                </a:rPr>
+                <a:t>();</a:t>
+              </a:r>
+            </a:p>
+            <a:p>
+              <a:pPr marL="342900" indent="-342900" rtl="0">
+                <a:buFont typeface="+mj-lt"/>
+                <a:buAutoNum type="arabicPeriod" startAt="4"/>
+              </a:pPr>
+              <a:r>
+                <a:rPr lang="en-AU" sz="1200" dirty="0">
+                  <a:solidFill>
+                    <a:schemeClr val="bg1">
+                      <a:lumMod val="65000"/>
+                    </a:schemeClr>
+                  </a:solidFill>
+                </a:rPr>
+                <a:t>    </a:t>
+              </a:r>
+              <a:r>
+                <a:rPr lang="en-AU" sz="1200" dirty="0" err="1">
+                  <a:solidFill>
+                    <a:schemeClr val="bg1">
+                      <a:lumMod val="65000"/>
+                    </a:schemeClr>
+                  </a:solidFill>
+                </a:rPr>
+                <a:t>ProcessEvents</a:t>
+              </a:r>
+              <a:r>
+                <a:rPr lang="en-AU" sz="1200" dirty="0">
+                  <a:solidFill>
+                    <a:schemeClr val="bg1">
+                      <a:lumMod val="65000"/>
+                    </a:schemeClr>
+                  </a:solidFill>
+                </a:rPr>
+                <a:t>();</a:t>
+              </a:r>
+            </a:p>
+            <a:p>
+              <a:pPr marL="342900" indent="-342900" rtl="0">
+                <a:buFont typeface="+mj-lt"/>
+                <a:buAutoNum type="arabicPeriod" startAt="4"/>
+              </a:pPr>
+              <a:endParaRPr lang="en-AU" sz="1200" dirty="0">
+                <a:solidFill>
+                  <a:schemeClr val="bg1">
+                    <a:lumMod val="65000"/>
+                  </a:schemeClr>
+                </a:solidFill>
+              </a:endParaRPr>
+            </a:p>
+            <a:p>
+              <a:pPr marL="342900" indent="-342900" rtl="0">
+                <a:buFont typeface="+mj-lt"/>
+                <a:buAutoNum type="arabicPeriod" startAt="4"/>
+              </a:pPr>
+              <a:r>
+                <a:rPr lang="en-AU" sz="1200" dirty="0">
+                  <a:solidFill>
+                    <a:schemeClr val="bg1">
+                      <a:lumMod val="65000"/>
+                    </a:schemeClr>
+                  </a:solidFill>
+                </a:rPr>
+                <a:t>    if (</a:t>
+              </a:r>
+              <a:r>
+                <a:rPr lang="en-AU" sz="1200" dirty="0" err="1">
+                  <a:solidFill>
+                    <a:schemeClr val="bg1">
+                      <a:lumMod val="65000"/>
+                    </a:schemeClr>
+                  </a:solidFill>
+                </a:rPr>
+                <a:t>KeyTyped</a:t>
+              </a:r>
+              <a:r>
+                <a:rPr lang="en-AU" sz="1200" dirty="0">
+                  <a:solidFill>
+                    <a:schemeClr val="bg1">
+                      <a:lumMod val="65000"/>
+                    </a:schemeClr>
+                  </a:solidFill>
+                </a:rPr>
+                <a:t>(</a:t>
+              </a:r>
+              <a:r>
+                <a:rPr lang="en-AU" sz="1200" dirty="0" err="1">
+                  <a:solidFill>
+                    <a:schemeClr val="bg1">
+                      <a:lumMod val="65000"/>
+                    </a:schemeClr>
+                  </a:solidFill>
+                </a:rPr>
+                <a:t>KeyCode.EscapeKey</a:t>
+              </a:r>
+              <a:r>
+                <a:rPr lang="en-AU" sz="1200" dirty="0">
+                  <a:solidFill>
+                    <a:schemeClr val="bg1">
+                      <a:lumMod val="65000"/>
+                    </a:schemeClr>
+                  </a:solidFill>
+                </a:rPr>
+                <a:t>))</a:t>
+              </a:r>
+            </a:p>
+            <a:p>
+              <a:pPr marL="342900" indent="-342900" rtl="0">
+                <a:buFont typeface="+mj-lt"/>
+                <a:buAutoNum type="arabicPeriod" startAt="4"/>
+              </a:pPr>
+              <a:r>
+                <a:rPr lang="en-AU" sz="1200" dirty="0">
+                  <a:solidFill>
+                    <a:schemeClr val="bg1">
+                      <a:lumMod val="65000"/>
+                    </a:schemeClr>
+                  </a:solidFill>
+                </a:rPr>
+                <a:t>    {</a:t>
+              </a:r>
+            </a:p>
+            <a:p>
+              <a:pPr marL="342900" indent="-342900" rtl="0">
+                <a:buFont typeface="+mj-lt"/>
+                <a:buAutoNum type="arabicPeriod" startAt="4"/>
+              </a:pPr>
+              <a:r>
+                <a:rPr lang="en-AU" sz="1200" dirty="0">
+                  <a:solidFill>
+                    <a:schemeClr val="bg1">
+                      <a:lumMod val="65000"/>
+                    </a:schemeClr>
+                  </a:solidFill>
+                </a:rPr>
+                <a:t>        break;  // end the loop</a:t>
+              </a:r>
+            </a:p>
+            <a:p>
+              <a:pPr marL="342900" indent="-342900" rtl="0">
+                <a:buFont typeface="+mj-lt"/>
+                <a:buAutoNum type="arabicPeriod" startAt="4"/>
+              </a:pPr>
+              <a:r>
+                <a:rPr lang="en-AU" sz="1200" dirty="0">
+                  <a:solidFill>
+                    <a:schemeClr val="bg1">
+                      <a:lumMod val="65000"/>
+                    </a:schemeClr>
+                  </a:solidFill>
+                </a:rPr>
+                <a:t>    }</a:t>
+              </a:r>
+            </a:p>
+            <a:p>
+              <a:pPr marL="342900" indent="-342900" rtl="0">
+                <a:buFont typeface="+mj-lt"/>
+                <a:buAutoNum type="arabicPeriod" startAt="4"/>
+              </a:pPr>
+              <a:r>
+                <a:rPr lang="en-AU" sz="1200" dirty="0">
+                  <a:solidFill>
+                    <a:schemeClr val="bg1">
+                      <a:lumMod val="65000"/>
+                    </a:schemeClr>
+                  </a:solidFill>
+                </a:rPr>
+                <a:t>}</a:t>
+              </a:r>
+            </a:p>
+            <a:p>
+              <a:pPr marL="342900" indent="-342900" rtl="0">
+                <a:buFont typeface="+mj-lt"/>
+                <a:buAutoNum type="arabicPeriod" startAt="4"/>
+              </a:pPr>
+              <a:r>
+                <a:rPr lang="en-AU" sz="1200" dirty="0"/>
+                <a:t>WriteLine("Bye…")</a:t>
+              </a:r>
+            </a:p>
+          </p:txBody>
+        </p:sp>
+        <p:sp>
+          <p:nvSpPr>
+            <p:cNvPr id="18" name="TextBox 17">
+              <a:extLst>
+                <a:ext uri="{FF2B5EF4-FFF2-40B4-BE49-F238E27FC236}">
+                  <a16:creationId xmlns:a16="http://schemas.microsoft.com/office/drawing/2014/main" id="{21E6B770-730F-7A2F-0BCC-DFD2371C6F55}"/>
+                </a:ext>
+              </a:extLst>
+            </p:cNvPr>
+            <p:cNvSpPr txBox="1"/>
+            <p:nvPr/>
+          </p:nvSpPr>
+          <p:spPr>
+            <a:xfrm>
+              <a:off x="231271" y="1002884"/>
+              <a:ext cx="554960" cy="369332"/>
+            </a:xfrm>
+            <a:prstGeom prst="rect">
+              <a:avLst/>
+            </a:prstGeom>
+            <a:noFill/>
+          </p:spPr>
+          <p:txBody>
+            <a:bodyPr wrap="none" rtlCol="0">
+              <a:spAutoFit/>
+            </a:bodyPr>
+            <a:lstStyle/>
+            <a:p>
+              <a:r>
+                <a:rPr lang="en-US" dirty="0">
+                  <a:latin typeface="Gaegu" pitchFamily="2" charset="0"/>
+                </a:rPr>
+                <a:t>CPU</a:t>
+              </a:r>
+            </a:p>
+          </p:txBody>
+        </p:sp>
+        <p:sp>
+          <p:nvSpPr>
+            <p:cNvPr id="2" name="TextBox 1">
+              <a:extLst>
+                <a:ext uri="{FF2B5EF4-FFF2-40B4-BE49-F238E27FC236}">
+                  <a16:creationId xmlns:a16="http://schemas.microsoft.com/office/drawing/2014/main" id="{7896A7BA-08CF-32E6-6836-EBE01A61209D}"/>
+                </a:ext>
+              </a:extLst>
+            </p:cNvPr>
+            <p:cNvSpPr txBox="1"/>
+            <p:nvPr/>
+          </p:nvSpPr>
+          <p:spPr>
+            <a:xfrm>
+              <a:off x="487351" y="-2537265"/>
+              <a:ext cx="1119217" cy="369332"/>
+            </a:xfrm>
+            <a:prstGeom prst="rect">
+              <a:avLst/>
+            </a:prstGeom>
+            <a:noFill/>
+          </p:spPr>
+          <p:txBody>
+            <a:bodyPr wrap="none" rtlCol="0">
+              <a:spAutoFit/>
+            </a:bodyPr>
+            <a:lstStyle/>
+            <a:p>
+              <a:r>
+                <a:rPr lang="en-US" dirty="0">
+                  <a:solidFill>
+                    <a:schemeClr val="bg1">
+                      <a:lumMod val="65000"/>
+                    </a:schemeClr>
+                  </a:solidFill>
+                  <a:latin typeface="Gaegu" pitchFamily="2" charset="0"/>
+                </a:rPr>
+                <a:t>The Stack</a:t>
+              </a:r>
+            </a:p>
+          </p:txBody>
+        </p:sp>
+        <p:grpSp>
+          <p:nvGrpSpPr>
+            <p:cNvPr id="52" name="Group 51">
+              <a:extLst>
+                <a:ext uri="{FF2B5EF4-FFF2-40B4-BE49-F238E27FC236}">
+                  <a16:creationId xmlns:a16="http://schemas.microsoft.com/office/drawing/2014/main" id="{31F76148-6180-4659-D4A7-BBA4F34A68D0}"/>
+                </a:ext>
+              </a:extLst>
+            </p:cNvPr>
+            <p:cNvGrpSpPr/>
+            <p:nvPr/>
+          </p:nvGrpSpPr>
+          <p:grpSpPr>
+            <a:xfrm>
+              <a:off x="239330" y="-2544837"/>
+              <a:ext cx="7081019" cy="2633707"/>
+              <a:chOff x="239327" y="704652"/>
+              <a:chExt cx="7081020" cy="7128375"/>
+            </a:xfrm>
+          </p:grpSpPr>
+          <p:cxnSp>
+            <p:nvCxnSpPr>
+              <p:cNvPr id="5" name="Straight Connector 4">
+                <a:extLst>
+                  <a:ext uri="{FF2B5EF4-FFF2-40B4-BE49-F238E27FC236}">
+                    <a16:creationId xmlns:a16="http://schemas.microsoft.com/office/drawing/2014/main" id="{34E695AC-7393-02EF-35F2-A6C76AC72756}"/>
+                  </a:ext>
+                </a:extLst>
+              </p:cNvPr>
+              <p:cNvCxnSpPr>
+                <a:cxnSpLocks/>
+              </p:cNvCxnSpPr>
+              <p:nvPr/>
+            </p:nvCxnSpPr>
+            <p:spPr>
+              <a:xfrm>
+                <a:off x="2208417" y="789175"/>
+                <a:ext cx="0" cy="7043852"/>
+              </a:xfrm>
+              <a:prstGeom prst="line">
+                <a:avLst/>
+              </a:prstGeom>
+              <a:ln w="15875">
+                <a:solidFill>
+                  <a:schemeClr val="tx1">
+                    <a:lumMod val="50000"/>
+                    <a:lumOff val="50000"/>
+                  </a:schemeClr>
+                </a:solidFill>
+                <a:prstDash val="dashDot"/>
+              </a:ln>
+            </p:spPr>
+            <p:style>
+              <a:lnRef idx="1">
+                <a:schemeClr val="accent1"/>
+              </a:lnRef>
+              <a:fillRef idx="0">
+                <a:schemeClr val="accent1"/>
+              </a:fillRef>
+              <a:effectRef idx="0">
+                <a:schemeClr val="accent1"/>
+              </a:effectRef>
+              <a:fontRef idx="minor">
+                <a:schemeClr val="tx1"/>
+              </a:fontRef>
+            </p:style>
+          </p:cxnSp>
+          <p:sp>
+            <p:nvSpPr>
+              <p:cNvPr id="21" name="Rectangle 20">
+                <a:extLst>
+                  <a:ext uri="{FF2B5EF4-FFF2-40B4-BE49-F238E27FC236}">
+                    <a16:creationId xmlns:a16="http://schemas.microsoft.com/office/drawing/2014/main" id="{99972E63-2ADF-1620-345A-182BFBAF91AF}"/>
+                  </a:ext>
+                </a:extLst>
+              </p:cNvPr>
+              <p:cNvSpPr/>
+              <p:nvPr/>
+            </p:nvSpPr>
+            <p:spPr>
+              <a:xfrm>
+                <a:off x="239327" y="704652"/>
+                <a:ext cx="7081020" cy="7128375"/>
+              </a:xfrm>
+              <a:custGeom>
+                <a:avLst/>
+                <a:gdLst>
+                  <a:gd name="connsiteX0" fmla="*/ 0 w 7081020"/>
+                  <a:gd name="connsiteY0" fmla="*/ 0 h 7128375"/>
+                  <a:gd name="connsiteX1" fmla="*/ 572919 w 7081020"/>
+                  <a:gd name="connsiteY1" fmla="*/ 0 h 7128375"/>
+                  <a:gd name="connsiteX2" fmla="*/ 1004217 w 7081020"/>
+                  <a:gd name="connsiteY2" fmla="*/ 0 h 7128375"/>
+                  <a:gd name="connsiteX3" fmla="*/ 1789567 w 7081020"/>
+                  <a:gd name="connsiteY3" fmla="*/ 0 h 7128375"/>
+                  <a:gd name="connsiteX4" fmla="*/ 2362486 w 7081020"/>
+                  <a:gd name="connsiteY4" fmla="*/ 0 h 7128375"/>
+                  <a:gd name="connsiteX5" fmla="*/ 2935405 w 7081020"/>
+                  <a:gd name="connsiteY5" fmla="*/ 0 h 7128375"/>
+                  <a:gd name="connsiteX6" fmla="*/ 3720754 w 7081020"/>
+                  <a:gd name="connsiteY6" fmla="*/ 0 h 7128375"/>
+                  <a:gd name="connsiteX7" fmla="*/ 4222863 w 7081020"/>
+                  <a:gd name="connsiteY7" fmla="*/ 0 h 7128375"/>
+                  <a:gd name="connsiteX8" fmla="*/ 5008212 w 7081020"/>
+                  <a:gd name="connsiteY8" fmla="*/ 0 h 7128375"/>
+                  <a:gd name="connsiteX9" fmla="*/ 5793562 w 7081020"/>
+                  <a:gd name="connsiteY9" fmla="*/ 0 h 7128375"/>
+                  <a:gd name="connsiteX10" fmla="*/ 6437291 w 7081020"/>
+                  <a:gd name="connsiteY10" fmla="*/ 0 h 7128375"/>
+                  <a:gd name="connsiteX11" fmla="*/ 7081020 w 7081020"/>
+                  <a:gd name="connsiteY11" fmla="*/ 0 h 7128375"/>
+                  <a:gd name="connsiteX12" fmla="*/ 7081020 w 7081020"/>
+                  <a:gd name="connsiteY12" fmla="*/ 576750 h 7128375"/>
+                  <a:gd name="connsiteX13" fmla="*/ 7081020 w 7081020"/>
+                  <a:gd name="connsiteY13" fmla="*/ 1010933 h 7128375"/>
+                  <a:gd name="connsiteX14" fmla="*/ 7081020 w 7081020"/>
+                  <a:gd name="connsiteY14" fmla="*/ 1658967 h 7128375"/>
+                  <a:gd name="connsiteX15" fmla="*/ 7081020 w 7081020"/>
+                  <a:gd name="connsiteY15" fmla="*/ 2307001 h 7128375"/>
+                  <a:gd name="connsiteX16" fmla="*/ 7081020 w 7081020"/>
+                  <a:gd name="connsiteY16" fmla="*/ 2955035 h 7128375"/>
+                  <a:gd name="connsiteX17" fmla="*/ 7081020 w 7081020"/>
+                  <a:gd name="connsiteY17" fmla="*/ 3674353 h 7128375"/>
+                  <a:gd name="connsiteX18" fmla="*/ 7081020 w 7081020"/>
+                  <a:gd name="connsiteY18" fmla="*/ 4393671 h 7128375"/>
+                  <a:gd name="connsiteX19" fmla="*/ 7081020 w 7081020"/>
+                  <a:gd name="connsiteY19" fmla="*/ 5112989 h 7128375"/>
+                  <a:gd name="connsiteX20" fmla="*/ 7081020 w 7081020"/>
+                  <a:gd name="connsiteY20" fmla="*/ 5547172 h 7128375"/>
+                  <a:gd name="connsiteX21" fmla="*/ 7081020 w 7081020"/>
+                  <a:gd name="connsiteY21" fmla="*/ 6052638 h 7128375"/>
+                  <a:gd name="connsiteX22" fmla="*/ 7081020 w 7081020"/>
+                  <a:gd name="connsiteY22" fmla="*/ 7128375 h 7128375"/>
+                  <a:gd name="connsiteX23" fmla="*/ 6508101 w 7081020"/>
+                  <a:gd name="connsiteY23" fmla="*/ 7128375 h 7128375"/>
+                  <a:gd name="connsiteX24" fmla="*/ 5864372 w 7081020"/>
+                  <a:gd name="connsiteY24" fmla="*/ 7128375 h 7128375"/>
+                  <a:gd name="connsiteX25" fmla="*/ 5433074 w 7081020"/>
+                  <a:gd name="connsiteY25" fmla="*/ 7128375 h 7128375"/>
+                  <a:gd name="connsiteX26" fmla="*/ 5001775 w 7081020"/>
+                  <a:gd name="connsiteY26" fmla="*/ 7128375 h 7128375"/>
+                  <a:gd name="connsiteX27" fmla="*/ 4358046 w 7081020"/>
+                  <a:gd name="connsiteY27" fmla="*/ 7128375 h 7128375"/>
+                  <a:gd name="connsiteX28" fmla="*/ 3855937 w 7081020"/>
+                  <a:gd name="connsiteY28" fmla="*/ 7128375 h 7128375"/>
+                  <a:gd name="connsiteX29" fmla="*/ 3141398 w 7081020"/>
+                  <a:gd name="connsiteY29" fmla="*/ 7128375 h 7128375"/>
+                  <a:gd name="connsiteX30" fmla="*/ 2639289 w 7081020"/>
+                  <a:gd name="connsiteY30" fmla="*/ 7128375 h 7128375"/>
+                  <a:gd name="connsiteX31" fmla="*/ 1924750 w 7081020"/>
+                  <a:gd name="connsiteY31" fmla="*/ 7128375 h 7128375"/>
+                  <a:gd name="connsiteX32" fmla="*/ 1493451 w 7081020"/>
+                  <a:gd name="connsiteY32" fmla="*/ 7128375 h 7128375"/>
+                  <a:gd name="connsiteX33" fmla="*/ 778912 w 7081020"/>
+                  <a:gd name="connsiteY33" fmla="*/ 7128375 h 7128375"/>
+                  <a:gd name="connsiteX34" fmla="*/ 0 w 7081020"/>
+                  <a:gd name="connsiteY34" fmla="*/ 7128375 h 7128375"/>
+                  <a:gd name="connsiteX35" fmla="*/ 0 w 7081020"/>
+                  <a:gd name="connsiteY35" fmla="*/ 6694192 h 7128375"/>
+                  <a:gd name="connsiteX36" fmla="*/ 0 w 7081020"/>
+                  <a:gd name="connsiteY36" fmla="*/ 6117442 h 7128375"/>
+                  <a:gd name="connsiteX37" fmla="*/ 0 w 7081020"/>
+                  <a:gd name="connsiteY37" fmla="*/ 5326840 h 7128375"/>
+                  <a:gd name="connsiteX38" fmla="*/ 0 w 7081020"/>
+                  <a:gd name="connsiteY38" fmla="*/ 4821374 h 7128375"/>
+                  <a:gd name="connsiteX39" fmla="*/ 0 w 7081020"/>
+                  <a:gd name="connsiteY39" fmla="*/ 4387191 h 7128375"/>
+                  <a:gd name="connsiteX40" fmla="*/ 0 w 7081020"/>
+                  <a:gd name="connsiteY40" fmla="*/ 3953008 h 7128375"/>
+                  <a:gd name="connsiteX41" fmla="*/ 0 w 7081020"/>
+                  <a:gd name="connsiteY41" fmla="*/ 3233690 h 7128375"/>
+                  <a:gd name="connsiteX42" fmla="*/ 0 w 7081020"/>
+                  <a:gd name="connsiteY42" fmla="*/ 2799507 h 7128375"/>
+                  <a:gd name="connsiteX43" fmla="*/ 0 w 7081020"/>
+                  <a:gd name="connsiteY43" fmla="*/ 2151473 h 7128375"/>
+                  <a:gd name="connsiteX44" fmla="*/ 0 w 7081020"/>
+                  <a:gd name="connsiteY44" fmla="*/ 1646007 h 7128375"/>
+                  <a:gd name="connsiteX45" fmla="*/ 0 w 7081020"/>
+                  <a:gd name="connsiteY45" fmla="*/ 997972 h 7128375"/>
+                  <a:gd name="connsiteX46" fmla="*/ 0 w 7081020"/>
+                  <a:gd name="connsiteY46" fmla="*/ 0 h 7128375"/>
+                </a:gdLst>
+                <a:ahLst/>
+                <a:cxnLst>
+                  <a:cxn ang="0">
+                    <a:pos x="connsiteX0" y="connsiteY0"/>
+                  </a:cxn>
+                  <a:cxn ang="0">
+                    <a:pos x="connsiteX1" y="connsiteY1"/>
+                  </a:cxn>
+                  <a:cxn ang="0">
+                    <a:pos x="connsiteX2" y="connsiteY2"/>
+                  </a:cxn>
+                  <a:cxn ang="0">
+                    <a:pos x="connsiteX3" y="connsiteY3"/>
+                  </a:cxn>
+                  <a:cxn ang="0">
+                    <a:pos x="connsiteX4" y="connsiteY4"/>
+                  </a:cxn>
+                  <a:cxn ang="0">
+                    <a:pos x="connsiteX5" y="connsiteY5"/>
+                  </a:cxn>
+                  <a:cxn ang="0">
+                    <a:pos x="connsiteX6" y="connsiteY6"/>
+                  </a:cxn>
+                  <a:cxn ang="0">
+                    <a:pos x="connsiteX7" y="connsiteY7"/>
+                  </a:cxn>
+                  <a:cxn ang="0">
+                    <a:pos x="connsiteX8" y="connsiteY8"/>
+                  </a:cxn>
+                  <a:cxn ang="0">
+                    <a:pos x="connsiteX9" y="connsiteY9"/>
+                  </a:cxn>
+                  <a:cxn ang="0">
+                    <a:pos x="connsiteX10" y="connsiteY10"/>
+                  </a:cxn>
+                  <a:cxn ang="0">
+                    <a:pos x="connsiteX11" y="connsiteY11"/>
+                  </a:cxn>
+                  <a:cxn ang="0">
+                    <a:pos x="connsiteX12" y="connsiteY12"/>
+                  </a:cxn>
+                  <a:cxn ang="0">
+                    <a:pos x="connsiteX13" y="connsiteY13"/>
+                  </a:cxn>
+                  <a:cxn ang="0">
+                    <a:pos x="connsiteX14" y="connsiteY14"/>
+                  </a:cxn>
+                  <a:cxn ang="0">
+                    <a:pos x="connsiteX15" y="connsiteY15"/>
+                  </a:cxn>
+                  <a:cxn ang="0">
+                    <a:pos x="connsiteX16" y="connsiteY16"/>
+                  </a:cxn>
+                  <a:cxn ang="0">
+                    <a:pos x="connsiteX17" y="connsiteY17"/>
+                  </a:cxn>
+                  <a:cxn ang="0">
+                    <a:pos x="connsiteX18" y="connsiteY18"/>
+                  </a:cxn>
+                  <a:cxn ang="0">
+                    <a:pos x="connsiteX19" y="connsiteY19"/>
+                  </a:cxn>
+                  <a:cxn ang="0">
+                    <a:pos x="connsiteX20" y="connsiteY20"/>
+                  </a:cxn>
+                  <a:cxn ang="0">
+                    <a:pos x="connsiteX21" y="connsiteY21"/>
+                  </a:cxn>
+                  <a:cxn ang="0">
+                    <a:pos x="connsiteX22" y="connsiteY22"/>
+                  </a:cxn>
+                  <a:cxn ang="0">
+                    <a:pos x="connsiteX23" y="connsiteY23"/>
+                  </a:cxn>
+                  <a:cxn ang="0">
+                    <a:pos x="connsiteX24" y="connsiteY24"/>
+                  </a:cxn>
+                  <a:cxn ang="0">
+                    <a:pos x="connsiteX25" y="connsiteY25"/>
+                  </a:cxn>
+                  <a:cxn ang="0">
+                    <a:pos x="connsiteX26" y="connsiteY26"/>
+                  </a:cxn>
+                  <a:cxn ang="0">
+                    <a:pos x="connsiteX27" y="connsiteY27"/>
+                  </a:cxn>
+                  <a:cxn ang="0">
+                    <a:pos x="connsiteX28" y="connsiteY28"/>
+                  </a:cxn>
+                  <a:cxn ang="0">
+                    <a:pos x="connsiteX29" y="connsiteY29"/>
+                  </a:cxn>
+                  <a:cxn ang="0">
+                    <a:pos x="connsiteX30" y="connsiteY30"/>
+                  </a:cxn>
+                  <a:cxn ang="0">
+                    <a:pos x="connsiteX31" y="connsiteY31"/>
+                  </a:cxn>
+                  <a:cxn ang="0">
+                    <a:pos x="connsiteX32" y="connsiteY32"/>
+                  </a:cxn>
+                  <a:cxn ang="0">
+                    <a:pos x="connsiteX33" y="connsiteY33"/>
+                  </a:cxn>
+                  <a:cxn ang="0">
+                    <a:pos x="connsiteX34" y="connsiteY34"/>
+                  </a:cxn>
+                  <a:cxn ang="0">
+                    <a:pos x="connsiteX35" y="connsiteY35"/>
+                  </a:cxn>
+                  <a:cxn ang="0">
+                    <a:pos x="connsiteX36" y="connsiteY36"/>
+                  </a:cxn>
+                  <a:cxn ang="0">
+                    <a:pos x="connsiteX37" y="connsiteY37"/>
+                  </a:cxn>
+                  <a:cxn ang="0">
+                    <a:pos x="connsiteX38" y="connsiteY38"/>
+                  </a:cxn>
+                  <a:cxn ang="0">
+                    <a:pos x="connsiteX39" y="connsiteY39"/>
+                  </a:cxn>
+                  <a:cxn ang="0">
+                    <a:pos x="connsiteX40" y="connsiteY40"/>
+                  </a:cxn>
+                  <a:cxn ang="0">
+                    <a:pos x="connsiteX41" y="connsiteY41"/>
+                  </a:cxn>
+                  <a:cxn ang="0">
+                    <a:pos x="connsiteX42" y="connsiteY42"/>
+                  </a:cxn>
+                  <a:cxn ang="0">
+                    <a:pos x="connsiteX43" y="connsiteY43"/>
+                  </a:cxn>
+                  <a:cxn ang="0">
+                    <a:pos x="connsiteX44" y="connsiteY44"/>
+                  </a:cxn>
+                  <a:cxn ang="0">
+                    <a:pos x="connsiteX45" y="connsiteY45"/>
+                  </a:cxn>
+                  <a:cxn ang="0">
+                    <a:pos x="connsiteX46" y="connsiteY46"/>
+                  </a:cxn>
+                </a:cxnLst>
+                <a:rect l="l" t="t" r="r" b="b"/>
+                <a:pathLst>
+                  <a:path w="7081020" h="7128375" extrusionOk="0">
+                    <a:moveTo>
+                      <a:pt x="0" y="0"/>
+                    </a:moveTo>
+                    <a:cubicBezTo>
+                      <a:pt x="210263" y="22018"/>
+                      <a:pt x="413341" y="21500"/>
+                      <a:pt x="572919" y="0"/>
+                    </a:cubicBezTo>
+                    <a:cubicBezTo>
+                      <a:pt x="732497" y="-21500"/>
+                      <a:pt x="792396" y="690"/>
+                      <a:pt x="1004217" y="0"/>
+                    </a:cubicBezTo>
+                    <a:cubicBezTo>
+                      <a:pt x="1216038" y="-690"/>
+                      <a:pt x="1615716" y="10174"/>
+                      <a:pt x="1789567" y="0"/>
+                    </a:cubicBezTo>
+                    <a:cubicBezTo>
+                      <a:pt x="1963418" y="-10174"/>
+                      <a:pt x="2244829" y="4874"/>
+                      <a:pt x="2362486" y="0"/>
+                    </a:cubicBezTo>
+                    <a:cubicBezTo>
+                      <a:pt x="2480143" y="-4874"/>
+                      <a:pt x="2735114" y="-20363"/>
+                      <a:pt x="2935405" y="0"/>
+                    </a:cubicBezTo>
+                    <a:cubicBezTo>
+                      <a:pt x="3135696" y="20363"/>
+                      <a:pt x="3436871" y="-29544"/>
+                      <a:pt x="3720754" y="0"/>
+                    </a:cubicBezTo>
+                    <a:cubicBezTo>
+                      <a:pt x="4004637" y="29544"/>
+                      <a:pt x="4028634" y="1501"/>
+                      <a:pt x="4222863" y="0"/>
+                    </a:cubicBezTo>
+                    <a:cubicBezTo>
+                      <a:pt x="4417092" y="-1501"/>
+                      <a:pt x="4654536" y="13421"/>
+                      <a:pt x="5008212" y="0"/>
+                    </a:cubicBezTo>
+                    <a:cubicBezTo>
+                      <a:pt x="5361888" y="-13421"/>
+                      <a:pt x="5558134" y="-3460"/>
+                      <a:pt x="5793562" y="0"/>
+                    </a:cubicBezTo>
+                    <a:cubicBezTo>
+                      <a:pt x="6028990" y="3460"/>
+                      <a:pt x="6283140" y="-18066"/>
+                      <a:pt x="6437291" y="0"/>
+                    </a:cubicBezTo>
+                    <a:cubicBezTo>
+                      <a:pt x="6591442" y="18066"/>
+                      <a:pt x="6828068" y="20319"/>
+                      <a:pt x="7081020" y="0"/>
+                    </a:cubicBezTo>
+                    <a:cubicBezTo>
+                      <a:pt x="7086679" y="197309"/>
+                      <a:pt x="7052409" y="340961"/>
+                      <a:pt x="7081020" y="576750"/>
+                    </a:cubicBezTo>
+                    <a:cubicBezTo>
+                      <a:pt x="7109632" y="812539"/>
+                      <a:pt x="7078751" y="855081"/>
+                      <a:pt x="7081020" y="1010933"/>
+                    </a:cubicBezTo>
+                    <a:cubicBezTo>
+                      <a:pt x="7083289" y="1166785"/>
+                      <a:pt x="7071237" y="1407724"/>
+                      <a:pt x="7081020" y="1658967"/>
+                    </a:cubicBezTo>
+                    <a:cubicBezTo>
+                      <a:pt x="7090803" y="1910210"/>
+                      <a:pt x="7062603" y="2032907"/>
+                      <a:pt x="7081020" y="2307001"/>
+                    </a:cubicBezTo>
+                    <a:cubicBezTo>
+                      <a:pt x="7099437" y="2581095"/>
+                      <a:pt x="7090470" y="2745162"/>
+                      <a:pt x="7081020" y="2955035"/>
+                    </a:cubicBezTo>
+                    <a:cubicBezTo>
+                      <a:pt x="7071570" y="3164908"/>
+                      <a:pt x="7066660" y="3460273"/>
+                      <a:pt x="7081020" y="3674353"/>
+                    </a:cubicBezTo>
+                    <a:cubicBezTo>
+                      <a:pt x="7095380" y="3888433"/>
+                      <a:pt x="7101845" y="4088684"/>
+                      <a:pt x="7081020" y="4393671"/>
+                    </a:cubicBezTo>
+                    <a:cubicBezTo>
+                      <a:pt x="7060195" y="4698658"/>
+                      <a:pt x="7045749" y="4754912"/>
+                      <a:pt x="7081020" y="5112989"/>
+                    </a:cubicBezTo>
+                    <a:cubicBezTo>
+                      <a:pt x="7116291" y="5471066"/>
+                      <a:pt x="7081173" y="5404600"/>
+                      <a:pt x="7081020" y="5547172"/>
+                    </a:cubicBezTo>
+                    <a:cubicBezTo>
+                      <a:pt x="7080867" y="5689744"/>
+                      <a:pt x="7067424" y="5891982"/>
+                      <a:pt x="7081020" y="6052638"/>
+                    </a:cubicBezTo>
+                    <a:cubicBezTo>
+                      <a:pt x="7094616" y="6213294"/>
+                      <a:pt x="7107647" y="6614038"/>
+                      <a:pt x="7081020" y="7128375"/>
+                    </a:cubicBezTo>
+                    <a:cubicBezTo>
+                      <a:pt x="6954770" y="7122103"/>
+                      <a:pt x="6779392" y="7110310"/>
+                      <a:pt x="6508101" y="7128375"/>
+                    </a:cubicBezTo>
+                    <a:cubicBezTo>
+                      <a:pt x="6236810" y="7146440"/>
+                      <a:pt x="6026138" y="7145017"/>
+                      <a:pt x="5864372" y="7128375"/>
+                    </a:cubicBezTo>
+                    <a:cubicBezTo>
+                      <a:pt x="5702606" y="7111733"/>
+                      <a:pt x="5551602" y="7148973"/>
+                      <a:pt x="5433074" y="7128375"/>
+                    </a:cubicBezTo>
+                    <a:cubicBezTo>
+                      <a:pt x="5314546" y="7107777"/>
+                      <a:pt x="5146991" y="7129476"/>
+                      <a:pt x="5001775" y="7128375"/>
+                    </a:cubicBezTo>
+                    <a:cubicBezTo>
+                      <a:pt x="4856559" y="7127274"/>
+                      <a:pt x="4630755" y="7126059"/>
+                      <a:pt x="4358046" y="7128375"/>
+                    </a:cubicBezTo>
+                    <a:cubicBezTo>
+                      <a:pt x="4085337" y="7130691"/>
+                      <a:pt x="3967138" y="7142143"/>
+                      <a:pt x="3855937" y="7128375"/>
+                    </a:cubicBezTo>
+                    <a:cubicBezTo>
+                      <a:pt x="3744736" y="7114607"/>
+                      <a:pt x="3452305" y="7132533"/>
+                      <a:pt x="3141398" y="7128375"/>
+                    </a:cubicBezTo>
+                    <a:cubicBezTo>
+                      <a:pt x="2830491" y="7124217"/>
+                      <a:pt x="2779193" y="7123189"/>
+                      <a:pt x="2639289" y="7128375"/>
+                    </a:cubicBezTo>
+                    <a:cubicBezTo>
+                      <a:pt x="2499385" y="7133561"/>
+                      <a:pt x="2173760" y="7093547"/>
+                      <a:pt x="1924750" y="7128375"/>
+                    </a:cubicBezTo>
+                    <a:cubicBezTo>
+                      <a:pt x="1675740" y="7163203"/>
+                      <a:pt x="1667255" y="7133285"/>
+                      <a:pt x="1493451" y="7128375"/>
+                    </a:cubicBezTo>
+                    <a:cubicBezTo>
+                      <a:pt x="1319647" y="7123465"/>
+                      <a:pt x="928836" y="7162812"/>
+                      <a:pt x="778912" y="7128375"/>
+                    </a:cubicBezTo>
+                    <a:cubicBezTo>
+                      <a:pt x="628988" y="7093938"/>
+                      <a:pt x="182251" y="7126729"/>
+                      <a:pt x="0" y="7128375"/>
+                    </a:cubicBezTo>
+                    <a:cubicBezTo>
+                      <a:pt x="17581" y="6957036"/>
+                      <a:pt x="19306" y="6836112"/>
+                      <a:pt x="0" y="6694192"/>
+                    </a:cubicBezTo>
+                    <a:cubicBezTo>
+                      <a:pt x="-19306" y="6552272"/>
+                      <a:pt x="-27487" y="6330951"/>
+                      <a:pt x="0" y="6117442"/>
+                    </a:cubicBezTo>
+                    <a:cubicBezTo>
+                      <a:pt x="27487" y="5903933"/>
+                      <a:pt x="34445" y="5603571"/>
+                      <a:pt x="0" y="5326840"/>
+                    </a:cubicBezTo>
+                    <a:cubicBezTo>
+                      <a:pt x="-34445" y="5050109"/>
+                      <a:pt x="22424" y="5011072"/>
+                      <a:pt x="0" y="4821374"/>
+                    </a:cubicBezTo>
+                    <a:cubicBezTo>
+                      <a:pt x="-22424" y="4631676"/>
+                      <a:pt x="-9224" y="4579426"/>
+                      <a:pt x="0" y="4387191"/>
+                    </a:cubicBezTo>
+                    <a:cubicBezTo>
+                      <a:pt x="9224" y="4194956"/>
+                      <a:pt x="12046" y="4059739"/>
+                      <a:pt x="0" y="3953008"/>
+                    </a:cubicBezTo>
+                    <a:cubicBezTo>
+                      <a:pt x="-12046" y="3846277"/>
+                      <a:pt x="-2171" y="3399792"/>
+                      <a:pt x="0" y="3233690"/>
+                    </a:cubicBezTo>
+                    <a:cubicBezTo>
+                      <a:pt x="2171" y="3067588"/>
+                      <a:pt x="-5609" y="2974591"/>
+                      <a:pt x="0" y="2799507"/>
+                    </a:cubicBezTo>
+                    <a:cubicBezTo>
+                      <a:pt x="5609" y="2624423"/>
+                      <a:pt x="-28770" y="2289599"/>
+                      <a:pt x="0" y="2151473"/>
+                    </a:cubicBezTo>
+                    <a:cubicBezTo>
+                      <a:pt x="28770" y="2013347"/>
+                      <a:pt x="-2451" y="1763400"/>
+                      <a:pt x="0" y="1646007"/>
+                    </a:cubicBezTo>
+                    <a:cubicBezTo>
+                      <a:pt x="2451" y="1528614"/>
+                      <a:pt x="-5029" y="1223026"/>
+                      <a:pt x="0" y="997972"/>
+                    </a:cubicBezTo>
+                    <a:cubicBezTo>
+                      <a:pt x="5029" y="772919"/>
+                      <a:pt x="-35205" y="296777"/>
+                      <a:pt x="0" y="0"/>
+                    </a:cubicBezTo>
+                    <a:close/>
+                  </a:path>
+                </a:pathLst>
+              </a:custGeom>
+              <a:noFill/>
+              <a:ln w="25400">
+                <a:solidFill>
+                  <a:schemeClr val="tx1"/>
+                </a:solidFill>
+                <a:extLst>
+                  <a:ext uri="{C807C97D-BFC1-408E-A445-0C87EB9F89A2}">
+                    <ask:lineSketchStyleProps xmlns:ask="http://schemas.microsoft.com/office/drawing/2018/sketchyshapes" sd="1219033472">
+                      <a:prstGeom prst="rect">
+                        <a:avLst/>
+                      </a:prstGeom>
+                      <ask:type>
+                        <ask:lineSketchFreehand/>
+                      </ask:type>
+                    </ask:lineSketchStyleProps>
+                  </a:ext>
+                </a:extLst>
+              </a:ln>
+            </p:spPr>
+            <p:style>
+              <a:lnRef idx="2">
+                <a:schemeClr val="accent1">
+                  <a:shade val="15000"/>
+                </a:schemeClr>
+              </a:lnRef>
+              <a:fillRef idx="1">
+                <a:schemeClr val="accent1"/>
+              </a:fillRef>
+              <a:effectRef idx="0">
+                <a:schemeClr val="accent1"/>
+              </a:effectRef>
+              <a:fontRef idx="minor">
+                <a:schemeClr val="lt1"/>
+              </a:fontRef>
+            </p:style>
+            <p:txBody>
+              <a:bodyPr rtlCol="0" anchor="ctr"/>
+              <a:lstStyle/>
+              <a:p>
+                <a:pPr algn="ctr"/>
+                <a:endParaRPr lang="en-US" sz="2229"/>
+              </a:p>
+            </p:txBody>
+          </p:sp>
+        </p:grpSp>
+        <p:grpSp>
+          <p:nvGrpSpPr>
+            <p:cNvPr id="44" name="Group 43">
+              <a:extLst>
+                <a:ext uri="{FF2B5EF4-FFF2-40B4-BE49-F238E27FC236}">
+                  <a16:creationId xmlns:a16="http://schemas.microsoft.com/office/drawing/2014/main" id="{57041239-5E19-1885-DBBA-360623883237}"/>
+                </a:ext>
+              </a:extLst>
+            </p:cNvPr>
+            <p:cNvGrpSpPr/>
+            <p:nvPr/>
+          </p:nvGrpSpPr>
+          <p:grpSpPr>
+            <a:xfrm>
+              <a:off x="3336640" y="180531"/>
+              <a:ext cx="3996218" cy="1532972"/>
+              <a:chOff x="4993885" y="4429523"/>
+              <a:chExt cx="6705679" cy="1876412"/>
+            </a:xfrm>
+          </p:grpSpPr>
+          <p:sp>
+            <p:nvSpPr>
+              <p:cNvPr id="3" name="Rectangle 2">
+                <a:extLst>
+                  <a:ext uri="{FF2B5EF4-FFF2-40B4-BE49-F238E27FC236}">
+                    <a16:creationId xmlns:a16="http://schemas.microsoft.com/office/drawing/2014/main" id="{F87659A1-007A-5A1A-3C43-D31914FA600E}"/>
+                  </a:ext>
+                </a:extLst>
+              </p:cNvPr>
+              <p:cNvSpPr/>
+              <p:nvPr/>
+            </p:nvSpPr>
+            <p:spPr>
+              <a:xfrm>
+                <a:off x="4993886" y="4490436"/>
+                <a:ext cx="6685443" cy="1815499"/>
+              </a:xfrm>
+              <a:custGeom>
+                <a:avLst/>
+                <a:gdLst>
+                  <a:gd name="connsiteX0" fmla="*/ 0 w 6685443"/>
+                  <a:gd name="connsiteY0" fmla="*/ 0 h 1815499"/>
+                  <a:gd name="connsiteX1" fmla="*/ 601690 w 6685443"/>
+                  <a:gd name="connsiteY1" fmla="*/ 0 h 1815499"/>
+                  <a:gd name="connsiteX2" fmla="*/ 1069671 w 6685443"/>
+                  <a:gd name="connsiteY2" fmla="*/ 0 h 1815499"/>
+                  <a:gd name="connsiteX3" fmla="*/ 1871924 w 6685443"/>
+                  <a:gd name="connsiteY3" fmla="*/ 0 h 1815499"/>
+                  <a:gd name="connsiteX4" fmla="*/ 2473614 w 6685443"/>
+                  <a:gd name="connsiteY4" fmla="*/ 0 h 1815499"/>
+                  <a:gd name="connsiteX5" fmla="*/ 3075304 w 6685443"/>
+                  <a:gd name="connsiteY5" fmla="*/ 0 h 1815499"/>
+                  <a:gd name="connsiteX6" fmla="*/ 3877557 w 6685443"/>
+                  <a:gd name="connsiteY6" fmla="*/ 0 h 1815499"/>
+                  <a:gd name="connsiteX7" fmla="*/ 4412392 w 6685443"/>
+                  <a:gd name="connsiteY7" fmla="*/ 0 h 1815499"/>
+                  <a:gd name="connsiteX8" fmla="*/ 5214646 w 6685443"/>
+                  <a:gd name="connsiteY8" fmla="*/ 0 h 1815499"/>
+                  <a:gd name="connsiteX9" fmla="*/ 6016899 w 6685443"/>
+                  <a:gd name="connsiteY9" fmla="*/ 0 h 1815499"/>
+                  <a:gd name="connsiteX10" fmla="*/ 6685443 w 6685443"/>
+                  <a:gd name="connsiteY10" fmla="*/ 0 h 1815499"/>
+                  <a:gd name="connsiteX11" fmla="*/ 6685443 w 6685443"/>
+                  <a:gd name="connsiteY11" fmla="*/ 641476 h 1815499"/>
+                  <a:gd name="connsiteX12" fmla="*/ 6685443 w 6685443"/>
+                  <a:gd name="connsiteY12" fmla="*/ 1264798 h 1815499"/>
+                  <a:gd name="connsiteX13" fmla="*/ 6685443 w 6685443"/>
+                  <a:gd name="connsiteY13" fmla="*/ 1815499 h 1815499"/>
+                  <a:gd name="connsiteX14" fmla="*/ 6016899 w 6685443"/>
+                  <a:gd name="connsiteY14" fmla="*/ 1815499 h 1815499"/>
+                  <a:gd name="connsiteX15" fmla="*/ 5482063 w 6685443"/>
+                  <a:gd name="connsiteY15" fmla="*/ 1815499 h 1815499"/>
+                  <a:gd name="connsiteX16" fmla="*/ 4813519 w 6685443"/>
+                  <a:gd name="connsiteY16" fmla="*/ 1815499 h 1815499"/>
+                  <a:gd name="connsiteX17" fmla="*/ 4011266 w 6685443"/>
+                  <a:gd name="connsiteY17" fmla="*/ 1815499 h 1815499"/>
+                  <a:gd name="connsiteX18" fmla="*/ 3342722 w 6685443"/>
+                  <a:gd name="connsiteY18" fmla="*/ 1815499 h 1815499"/>
+                  <a:gd name="connsiteX19" fmla="*/ 2874740 w 6685443"/>
+                  <a:gd name="connsiteY19" fmla="*/ 1815499 h 1815499"/>
+                  <a:gd name="connsiteX20" fmla="*/ 2339905 w 6685443"/>
+                  <a:gd name="connsiteY20" fmla="*/ 1815499 h 1815499"/>
+                  <a:gd name="connsiteX21" fmla="*/ 1537652 w 6685443"/>
+                  <a:gd name="connsiteY21" fmla="*/ 1815499 h 1815499"/>
+                  <a:gd name="connsiteX22" fmla="*/ 869108 w 6685443"/>
+                  <a:gd name="connsiteY22" fmla="*/ 1815499 h 1815499"/>
+                  <a:gd name="connsiteX23" fmla="*/ 0 w 6685443"/>
+                  <a:gd name="connsiteY23" fmla="*/ 1815499 h 1815499"/>
+                  <a:gd name="connsiteX24" fmla="*/ 0 w 6685443"/>
+                  <a:gd name="connsiteY24" fmla="*/ 1210333 h 1815499"/>
+                  <a:gd name="connsiteX25" fmla="*/ 0 w 6685443"/>
+                  <a:gd name="connsiteY25" fmla="*/ 659631 h 1815499"/>
+                  <a:gd name="connsiteX26" fmla="*/ 0 w 6685443"/>
+                  <a:gd name="connsiteY26" fmla="*/ 0 h 1815499"/>
+                </a:gdLst>
+                <a:ahLst/>
+                <a:cxnLst>
+                  <a:cxn ang="0">
+                    <a:pos x="connsiteX0" y="connsiteY0"/>
+                  </a:cxn>
+                  <a:cxn ang="0">
+                    <a:pos x="connsiteX1" y="connsiteY1"/>
+                  </a:cxn>
+                  <a:cxn ang="0">
+                    <a:pos x="connsiteX2" y="connsiteY2"/>
+                  </a:cxn>
+                  <a:cxn ang="0">
+                    <a:pos x="connsiteX3" y="connsiteY3"/>
+                  </a:cxn>
+                  <a:cxn ang="0">
+                    <a:pos x="connsiteX4" y="connsiteY4"/>
+                  </a:cxn>
+                  <a:cxn ang="0">
+                    <a:pos x="connsiteX5" y="connsiteY5"/>
+                  </a:cxn>
+                  <a:cxn ang="0">
+                    <a:pos x="connsiteX6" y="connsiteY6"/>
+                  </a:cxn>
+                  <a:cxn ang="0">
+                    <a:pos x="connsiteX7" y="connsiteY7"/>
+                  </a:cxn>
+                  <a:cxn ang="0">
+                    <a:pos x="connsiteX8" y="connsiteY8"/>
+                  </a:cxn>
+                  <a:cxn ang="0">
+                    <a:pos x="connsiteX9" y="connsiteY9"/>
+                  </a:cxn>
+                  <a:cxn ang="0">
+                    <a:pos x="connsiteX10" y="connsiteY10"/>
+                  </a:cxn>
+                  <a:cxn ang="0">
+                    <a:pos x="connsiteX11" y="connsiteY11"/>
+                  </a:cxn>
+                  <a:cxn ang="0">
+                    <a:pos x="connsiteX12" y="connsiteY12"/>
+                  </a:cxn>
+                  <a:cxn ang="0">
+                    <a:pos x="connsiteX13" y="connsiteY13"/>
+                  </a:cxn>
+                  <a:cxn ang="0">
+                    <a:pos x="connsiteX14" y="connsiteY14"/>
+                  </a:cxn>
+                  <a:cxn ang="0">
+                    <a:pos x="connsiteX15" y="connsiteY15"/>
+                  </a:cxn>
+                  <a:cxn ang="0">
+                    <a:pos x="connsiteX16" y="connsiteY16"/>
+                  </a:cxn>
+                  <a:cxn ang="0">
+                    <a:pos x="connsiteX17" y="connsiteY17"/>
+                  </a:cxn>
+                  <a:cxn ang="0">
+                    <a:pos x="connsiteX18" y="connsiteY18"/>
+                  </a:cxn>
+                  <a:cxn ang="0">
+                    <a:pos x="connsiteX19" y="connsiteY19"/>
+                  </a:cxn>
+                  <a:cxn ang="0">
+                    <a:pos x="connsiteX20" y="connsiteY20"/>
+                  </a:cxn>
+                  <a:cxn ang="0">
+                    <a:pos x="connsiteX21" y="connsiteY21"/>
+                  </a:cxn>
+                  <a:cxn ang="0">
+                    <a:pos x="connsiteX22" y="connsiteY22"/>
+                  </a:cxn>
+                  <a:cxn ang="0">
+                    <a:pos x="connsiteX23" y="connsiteY23"/>
+                  </a:cxn>
+                  <a:cxn ang="0">
+                    <a:pos x="connsiteX24" y="connsiteY24"/>
+                  </a:cxn>
+                  <a:cxn ang="0">
+                    <a:pos x="connsiteX25" y="connsiteY25"/>
+                  </a:cxn>
+                  <a:cxn ang="0">
+                    <a:pos x="connsiteX26" y="connsiteY26"/>
+                  </a:cxn>
+                </a:cxnLst>
+                <a:rect l="l" t="t" r="r" b="b"/>
+                <a:pathLst>
+                  <a:path w="6685443" h="1815499" extrusionOk="0">
+                    <a:moveTo>
+                      <a:pt x="0" y="0"/>
+                    </a:moveTo>
+                    <a:cubicBezTo>
+                      <a:pt x="197687" y="5421"/>
+                      <a:pt x="392637" y="-27165"/>
+                      <a:pt x="601690" y="0"/>
+                    </a:cubicBezTo>
+                    <a:cubicBezTo>
+                      <a:pt x="810743" y="27165"/>
+                      <a:pt x="967174" y="20034"/>
+                      <a:pt x="1069671" y="0"/>
+                    </a:cubicBezTo>
+                    <a:cubicBezTo>
+                      <a:pt x="1172168" y="-20034"/>
+                      <a:pt x="1481114" y="26288"/>
+                      <a:pt x="1871924" y="0"/>
+                    </a:cubicBezTo>
+                    <a:cubicBezTo>
+                      <a:pt x="2262734" y="-26288"/>
+                      <a:pt x="2275646" y="9816"/>
+                      <a:pt x="2473614" y="0"/>
+                    </a:cubicBezTo>
+                    <a:cubicBezTo>
+                      <a:pt x="2671582" y="-9816"/>
+                      <a:pt x="2837715" y="-16866"/>
+                      <a:pt x="3075304" y="0"/>
+                    </a:cubicBezTo>
+                    <a:cubicBezTo>
+                      <a:pt x="3312893" y="16866"/>
+                      <a:pt x="3565082" y="13656"/>
+                      <a:pt x="3877557" y="0"/>
+                    </a:cubicBezTo>
+                    <a:cubicBezTo>
+                      <a:pt x="4190032" y="-13656"/>
+                      <a:pt x="4275680" y="23045"/>
+                      <a:pt x="4412392" y="0"/>
+                    </a:cubicBezTo>
+                    <a:cubicBezTo>
+                      <a:pt x="4549105" y="-23045"/>
+                      <a:pt x="4974381" y="13533"/>
+                      <a:pt x="5214646" y="0"/>
+                    </a:cubicBezTo>
+                    <a:cubicBezTo>
+                      <a:pt x="5454911" y="-13533"/>
+                      <a:pt x="5621382" y="6072"/>
+                      <a:pt x="6016899" y="0"/>
+                    </a:cubicBezTo>
+                    <a:cubicBezTo>
+                      <a:pt x="6412416" y="-6072"/>
+                      <a:pt x="6368099" y="-22480"/>
+                      <a:pt x="6685443" y="0"/>
+                    </a:cubicBezTo>
+                    <a:cubicBezTo>
+                      <a:pt x="6675060" y="141143"/>
+                      <a:pt x="6688790" y="422707"/>
+                      <a:pt x="6685443" y="641476"/>
+                    </a:cubicBezTo>
+                    <a:cubicBezTo>
+                      <a:pt x="6682096" y="860245"/>
+                      <a:pt x="6676921" y="1110529"/>
+                      <a:pt x="6685443" y="1264798"/>
+                    </a:cubicBezTo>
+                    <a:cubicBezTo>
+                      <a:pt x="6693965" y="1419067"/>
+                      <a:pt x="6712438" y="1626237"/>
+                      <a:pt x="6685443" y="1815499"/>
+                    </a:cubicBezTo>
+                    <a:cubicBezTo>
+                      <a:pt x="6531485" y="1826631"/>
+                      <a:pt x="6258288" y="1826162"/>
+                      <a:pt x="6016899" y="1815499"/>
+                    </a:cubicBezTo>
+                    <a:cubicBezTo>
+                      <a:pt x="5775510" y="1804836"/>
+                      <a:pt x="5635687" y="1808580"/>
+                      <a:pt x="5482063" y="1815499"/>
+                    </a:cubicBezTo>
+                    <a:cubicBezTo>
+                      <a:pt x="5328439" y="1822418"/>
+                      <a:pt x="4969533" y="1798322"/>
+                      <a:pt x="4813519" y="1815499"/>
+                    </a:cubicBezTo>
+                    <a:cubicBezTo>
+                      <a:pt x="4657505" y="1832676"/>
+                      <a:pt x="4277484" y="1797792"/>
+                      <a:pt x="4011266" y="1815499"/>
+                    </a:cubicBezTo>
+                    <a:cubicBezTo>
+                      <a:pt x="3745048" y="1833206"/>
+                      <a:pt x="3503887" y="1798854"/>
+                      <a:pt x="3342722" y="1815499"/>
+                    </a:cubicBezTo>
+                    <a:cubicBezTo>
+                      <a:pt x="3181557" y="1832144"/>
+                      <a:pt x="3094655" y="1808958"/>
+                      <a:pt x="2874740" y="1815499"/>
+                    </a:cubicBezTo>
+                    <a:cubicBezTo>
+                      <a:pt x="2654825" y="1822040"/>
+                      <a:pt x="2552356" y="1810430"/>
+                      <a:pt x="2339905" y="1815499"/>
+                    </a:cubicBezTo>
+                    <a:cubicBezTo>
+                      <a:pt x="2127454" y="1820568"/>
+                      <a:pt x="1825409" y="1807327"/>
+                      <a:pt x="1537652" y="1815499"/>
+                    </a:cubicBezTo>
+                    <a:cubicBezTo>
+                      <a:pt x="1249895" y="1823671"/>
+                      <a:pt x="1086879" y="1834794"/>
+                      <a:pt x="869108" y="1815499"/>
+                    </a:cubicBezTo>
+                    <a:cubicBezTo>
+                      <a:pt x="651337" y="1796204"/>
+                      <a:pt x="264417" y="1828267"/>
+                      <a:pt x="0" y="1815499"/>
+                    </a:cubicBezTo>
+                    <a:cubicBezTo>
+                      <a:pt x="8313" y="1520428"/>
+                      <a:pt x="-1936" y="1449694"/>
+                      <a:pt x="0" y="1210333"/>
+                    </a:cubicBezTo>
+                    <a:cubicBezTo>
+                      <a:pt x="1936" y="970972"/>
+                      <a:pt x="16209" y="905402"/>
+                      <a:pt x="0" y="659631"/>
+                    </a:cubicBezTo>
+                    <a:cubicBezTo>
+                      <a:pt x="-16209" y="413860"/>
+                      <a:pt x="-15680" y="309233"/>
+                      <a:pt x="0" y="0"/>
+                    </a:cubicBezTo>
+                    <a:close/>
+                  </a:path>
+                </a:pathLst>
+              </a:custGeom>
+              <a:noFill/>
+              <a:ln w="25400">
+                <a:solidFill>
+                  <a:schemeClr val="tx1">
+                    <a:lumMod val="95000"/>
+                    <a:lumOff val="5000"/>
+                  </a:schemeClr>
+                </a:solidFill>
+                <a:extLst>
+                  <a:ext uri="{C807C97D-BFC1-408E-A445-0C87EB9F89A2}">
+                    <ask:lineSketchStyleProps xmlns:ask="http://schemas.microsoft.com/office/drawing/2018/sketchyshapes" sd="1219033472">
+                      <a:prstGeom prst="rect">
+                        <a:avLst/>
+                      </a:prstGeom>
+                      <ask:type>
+                        <ask:lineSketchFreehand/>
+                      </ask:type>
+                    </ask:lineSketchStyleProps>
+                  </a:ext>
+                </a:extLst>
+              </a:ln>
+            </p:spPr>
+            <p:style>
+              <a:lnRef idx="2">
+                <a:schemeClr val="accent1">
+                  <a:shade val="15000"/>
+                </a:schemeClr>
+              </a:lnRef>
+              <a:fillRef idx="1">
+                <a:schemeClr val="accent1"/>
+              </a:fillRef>
+              <a:effectRef idx="0">
+                <a:schemeClr val="accent1"/>
+              </a:effectRef>
+              <a:fontRef idx="minor">
+                <a:schemeClr val="lt1"/>
+              </a:fontRef>
+            </p:style>
+            <p:txBody>
+              <a:bodyPr rtlCol="0" anchor="ctr"/>
+              <a:lstStyle/>
+              <a:p>
+                <a:pPr algn="ctr"/>
+                <a:endParaRPr lang="en-US" sz="2229">
+                  <a:solidFill>
+                    <a:schemeClr val="bg1">
+                      <a:lumMod val="65000"/>
+                    </a:schemeClr>
+                  </a:solidFill>
+                </a:endParaRPr>
+              </a:p>
+            </p:txBody>
+          </p:sp>
+          <p:cxnSp>
+            <p:nvCxnSpPr>
+              <p:cNvPr id="26" name="Straight Connector 25">
+                <a:extLst>
+                  <a:ext uri="{FF2B5EF4-FFF2-40B4-BE49-F238E27FC236}">
+                    <a16:creationId xmlns:a16="http://schemas.microsoft.com/office/drawing/2014/main" id="{D66AC27D-B429-2C64-1CB1-4E16FBF1C232}"/>
+                  </a:ext>
+                </a:extLst>
+              </p:cNvPr>
+              <p:cNvCxnSpPr>
+                <a:cxnSpLocks/>
+              </p:cNvCxnSpPr>
+              <p:nvPr/>
+            </p:nvCxnSpPr>
+            <p:spPr>
+              <a:xfrm flipH="1">
+                <a:off x="4993885" y="4799489"/>
+                <a:ext cx="6705679" cy="17685"/>
+              </a:xfrm>
+              <a:prstGeom prst="line">
+                <a:avLst/>
+              </a:prstGeom>
+              <a:ln w="25400">
+                <a:solidFill>
+                  <a:schemeClr val="tx1"/>
+                </a:solidFill>
+              </a:ln>
+            </p:spPr>
+            <p:style>
+              <a:lnRef idx="1">
+                <a:schemeClr val="accent1"/>
+              </a:lnRef>
+              <a:fillRef idx="0">
+                <a:schemeClr val="accent1"/>
+              </a:fillRef>
+              <a:effectRef idx="0">
+                <a:schemeClr val="accent1"/>
+              </a:effectRef>
+              <a:fontRef idx="minor">
+                <a:schemeClr val="tx1"/>
+              </a:fontRef>
+            </p:style>
+          </p:cxnSp>
+          <p:sp>
+            <p:nvSpPr>
+              <p:cNvPr id="31" name="TextBox 30">
+                <a:extLst>
+                  <a:ext uri="{FF2B5EF4-FFF2-40B4-BE49-F238E27FC236}">
+                    <a16:creationId xmlns:a16="http://schemas.microsoft.com/office/drawing/2014/main" id="{A3B4A587-7240-6AD2-F254-3221EEE6D709}"/>
+                  </a:ext>
+                </a:extLst>
+              </p:cNvPr>
+              <p:cNvSpPr txBox="1"/>
+              <p:nvPr/>
+            </p:nvSpPr>
+            <p:spPr>
+              <a:xfrm>
+                <a:off x="5830910" y="4429523"/>
+                <a:ext cx="1689764" cy="452075"/>
+              </a:xfrm>
+              <a:prstGeom prst="rect">
+                <a:avLst/>
+              </a:prstGeom>
+              <a:noFill/>
+            </p:spPr>
+            <p:txBody>
+              <a:bodyPr wrap="none" rtlCol="0">
+                <a:spAutoFit/>
+              </a:bodyPr>
+              <a:lstStyle/>
+              <a:p>
+                <a:r>
+                  <a:rPr lang="en-US" dirty="0">
+                    <a:latin typeface="Gaegu" pitchFamily="2" charset="0"/>
+                  </a:rPr>
+                  <a:t>Terminal</a:t>
+                </a:r>
+              </a:p>
+            </p:txBody>
+          </p:sp>
+          <p:cxnSp>
+            <p:nvCxnSpPr>
+              <p:cNvPr id="109" name="Straight Connector 108">
+                <a:extLst>
+                  <a:ext uri="{FF2B5EF4-FFF2-40B4-BE49-F238E27FC236}">
+                    <a16:creationId xmlns:a16="http://schemas.microsoft.com/office/drawing/2014/main" id="{66A45FBB-357A-5752-2DFB-F3411E54BCC4}"/>
+                  </a:ext>
+                </a:extLst>
+              </p:cNvPr>
+              <p:cNvCxnSpPr>
+                <a:cxnSpLocks/>
+              </p:cNvCxnSpPr>
+              <p:nvPr/>
+            </p:nvCxnSpPr>
+            <p:spPr>
+              <a:xfrm flipV="1">
+                <a:off x="5227292" y="5318851"/>
+                <a:ext cx="0" cy="190856"/>
+              </a:xfrm>
+              <a:prstGeom prst="line">
+                <a:avLst/>
+              </a:prstGeom>
+              <a:ln w="25400">
+                <a:solidFill>
+                  <a:schemeClr val="tx1"/>
+                </a:solidFill>
+              </a:ln>
+            </p:spPr>
+            <p:style>
+              <a:lnRef idx="1">
+                <a:schemeClr val="accent1"/>
+              </a:lnRef>
+              <a:fillRef idx="0">
+                <a:schemeClr val="accent1"/>
+              </a:fillRef>
+              <a:effectRef idx="0">
+                <a:schemeClr val="accent1"/>
+              </a:effectRef>
+              <a:fontRef idx="minor">
+                <a:schemeClr val="tx1"/>
+              </a:fontRef>
+            </p:style>
+          </p:cxnSp>
+        </p:grpSp>
+        <p:sp>
+          <p:nvSpPr>
+            <p:cNvPr id="58" name="Rectangle 57">
+              <a:extLst>
+                <a:ext uri="{FF2B5EF4-FFF2-40B4-BE49-F238E27FC236}">
+                  <a16:creationId xmlns:a16="http://schemas.microsoft.com/office/drawing/2014/main" id="{185C1771-9148-68B9-A280-04E3AC16818D}"/>
+                </a:ext>
+              </a:extLst>
+            </p:cNvPr>
+            <p:cNvSpPr/>
+            <p:nvPr/>
+          </p:nvSpPr>
+          <p:spPr>
+            <a:xfrm>
+              <a:off x="1949880" y="721827"/>
+              <a:ext cx="286544" cy="35418"/>
+            </a:xfrm>
+            <a:prstGeom prst="rect">
+              <a:avLst/>
+            </a:prstGeom>
+            <a:noFill/>
+            <a:ln>
+              <a:noFill/>
+            </a:ln>
+          </p:spPr>
+          <p:style>
+            <a:lnRef idx="2">
+              <a:schemeClr val="accent1">
+                <a:shade val="15000"/>
+              </a:schemeClr>
+            </a:lnRef>
+            <a:fillRef idx="1">
+              <a:schemeClr val="accent1"/>
+            </a:fillRef>
+            <a:effectRef idx="0">
+              <a:schemeClr val="accent1"/>
+            </a:effectRef>
+            <a:fontRef idx="minor">
+              <a:schemeClr val="lt1"/>
+            </a:fontRef>
+          </p:style>
+          <p:txBody>
+            <a:bodyPr rtlCol="0" anchor="ctr"/>
+            <a:lstStyle/>
+            <a:p>
+              <a:pPr algn="ctr"/>
+              <a:endParaRPr lang="en-US"/>
+            </a:p>
+          </p:txBody>
+        </p:sp>
+        <p:grpSp>
+          <p:nvGrpSpPr>
+            <p:cNvPr id="14" name="Group 13">
+              <a:extLst>
+                <a:ext uri="{FF2B5EF4-FFF2-40B4-BE49-F238E27FC236}">
+                  <a16:creationId xmlns:a16="http://schemas.microsoft.com/office/drawing/2014/main" id="{CF99B1D7-71EB-E496-288D-D8E0582D3C14}"/>
+                </a:ext>
+              </a:extLst>
+            </p:cNvPr>
+            <p:cNvGrpSpPr/>
+            <p:nvPr/>
+          </p:nvGrpSpPr>
+          <p:grpSpPr>
+            <a:xfrm>
+              <a:off x="540489" y="274648"/>
+              <a:ext cx="1721392" cy="523220"/>
+              <a:chOff x="-130005" y="3475016"/>
+              <a:chExt cx="1721392" cy="523221"/>
+            </a:xfrm>
+          </p:grpSpPr>
+          <p:sp>
+            <p:nvSpPr>
+              <p:cNvPr id="15" name="TextBox 14">
+                <a:extLst>
+                  <a:ext uri="{FF2B5EF4-FFF2-40B4-BE49-F238E27FC236}">
+                    <a16:creationId xmlns:a16="http://schemas.microsoft.com/office/drawing/2014/main" id="{1F26C3E5-5F49-EEF2-7A70-013C462FCF7D}"/>
+                  </a:ext>
+                </a:extLst>
+              </p:cNvPr>
+              <p:cNvSpPr txBox="1"/>
+              <p:nvPr/>
+            </p:nvSpPr>
+            <p:spPr>
+              <a:xfrm>
+                <a:off x="-130005" y="3475016"/>
+                <a:ext cx="788999" cy="523221"/>
+              </a:xfrm>
+              <a:prstGeom prst="rect">
+                <a:avLst/>
+              </a:prstGeom>
+              <a:noFill/>
+            </p:spPr>
+            <p:txBody>
+              <a:bodyPr wrap="none" rtlCol="0">
+                <a:spAutoFit/>
+              </a:bodyPr>
+              <a:lstStyle/>
+              <a:p>
+                <a:r>
+                  <a:rPr lang="en-US" sz="1400" dirty="0"/>
+                  <a:t>Program</a:t>
+                </a:r>
+              </a:p>
+              <a:p>
+                <a:r>
+                  <a:rPr lang="en-US" sz="1400" dirty="0"/>
+                  <a:t>Counter</a:t>
+                </a:r>
+              </a:p>
+            </p:txBody>
+          </p:sp>
+          <p:sp>
+            <p:nvSpPr>
+              <p:cNvPr id="17" name="Rectangle 16">
+                <a:extLst>
+                  <a:ext uri="{FF2B5EF4-FFF2-40B4-BE49-F238E27FC236}">
+                    <a16:creationId xmlns:a16="http://schemas.microsoft.com/office/drawing/2014/main" id="{EB0EE411-0245-D51A-35B4-5FF329DF6E34}"/>
+                  </a:ext>
+                </a:extLst>
+              </p:cNvPr>
+              <p:cNvSpPr/>
+              <p:nvPr/>
+            </p:nvSpPr>
+            <p:spPr>
+              <a:xfrm>
+                <a:off x="737093" y="3620838"/>
+                <a:ext cx="854294" cy="307777"/>
+              </a:xfrm>
+              <a:custGeom>
+                <a:avLst/>
+                <a:gdLst>
+                  <a:gd name="connsiteX0" fmla="*/ 0 w 854294"/>
+                  <a:gd name="connsiteY0" fmla="*/ 0 h 307777"/>
+                  <a:gd name="connsiteX1" fmla="*/ 418604 w 854294"/>
+                  <a:gd name="connsiteY1" fmla="*/ 0 h 307777"/>
+                  <a:gd name="connsiteX2" fmla="*/ 854294 w 854294"/>
+                  <a:gd name="connsiteY2" fmla="*/ 0 h 307777"/>
+                  <a:gd name="connsiteX3" fmla="*/ 854294 w 854294"/>
+                  <a:gd name="connsiteY3" fmla="*/ 307777 h 307777"/>
+                  <a:gd name="connsiteX4" fmla="*/ 427147 w 854294"/>
+                  <a:gd name="connsiteY4" fmla="*/ 307777 h 307777"/>
+                  <a:gd name="connsiteX5" fmla="*/ 0 w 854294"/>
+                  <a:gd name="connsiteY5" fmla="*/ 307777 h 307777"/>
+                  <a:gd name="connsiteX6" fmla="*/ 0 w 854294"/>
+                  <a:gd name="connsiteY6" fmla="*/ 0 h 307777"/>
+                </a:gdLst>
+                <a:ahLst/>
+                <a:cxnLst>
+                  <a:cxn ang="0">
+                    <a:pos x="connsiteX0" y="connsiteY0"/>
+                  </a:cxn>
+                  <a:cxn ang="0">
+                    <a:pos x="connsiteX1" y="connsiteY1"/>
+                  </a:cxn>
+                  <a:cxn ang="0">
+                    <a:pos x="connsiteX2" y="connsiteY2"/>
+                  </a:cxn>
+                  <a:cxn ang="0">
+                    <a:pos x="connsiteX3" y="connsiteY3"/>
+                  </a:cxn>
+                  <a:cxn ang="0">
+                    <a:pos x="connsiteX4" y="connsiteY4"/>
+                  </a:cxn>
+                  <a:cxn ang="0">
+                    <a:pos x="connsiteX5" y="connsiteY5"/>
+                  </a:cxn>
+                  <a:cxn ang="0">
+                    <a:pos x="connsiteX6" y="connsiteY6"/>
+                  </a:cxn>
+                </a:cxnLst>
+                <a:rect l="l" t="t" r="r" b="b"/>
+                <a:pathLst>
+                  <a:path w="854294" h="307777" extrusionOk="0">
+                    <a:moveTo>
+                      <a:pt x="0" y="0"/>
+                    </a:moveTo>
+                    <a:cubicBezTo>
+                      <a:pt x="173209" y="4046"/>
+                      <a:pt x="303085" y="10214"/>
+                      <a:pt x="418604" y="0"/>
+                    </a:cubicBezTo>
+                    <a:cubicBezTo>
+                      <a:pt x="534123" y="-10214"/>
+                      <a:pt x="722488" y="-9036"/>
+                      <a:pt x="854294" y="0"/>
+                    </a:cubicBezTo>
+                    <a:cubicBezTo>
+                      <a:pt x="843460" y="62246"/>
+                      <a:pt x="843276" y="219189"/>
+                      <a:pt x="854294" y="307777"/>
+                    </a:cubicBezTo>
+                    <a:cubicBezTo>
+                      <a:pt x="762963" y="302806"/>
+                      <a:pt x="592541" y="323160"/>
+                      <a:pt x="427147" y="307777"/>
+                    </a:cubicBezTo>
+                    <a:cubicBezTo>
+                      <a:pt x="261753" y="292394"/>
+                      <a:pt x="133192" y="320592"/>
+                      <a:pt x="0" y="307777"/>
+                    </a:cubicBezTo>
+                    <a:cubicBezTo>
+                      <a:pt x="9866" y="171271"/>
+                      <a:pt x="-8953" y="65853"/>
+                      <a:pt x="0" y="0"/>
+                    </a:cubicBezTo>
+                    <a:close/>
+                  </a:path>
+                </a:pathLst>
+              </a:custGeom>
+              <a:noFill/>
+              <a:ln w="25400">
+                <a:solidFill>
+                  <a:schemeClr val="tx1"/>
+                </a:solidFill>
+                <a:extLst>
+                  <a:ext uri="{C807C97D-BFC1-408E-A445-0C87EB9F89A2}">
+                    <ask:lineSketchStyleProps xmlns:ask="http://schemas.microsoft.com/office/drawing/2018/sketchyshapes" sd="1219033472">
+                      <a:prstGeom prst="rect">
+                        <a:avLst/>
+                      </a:prstGeom>
+                      <ask:type>
+                        <ask:lineSketchFreehand/>
+                      </ask:type>
+                    </ask:lineSketchStyleProps>
+                  </a:ext>
+                </a:extLst>
+              </a:ln>
+            </p:spPr>
+            <p:style>
+              <a:lnRef idx="2">
+                <a:schemeClr val="accent1">
+                  <a:shade val="15000"/>
+                </a:schemeClr>
+              </a:lnRef>
+              <a:fillRef idx="1">
+                <a:schemeClr val="accent1"/>
+              </a:fillRef>
+              <a:effectRef idx="0">
+                <a:schemeClr val="accent1"/>
+              </a:effectRef>
+              <a:fontRef idx="minor">
+                <a:schemeClr val="lt1"/>
+              </a:fontRef>
+            </p:style>
+            <p:txBody>
+              <a:bodyPr rtlCol="0" anchor="ctr"/>
+              <a:lstStyle/>
+              <a:p>
+                <a:pPr algn="ctr"/>
+                <a:endParaRPr lang="en-US">
+                  <a:solidFill>
+                    <a:schemeClr val="tx1"/>
+                  </a:solidFill>
+                </a:endParaRPr>
+              </a:p>
+            </p:txBody>
+          </p:sp>
+        </p:grpSp>
+        <p:sp>
+          <p:nvSpPr>
+            <p:cNvPr id="19" name="TextBox 18">
+              <a:extLst>
+                <a:ext uri="{FF2B5EF4-FFF2-40B4-BE49-F238E27FC236}">
+                  <a16:creationId xmlns:a16="http://schemas.microsoft.com/office/drawing/2014/main" id="{8256C8B2-FAA4-4876-FCF6-6BCE539AF519}"/>
+                </a:ext>
+              </a:extLst>
+            </p:cNvPr>
+            <p:cNvSpPr txBox="1"/>
+            <p:nvPr/>
+          </p:nvSpPr>
+          <p:spPr>
+            <a:xfrm>
+              <a:off x="1387767" y="385491"/>
+              <a:ext cx="854294" cy="369332"/>
+            </a:xfrm>
+            <a:prstGeom prst="rect">
+              <a:avLst/>
+            </a:prstGeom>
+            <a:noFill/>
+          </p:spPr>
+          <p:txBody>
+            <a:bodyPr wrap="square" rtlCol="0">
+              <a:spAutoFit/>
+            </a:bodyPr>
+            <a:lstStyle/>
+            <a:p>
+              <a:pPr algn="ctr"/>
+              <a:r>
+                <a:rPr lang="en-US" dirty="0"/>
+                <a:t>14</a:t>
+              </a:r>
+            </a:p>
+          </p:txBody>
+        </p:sp>
+        <p:sp>
+          <p:nvSpPr>
+            <p:cNvPr id="38" name="Rectangle 37">
+              <a:extLst>
+                <a:ext uri="{FF2B5EF4-FFF2-40B4-BE49-F238E27FC236}">
+                  <a16:creationId xmlns:a16="http://schemas.microsoft.com/office/drawing/2014/main" id="{A6064B66-0AE2-BB50-3D9F-9AC965129215}"/>
+                </a:ext>
+              </a:extLst>
+            </p:cNvPr>
+            <p:cNvSpPr/>
+            <p:nvPr/>
+          </p:nvSpPr>
+          <p:spPr>
+            <a:xfrm>
+              <a:off x="243333" y="251717"/>
+              <a:ext cx="3005859" cy="1461786"/>
+            </a:xfrm>
+            <a:custGeom>
+              <a:avLst/>
+              <a:gdLst>
+                <a:gd name="connsiteX0" fmla="*/ 0 w 3005859"/>
+                <a:gd name="connsiteY0" fmla="*/ 0 h 1461786"/>
+                <a:gd name="connsiteX1" fmla="*/ 571113 w 3005859"/>
+                <a:gd name="connsiteY1" fmla="*/ 0 h 1461786"/>
+                <a:gd name="connsiteX2" fmla="*/ 1082109 w 3005859"/>
+                <a:gd name="connsiteY2" fmla="*/ 0 h 1461786"/>
+                <a:gd name="connsiteX3" fmla="*/ 1743398 w 3005859"/>
+                <a:gd name="connsiteY3" fmla="*/ 0 h 1461786"/>
+                <a:gd name="connsiteX4" fmla="*/ 2314511 w 3005859"/>
+                <a:gd name="connsiteY4" fmla="*/ 0 h 1461786"/>
+                <a:gd name="connsiteX5" fmla="*/ 3005859 w 3005859"/>
+                <a:gd name="connsiteY5" fmla="*/ 0 h 1461786"/>
+                <a:gd name="connsiteX6" fmla="*/ 3005859 w 3005859"/>
+                <a:gd name="connsiteY6" fmla="*/ 516498 h 1461786"/>
+                <a:gd name="connsiteX7" fmla="*/ 3005859 w 3005859"/>
+                <a:gd name="connsiteY7" fmla="*/ 1003760 h 1461786"/>
+                <a:gd name="connsiteX8" fmla="*/ 3005859 w 3005859"/>
+                <a:gd name="connsiteY8" fmla="*/ 1461786 h 1461786"/>
+                <a:gd name="connsiteX9" fmla="*/ 2464804 w 3005859"/>
+                <a:gd name="connsiteY9" fmla="*/ 1461786 h 1461786"/>
+                <a:gd name="connsiteX10" fmla="*/ 1863633 w 3005859"/>
+                <a:gd name="connsiteY10" fmla="*/ 1461786 h 1461786"/>
+                <a:gd name="connsiteX11" fmla="*/ 1262461 w 3005859"/>
+                <a:gd name="connsiteY11" fmla="*/ 1461786 h 1461786"/>
+                <a:gd name="connsiteX12" fmla="*/ 691348 w 3005859"/>
+                <a:gd name="connsiteY12" fmla="*/ 1461786 h 1461786"/>
+                <a:gd name="connsiteX13" fmla="*/ 0 w 3005859"/>
+                <a:gd name="connsiteY13" fmla="*/ 1461786 h 1461786"/>
+                <a:gd name="connsiteX14" fmla="*/ 0 w 3005859"/>
+                <a:gd name="connsiteY14" fmla="*/ 945288 h 1461786"/>
+                <a:gd name="connsiteX15" fmla="*/ 0 w 3005859"/>
+                <a:gd name="connsiteY15" fmla="*/ 428791 h 1461786"/>
+                <a:gd name="connsiteX16" fmla="*/ 0 w 3005859"/>
+                <a:gd name="connsiteY16" fmla="*/ 0 h 1461786"/>
+              </a:gdLst>
+              <a:ahLst/>
+              <a:cxnLst>
+                <a:cxn ang="0">
+                  <a:pos x="connsiteX0" y="connsiteY0"/>
+                </a:cxn>
+                <a:cxn ang="0">
+                  <a:pos x="connsiteX1" y="connsiteY1"/>
+                </a:cxn>
+                <a:cxn ang="0">
+                  <a:pos x="connsiteX2" y="connsiteY2"/>
+                </a:cxn>
+                <a:cxn ang="0">
+                  <a:pos x="connsiteX3" y="connsiteY3"/>
+                </a:cxn>
+                <a:cxn ang="0">
+                  <a:pos x="connsiteX4" y="connsiteY4"/>
+                </a:cxn>
+                <a:cxn ang="0">
+                  <a:pos x="connsiteX5" y="connsiteY5"/>
+                </a:cxn>
+                <a:cxn ang="0">
+                  <a:pos x="connsiteX6" y="connsiteY6"/>
+                </a:cxn>
+                <a:cxn ang="0">
+                  <a:pos x="connsiteX7" y="connsiteY7"/>
+                </a:cxn>
+                <a:cxn ang="0">
+                  <a:pos x="connsiteX8" y="connsiteY8"/>
+                </a:cxn>
+                <a:cxn ang="0">
+                  <a:pos x="connsiteX9" y="connsiteY9"/>
+                </a:cxn>
+                <a:cxn ang="0">
+                  <a:pos x="connsiteX10" y="connsiteY10"/>
+                </a:cxn>
+                <a:cxn ang="0">
+                  <a:pos x="connsiteX11" y="connsiteY11"/>
+                </a:cxn>
+                <a:cxn ang="0">
+                  <a:pos x="connsiteX12" y="connsiteY12"/>
+                </a:cxn>
+                <a:cxn ang="0">
+                  <a:pos x="connsiteX13" y="connsiteY13"/>
+                </a:cxn>
+                <a:cxn ang="0">
+                  <a:pos x="connsiteX14" y="connsiteY14"/>
+                </a:cxn>
+                <a:cxn ang="0">
+                  <a:pos x="connsiteX15" y="connsiteY15"/>
+                </a:cxn>
+                <a:cxn ang="0">
+                  <a:pos x="connsiteX16" y="connsiteY16"/>
+                </a:cxn>
+              </a:cxnLst>
+              <a:rect l="l" t="t" r="r" b="b"/>
+              <a:pathLst>
+                <a:path w="3005859" h="1461786" extrusionOk="0">
+                  <a:moveTo>
+                    <a:pt x="0" y="0"/>
+                  </a:moveTo>
+                  <a:cubicBezTo>
+                    <a:pt x="202126" y="629"/>
+                    <a:pt x="373438" y="-24313"/>
+                    <a:pt x="571113" y="0"/>
+                  </a:cubicBezTo>
+                  <a:cubicBezTo>
+                    <a:pt x="768788" y="24313"/>
+                    <a:pt x="943630" y="5247"/>
+                    <a:pt x="1082109" y="0"/>
+                  </a:cubicBezTo>
+                  <a:cubicBezTo>
+                    <a:pt x="1220588" y="-5247"/>
+                    <a:pt x="1567048" y="1888"/>
+                    <a:pt x="1743398" y="0"/>
+                  </a:cubicBezTo>
+                  <a:cubicBezTo>
+                    <a:pt x="1919748" y="-1888"/>
+                    <a:pt x="2096828" y="-18556"/>
+                    <a:pt x="2314511" y="0"/>
+                  </a:cubicBezTo>
+                  <a:cubicBezTo>
+                    <a:pt x="2532194" y="18556"/>
+                    <a:pt x="2773515" y="-30998"/>
+                    <a:pt x="3005859" y="0"/>
+                  </a:cubicBezTo>
+                  <a:cubicBezTo>
+                    <a:pt x="2987157" y="118191"/>
+                    <a:pt x="3002019" y="391306"/>
+                    <a:pt x="3005859" y="516498"/>
+                  </a:cubicBezTo>
+                  <a:cubicBezTo>
+                    <a:pt x="3009699" y="641690"/>
+                    <a:pt x="3008981" y="877810"/>
+                    <a:pt x="3005859" y="1003760"/>
+                  </a:cubicBezTo>
+                  <a:cubicBezTo>
+                    <a:pt x="3002737" y="1129710"/>
+                    <a:pt x="3025493" y="1335500"/>
+                    <a:pt x="3005859" y="1461786"/>
+                  </a:cubicBezTo>
+                  <a:cubicBezTo>
+                    <a:pt x="2840317" y="1474248"/>
+                    <a:pt x="2604091" y="1467429"/>
+                    <a:pt x="2464804" y="1461786"/>
+                  </a:cubicBezTo>
+                  <a:cubicBezTo>
+                    <a:pt x="2325518" y="1456143"/>
+                    <a:pt x="2096952" y="1457903"/>
+                    <a:pt x="1863633" y="1461786"/>
+                  </a:cubicBezTo>
+                  <a:cubicBezTo>
+                    <a:pt x="1630314" y="1465669"/>
+                    <a:pt x="1483968" y="1445477"/>
+                    <a:pt x="1262461" y="1461786"/>
+                  </a:cubicBezTo>
+                  <a:cubicBezTo>
+                    <a:pt x="1040954" y="1478095"/>
+                    <a:pt x="918307" y="1440121"/>
+                    <a:pt x="691348" y="1461786"/>
+                  </a:cubicBezTo>
+                  <a:cubicBezTo>
+                    <a:pt x="464389" y="1483451"/>
+                    <a:pt x="305996" y="1480305"/>
+                    <a:pt x="0" y="1461786"/>
+                  </a:cubicBezTo>
+                  <a:cubicBezTo>
+                    <a:pt x="-10709" y="1242757"/>
+                    <a:pt x="14520" y="1101216"/>
+                    <a:pt x="0" y="945288"/>
+                  </a:cubicBezTo>
+                  <a:cubicBezTo>
+                    <a:pt x="-14520" y="789360"/>
+                    <a:pt x="-13595" y="604217"/>
+                    <a:pt x="0" y="428791"/>
+                  </a:cubicBezTo>
+                  <a:cubicBezTo>
+                    <a:pt x="13595" y="253365"/>
+                    <a:pt x="-14699" y="160368"/>
+                    <a:pt x="0" y="0"/>
+                  </a:cubicBezTo>
+                  <a:close/>
+                </a:path>
+              </a:pathLst>
+            </a:custGeom>
+            <a:noFill/>
+            <a:ln w="25400">
+              <a:solidFill>
+                <a:schemeClr val="tx1"/>
+              </a:solidFill>
+              <a:extLst>
+                <a:ext uri="{C807C97D-BFC1-408E-A445-0C87EB9F89A2}">
+                  <ask:lineSketchStyleProps xmlns:ask="http://schemas.microsoft.com/office/drawing/2018/sketchyshapes" sd="1219033472">
+                    <a:prstGeom prst="rect">
+                      <a:avLst/>
+                    </a:prstGeom>
+                    <ask:type>
+                      <ask:lineSketchFreehand/>
+                    </ask:type>
+                  </ask:lineSketchStyleProps>
+                </a:ext>
+              </a:extLst>
+            </a:ln>
+          </p:spPr>
+          <p:style>
+            <a:lnRef idx="2">
+              <a:schemeClr val="accent1">
+                <a:shade val="15000"/>
+              </a:schemeClr>
+            </a:lnRef>
+            <a:fillRef idx="1">
+              <a:schemeClr val="accent1"/>
+            </a:fillRef>
+            <a:effectRef idx="0">
+              <a:schemeClr val="accent1"/>
+            </a:effectRef>
+            <a:fontRef idx="minor">
+              <a:schemeClr val="lt1"/>
+            </a:fontRef>
+          </p:style>
+          <p:txBody>
+            <a:bodyPr rtlCol="0" anchor="ctr"/>
+            <a:lstStyle/>
+            <a:p>
+              <a:pPr algn="ctr"/>
+              <a:endParaRPr lang="en-US" sz="2229" dirty="0"/>
+            </a:p>
+          </p:txBody>
+        </p:sp>
+        <p:cxnSp>
+          <p:nvCxnSpPr>
+            <p:cNvPr id="25" name="Curved Connector 24">
+              <a:extLst>
+                <a:ext uri="{FF2B5EF4-FFF2-40B4-BE49-F238E27FC236}">
+                  <a16:creationId xmlns:a16="http://schemas.microsoft.com/office/drawing/2014/main" id="{2205A775-41F0-4D53-8E98-97E335998F58}"/>
+                </a:ext>
+              </a:extLst>
+            </p:cNvPr>
+            <p:cNvCxnSpPr>
+              <a:cxnSpLocks/>
+              <a:stCxn id="19" idx="3"/>
+            </p:cNvCxnSpPr>
+            <p:nvPr/>
+          </p:nvCxnSpPr>
+          <p:spPr>
+            <a:xfrm>
+              <a:off x="2242061" y="570157"/>
+              <a:ext cx="298436" cy="12702"/>
+            </a:xfrm>
+            <a:prstGeom prst="curvedConnector3">
+              <a:avLst>
+                <a:gd name="adj1" fmla="val 50000"/>
+              </a:avLst>
+            </a:prstGeom>
+            <a:ln w="38100">
+              <a:solidFill>
+                <a:schemeClr val="accent2">
+                  <a:lumMod val="75000"/>
+                </a:schemeClr>
+              </a:solidFill>
+              <a:headEnd type="none"/>
+              <a:tailEnd type="arrow"/>
+            </a:ln>
+          </p:spPr>
+          <p:style>
+            <a:lnRef idx="1">
+              <a:schemeClr val="accent1"/>
+            </a:lnRef>
+            <a:fillRef idx="0">
+              <a:schemeClr val="accent1"/>
+            </a:fillRef>
+            <a:effectRef idx="0">
+              <a:schemeClr val="accent1"/>
+            </a:effectRef>
+            <a:fontRef idx="minor">
+              <a:schemeClr val="tx1"/>
+            </a:fontRef>
+          </p:style>
+        </p:cxnSp>
+        <p:sp>
+          <p:nvSpPr>
+            <p:cNvPr id="39" name="TextBox 38">
+              <a:extLst>
+                <a:ext uri="{FF2B5EF4-FFF2-40B4-BE49-F238E27FC236}">
+                  <a16:creationId xmlns:a16="http://schemas.microsoft.com/office/drawing/2014/main" id="{DFFB8246-5005-E1BE-7403-161BAE35F935}"/>
+                </a:ext>
+              </a:extLst>
+            </p:cNvPr>
+            <p:cNvSpPr txBox="1"/>
+            <p:nvPr/>
+          </p:nvSpPr>
+          <p:spPr>
+            <a:xfrm>
+              <a:off x="2470694" y="375300"/>
+              <a:ext cx="678614" cy="369332"/>
+            </a:xfrm>
+            <a:prstGeom prst="rect">
+              <a:avLst/>
+            </a:prstGeom>
+            <a:noFill/>
+          </p:spPr>
+          <p:txBody>
+            <a:bodyPr wrap="square" rtlCol="0">
+              <a:spAutoFit/>
+            </a:bodyPr>
+            <a:lstStyle/>
+            <a:p>
+              <a:r>
+                <a:rPr lang="en-US" dirty="0"/>
+                <a:t>END</a:t>
+              </a:r>
+            </a:p>
+          </p:txBody>
+        </p:sp>
+        <p:pic>
+          <p:nvPicPr>
+            <p:cNvPr id="63" name="Picture 62">
+              <a:extLst>
+                <a:ext uri="{FF2B5EF4-FFF2-40B4-BE49-F238E27FC236}">
+                  <a16:creationId xmlns:a16="http://schemas.microsoft.com/office/drawing/2014/main" id="{329DC273-B102-9F5D-CEA3-63DE1E27CDEF}"/>
+                </a:ext>
+              </a:extLst>
+            </p:cNvPr>
+            <p:cNvPicPr>
+              <a:picLocks noChangeAspect="1"/>
+            </p:cNvPicPr>
+            <p:nvPr/>
+          </p:nvPicPr>
+          <p:blipFill>
+            <a:blip r:embed="rId3">
+              <a:alphaModFix/>
+            </a:blip>
+            <a:stretch>
+              <a:fillRect/>
+            </a:stretch>
+          </p:blipFill>
+          <p:spPr>
+            <a:xfrm>
+              <a:off x="3432106" y="294495"/>
+              <a:ext cx="426016" cy="152400"/>
+            </a:xfrm>
+            <a:prstGeom prst="rect">
+              <a:avLst/>
+            </a:prstGeom>
+          </p:spPr>
+        </p:pic>
+        <p:sp>
+          <p:nvSpPr>
+            <p:cNvPr id="11" name="TextBox 10">
+              <a:extLst>
+                <a:ext uri="{FF2B5EF4-FFF2-40B4-BE49-F238E27FC236}">
+                  <a16:creationId xmlns:a16="http://schemas.microsoft.com/office/drawing/2014/main" id="{6CB480FE-B0D2-3A3F-FD56-1E9784092FA6}"/>
+                </a:ext>
+              </a:extLst>
+            </p:cNvPr>
+            <p:cNvSpPr txBox="1"/>
+            <p:nvPr/>
+          </p:nvSpPr>
+          <p:spPr>
+            <a:xfrm>
+              <a:off x="6320882" y="-2890187"/>
+              <a:ext cx="923651" cy="369332"/>
+            </a:xfrm>
+            <a:prstGeom prst="rect">
+              <a:avLst/>
+            </a:prstGeom>
+            <a:noFill/>
+          </p:spPr>
+          <p:txBody>
+            <a:bodyPr wrap="none" rtlCol="0">
+              <a:spAutoFit/>
+            </a:bodyPr>
+            <a:lstStyle/>
+            <a:p>
+              <a:r>
+                <a:rPr lang="en-US" dirty="0">
+                  <a:latin typeface="Gaegu" pitchFamily="2" charset="0"/>
+                </a:rPr>
+                <a:t>Memory</a:t>
+              </a:r>
+            </a:p>
+          </p:txBody>
+        </p:sp>
+      </p:grpSp>
+      <p:grpSp>
+        <p:nvGrpSpPr>
+          <p:cNvPr id="20" name="Group 19">
+            <a:extLst>
+              <a:ext uri="{FF2B5EF4-FFF2-40B4-BE49-F238E27FC236}">
+                <a16:creationId xmlns:a16="http://schemas.microsoft.com/office/drawing/2014/main" id="{CFDFA45D-FB80-7473-15AD-5510CE9817D2}"/>
+              </a:ext>
+            </a:extLst>
+          </p:cNvPr>
+          <p:cNvGrpSpPr/>
+          <p:nvPr/>
+        </p:nvGrpSpPr>
+        <p:grpSpPr>
+          <a:xfrm>
+            <a:off x="1905137" y="2985447"/>
+            <a:ext cx="407468" cy="588301"/>
+            <a:chOff x="1668759" y="-13958058"/>
+            <a:chExt cx="487848" cy="22198517"/>
+          </a:xfrm>
+        </p:grpSpPr>
+        <p:cxnSp>
+          <p:nvCxnSpPr>
+            <p:cNvPr id="22" name="Straight Arrow Connector 55">
+              <a:extLst>
+                <a:ext uri="{FF2B5EF4-FFF2-40B4-BE49-F238E27FC236}">
+                  <a16:creationId xmlns:a16="http://schemas.microsoft.com/office/drawing/2014/main" id="{983D9F78-2D6B-5B7B-1CC8-21E49EACB0DC}"/>
+                </a:ext>
+              </a:extLst>
+            </p:cNvPr>
+            <p:cNvCxnSpPr>
+              <a:cxnSpLocks/>
+            </p:cNvCxnSpPr>
+            <p:nvPr/>
+          </p:nvCxnSpPr>
+          <p:spPr>
+            <a:xfrm rot="5400000" flipH="1" flipV="1">
+              <a:off x="-7504250" y="-4785019"/>
+              <a:ext cx="18833896" cy="487818"/>
+            </a:xfrm>
+            <a:prstGeom prst="bentConnector3">
+              <a:avLst>
+                <a:gd name="adj1" fmla="val 100645"/>
+              </a:avLst>
+            </a:prstGeom>
+            <a:ln w="19050" cap="rnd" cmpd="sng">
+              <a:solidFill>
+                <a:schemeClr val="tx1"/>
+              </a:solidFill>
+              <a:prstDash val="dash"/>
+              <a:round/>
+              <a:tailEnd type="triangle"/>
+            </a:ln>
+          </p:spPr>
+          <p:style>
+            <a:lnRef idx="1">
+              <a:schemeClr val="accent1"/>
+            </a:lnRef>
+            <a:fillRef idx="0">
+              <a:schemeClr val="accent1"/>
+            </a:fillRef>
+            <a:effectRef idx="0">
+              <a:schemeClr val="accent1"/>
+            </a:effectRef>
+            <a:fontRef idx="minor">
+              <a:schemeClr val="tx1"/>
+            </a:fontRef>
+          </p:style>
+        </p:cxnSp>
+        <p:sp>
+          <p:nvSpPr>
+            <p:cNvPr id="23" name="Rectangle 22">
+              <a:extLst>
+                <a:ext uri="{FF2B5EF4-FFF2-40B4-BE49-F238E27FC236}">
+                  <a16:creationId xmlns:a16="http://schemas.microsoft.com/office/drawing/2014/main" id="{54D23E4E-CD3B-49CB-B537-83E58C7B9B9B}"/>
+                </a:ext>
+              </a:extLst>
+            </p:cNvPr>
+            <p:cNvSpPr/>
+            <p:nvPr/>
+          </p:nvSpPr>
+          <p:spPr>
+            <a:xfrm>
+              <a:off x="1668759" y="7932682"/>
+              <a:ext cx="343070" cy="307777"/>
+            </a:xfrm>
+            <a:prstGeom prst="rect">
+              <a:avLst/>
+            </a:prstGeom>
+            <a:noFill/>
+            <a:ln>
+              <a:noFill/>
+            </a:ln>
+          </p:spPr>
+          <p:style>
+            <a:lnRef idx="2">
+              <a:schemeClr val="accent1">
+                <a:shade val="15000"/>
+              </a:schemeClr>
+            </a:lnRef>
+            <a:fillRef idx="1">
+              <a:schemeClr val="accent1"/>
+            </a:fillRef>
+            <a:effectRef idx="0">
+              <a:schemeClr val="accent1"/>
+            </a:effectRef>
+            <a:fontRef idx="minor">
+              <a:schemeClr val="lt1"/>
+            </a:fontRef>
+          </p:style>
+          <p:txBody>
+            <a:bodyPr rtlCol="0" anchor="ctr"/>
+            <a:lstStyle/>
+            <a:p>
+              <a:pPr algn="ctr"/>
+              <a:endParaRPr lang="en-US"/>
+            </a:p>
+          </p:txBody>
+        </p:sp>
+      </p:grpSp>
+      <p:pic>
+        <p:nvPicPr>
+          <p:cNvPr id="4" name="Picture 3" descr="A black square with white lines&#10;&#10;Description automatically generated">
+            <a:extLst>
+              <a:ext uri="{FF2B5EF4-FFF2-40B4-BE49-F238E27FC236}">
+                <a16:creationId xmlns:a16="http://schemas.microsoft.com/office/drawing/2014/main" id="{C0809252-0B66-748D-8704-E28CC285B5C1}"/>
+              </a:ext>
+            </a:extLst>
+          </p:cNvPr>
+          <p:cNvPicPr>
+            <a:picLocks noChangeAspect="1"/>
+          </p:cNvPicPr>
+          <p:nvPr/>
+        </p:nvPicPr>
+        <p:blipFill>
+          <a:blip r:embed="rId4">
+            <a:alphaModFix/>
+          </a:blip>
+          <a:stretch>
+            <a:fillRect/>
+          </a:stretch>
+        </p:blipFill>
+        <p:spPr>
+          <a:xfrm>
+            <a:off x="822117" y="4020857"/>
+            <a:ext cx="681335" cy="625877"/>
+          </a:xfrm>
+          <a:prstGeom prst="rect">
+            <a:avLst/>
+          </a:prstGeom>
+        </p:spPr>
+      </p:pic>
+      <p:sp>
+        <p:nvSpPr>
+          <p:cNvPr id="6" name="TextBox 5">
+            <a:extLst>
+              <a:ext uri="{FF2B5EF4-FFF2-40B4-BE49-F238E27FC236}">
+                <a16:creationId xmlns:a16="http://schemas.microsoft.com/office/drawing/2014/main" id="{3B712420-B60D-2AEF-E129-25CDE9D7C9AA}"/>
+              </a:ext>
+            </a:extLst>
+          </p:cNvPr>
+          <p:cNvSpPr txBox="1"/>
+          <p:nvPr/>
+        </p:nvSpPr>
+        <p:spPr>
+          <a:xfrm>
+            <a:off x="3349137" y="3609446"/>
+            <a:ext cx="678614" cy="369332"/>
+          </a:xfrm>
+          <a:prstGeom prst="rect">
+            <a:avLst/>
+          </a:prstGeom>
+          <a:noFill/>
+        </p:spPr>
+        <p:txBody>
+          <a:bodyPr wrap="square" rtlCol="0">
+            <a:spAutoFit/>
+          </a:bodyPr>
+          <a:lstStyle/>
+          <a:p>
+            <a:r>
+              <a:rPr lang="en-US" dirty="0"/>
+              <a:t>Bye…</a:t>
+            </a:r>
+          </a:p>
+        </p:txBody>
+      </p:sp>
+    </p:spTree>
+    <p:extLst>
+      <p:ext uri="{BB962C8B-B14F-4D97-AF65-F5344CB8AC3E}">
+        <p14:creationId xmlns:p14="http://schemas.microsoft.com/office/powerpoint/2010/main" val="2260243626"/>
       </p:ext>
     </p:extLst>
   </p:cSld>

--- a/resources/ppt-slides/control-flow-break.pptx
+++ b/resources/ppt-slides/control-flow-break.pptx
@@ -251,7 +251,7 @@
           <a:p>
             <a:fld id="{964302DC-9F53-934F-AE4D-0F1F197008C1}" type="datetimeFigureOut">
               <a:rPr lang="en-US" smtClean="0"/>
-              <a:t>12/7/23</a:t>
+              <a:t>2/12/24</a:t>
             </a:fld>
             <a:endParaRPr lang="en-US"/>
           </a:p>
@@ -421,7 +421,7 @@
           <a:p>
             <a:fld id="{964302DC-9F53-934F-AE4D-0F1F197008C1}" type="datetimeFigureOut">
               <a:rPr lang="en-US" smtClean="0"/>
-              <a:t>12/7/23</a:t>
+              <a:t>2/12/24</a:t>
             </a:fld>
             <a:endParaRPr lang="en-US"/>
           </a:p>
@@ -601,7 +601,7 @@
           <a:p>
             <a:fld id="{964302DC-9F53-934F-AE4D-0F1F197008C1}" type="datetimeFigureOut">
               <a:rPr lang="en-US" smtClean="0"/>
-              <a:t>12/7/23</a:t>
+              <a:t>2/12/24</a:t>
             </a:fld>
             <a:endParaRPr lang="en-US"/>
           </a:p>
@@ -771,7 +771,7 @@
           <a:p>
             <a:fld id="{964302DC-9F53-934F-AE4D-0F1F197008C1}" type="datetimeFigureOut">
               <a:rPr lang="en-US" smtClean="0"/>
-              <a:t>12/7/23</a:t>
+              <a:t>2/12/24</a:t>
             </a:fld>
             <a:endParaRPr lang="en-US"/>
           </a:p>
@@ -1015,7 +1015,7 @@
           <a:p>
             <a:fld id="{964302DC-9F53-934F-AE4D-0F1F197008C1}" type="datetimeFigureOut">
               <a:rPr lang="en-US" smtClean="0"/>
-              <a:t>12/7/23</a:t>
+              <a:t>2/12/24</a:t>
             </a:fld>
             <a:endParaRPr lang="en-US"/>
           </a:p>
@@ -1247,7 +1247,7 @@
           <a:p>
             <a:fld id="{964302DC-9F53-934F-AE4D-0F1F197008C1}" type="datetimeFigureOut">
               <a:rPr lang="en-US" smtClean="0"/>
-              <a:t>12/7/23</a:t>
+              <a:t>2/12/24</a:t>
             </a:fld>
             <a:endParaRPr lang="en-US"/>
           </a:p>
@@ -1614,7 +1614,7 @@
           <a:p>
             <a:fld id="{964302DC-9F53-934F-AE4D-0F1F197008C1}" type="datetimeFigureOut">
               <a:rPr lang="en-US" smtClean="0"/>
-              <a:t>12/7/23</a:t>
+              <a:t>2/12/24</a:t>
             </a:fld>
             <a:endParaRPr lang="en-US"/>
           </a:p>
@@ -1732,7 +1732,7 @@
           <a:p>
             <a:fld id="{964302DC-9F53-934F-AE4D-0F1F197008C1}" type="datetimeFigureOut">
               <a:rPr lang="en-US" smtClean="0"/>
-              <a:t>12/7/23</a:t>
+              <a:t>2/12/24</a:t>
             </a:fld>
             <a:endParaRPr lang="en-US"/>
           </a:p>
@@ -1827,7 +1827,7 @@
           <a:p>
             <a:fld id="{964302DC-9F53-934F-AE4D-0F1F197008C1}" type="datetimeFigureOut">
               <a:rPr lang="en-US" smtClean="0"/>
-              <a:t>12/7/23</a:t>
+              <a:t>2/12/24</a:t>
             </a:fld>
             <a:endParaRPr lang="en-US"/>
           </a:p>
@@ -2104,7 +2104,7 @@
           <a:p>
             <a:fld id="{964302DC-9F53-934F-AE4D-0F1F197008C1}" type="datetimeFigureOut">
               <a:rPr lang="en-US" smtClean="0"/>
-              <a:t>12/7/23</a:t>
+              <a:t>2/12/24</a:t>
             </a:fld>
             <a:endParaRPr lang="en-US"/>
           </a:p>
@@ -2361,7 +2361,7 @@
           <a:p>
             <a:fld id="{964302DC-9F53-934F-AE4D-0F1F197008C1}" type="datetimeFigureOut">
               <a:rPr lang="en-US" smtClean="0"/>
-              <a:t>12/7/23</a:t>
+              <a:t>2/12/24</a:t>
             </a:fld>
             <a:endParaRPr lang="en-US"/>
           </a:p>
@@ -2426,9 +2426,18 @@
 <p:sldMaster xmlns:a="http://schemas.openxmlformats.org/drawingml/2006/main" xmlns:r="http://schemas.openxmlformats.org/officeDocument/2006/relationships" xmlns:p="http://schemas.openxmlformats.org/presentationml/2006/main">
   <p:cSld>
     <p:bg>
-      <p:bgRef idx="1001">
-        <a:schemeClr val="bg1"/>
-      </p:bgRef>
+      <p:bgPr>
+        <a:blipFill dpi="0" rotWithShape="1">
+          <a:blip r:embed="rId13">
+            <a:lum/>
+          </a:blip>
+          <a:srcRect/>
+          <a:stretch>
+            <a:fillRect/>
+          </a:stretch>
+        </a:blipFill>
+        <a:effectLst/>
+      </p:bgPr>
     </p:bg>
     <p:spTree>
       <p:nvGrpSpPr>
@@ -2574,7 +2583,7 @@
           <a:p>
             <a:fld id="{964302DC-9F53-934F-AE4D-0F1F197008C1}" type="datetimeFigureOut">
               <a:rPr lang="en-US" smtClean="0"/>
-              <a:t>12/7/23</a:t>
+              <a:t>2/12/24</a:t>
             </a:fld>
             <a:endParaRPr lang="en-US"/>
           </a:p>
@@ -2965,20 +2974,6 @@
 <file path=ppt/slides/slide1.xml><?xml version="1.0" encoding="utf-8"?>
 <p:sld xmlns:a="http://schemas.openxmlformats.org/drawingml/2006/main" xmlns:r="http://schemas.openxmlformats.org/officeDocument/2006/relationships" xmlns:p="http://schemas.openxmlformats.org/presentationml/2006/main">
   <p:cSld>
-    <p:bg>
-      <p:bgPr>
-        <a:blipFill dpi="0" rotWithShape="1">
-          <a:blip r:embed="rId2">
-            <a:lum/>
-          </a:blip>
-          <a:srcRect/>
-          <a:stretch>
-            <a:fillRect/>
-          </a:stretch>
-        </a:blipFill>
-        <a:effectLst/>
-      </p:bgPr>
-    </p:bg>
     <p:spTree>
       <p:nvGrpSpPr>
         <p:cNvPr id="1" name=""/>
@@ -3121,7 +3116,7 @@
                     </a:schemeClr>
                   </a:solidFill>
                 </a:rPr>
-                <a:t>while ( !</a:t>
+                <a:t>while (!</a:t>
               </a:r>
               <a:r>
                 <a:rPr lang="en-AU" sz="1600" dirty="0" err="1">
@@ -3210,7 +3205,7 @@
               <p:nvPr/>
             </p:nvPicPr>
             <p:blipFill>
-              <a:blip r:embed="rId3">
+              <a:blip r:embed="rId2">
                 <a:alphaModFix/>
               </a:blip>
               <a:stretch>
@@ -5060,7 +5055,7 @@
             <p:nvPr/>
           </p:nvPicPr>
           <p:blipFill>
-            <a:blip r:embed="rId4">
+            <a:blip r:embed="rId3">
               <a:alphaModFix amt="30000"/>
             </a:blip>
             <a:stretch>
@@ -5250,20 +5245,6 @@
 <file path=ppt/slides/slide2.xml><?xml version="1.0" encoding="utf-8"?>
 <p:sld xmlns:a="http://schemas.openxmlformats.org/drawingml/2006/main" xmlns:r="http://schemas.openxmlformats.org/officeDocument/2006/relationships" xmlns:p="http://schemas.openxmlformats.org/presentationml/2006/main">
   <p:cSld>
-    <p:bg>
-      <p:bgPr>
-        <a:blipFill dpi="0" rotWithShape="1">
-          <a:blip r:embed="rId2">
-            <a:lum/>
-          </a:blip>
-          <a:srcRect/>
-          <a:stretch>
-            <a:fillRect/>
-          </a:stretch>
-        </a:blipFill>
-        <a:effectLst/>
-      </p:bgPr>
-    </p:bg>
     <p:spTree>
       <p:nvGrpSpPr>
         <p:cNvPr id="1" name=""/>
@@ -5332,7 +5313,7 @@
               </a:pPr>
               <a:r>
                 <a:rPr lang="en-AU" sz="1200" dirty="0"/>
-                <a:t>while ( !</a:t>
+                <a:t>while (!</a:t>
               </a:r>
               <a:r>
                 <a:rPr lang="en-AU" sz="1200" dirty="0" err="1"/>
@@ -5372,7 +5353,7 @@
                     </a:schemeClr>
                   </a:solidFill>
                 </a:rPr>
-                <a:t>    </a:t>
+                <a:t>      </a:t>
               </a:r>
               <a:r>
                 <a:rPr lang="en-AU" sz="1200" dirty="0" err="1">
@@ -5547,7 +5528,7 @@
                     </a:schemeClr>
                   </a:solidFill>
                 </a:rPr>
-                <a:t>    </a:t>
+                <a:t>      </a:t>
               </a:r>
               <a:r>
                 <a:rPr lang="en-AU" sz="1200" dirty="0" err="1">
@@ -5583,7 +5564,7 @@
                     </a:schemeClr>
                   </a:solidFill>
                 </a:rPr>
-                <a:t>    </a:t>
+                <a:t>      </a:t>
               </a:r>
               <a:r>
                 <a:rPr lang="en-AU" sz="1200" dirty="0" err="1">
@@ -5632,7 +5613,7 @@
                     </a:schemeClr>
                   </a:solidFill>
                 </a:rPr>
-                <a:t>    if (</a:t>
+                <a:t>      if (</a:t>
               </a:r>
               <a:r>
                 <a:rPr lang="en-AU" sz="1200" dirty="0" err="1">
@@ -5688,7 +5669,7 @@
                     </a:schemeClr>
                   </a:solidFill>
                 </a:rPr>
-                <a:t>    {</a:t>
+                <a:t>      {</a:t>
               </a:r>
             </a:p>
             <a:p>
@@ -5704,7 +5685,7 @@
                     </a:schemeClr>
                   </a:solidFill>
                 </a:rPr>
-                <a:t>        break;  // end the loop</a:t>
+                <a:t>          break;  // end the loop</a:t>
               </a:r>
             </a:p>
             <a:p>
@@ -5720,7 +5701,7 @@
                     </a:schemeClr>
                   </a:solidFill>
                 </a:rPr>
-                <a:t>    }</a:t>
+                <a:t>      }</a:t>
               </a:r>
             </a:p>
             <a:p>
@@ -7602,7 +7583,7 @@
             <p:nvPr/>
           </p:nvPicPr>
           <p:blipFill>
-            <a:blip r:embed="rId3">
+            <a:blip r:embed="rId2">
               <a:alphaModFix amt="30000"/>
             </a:blip>
             <a:stretch>
@@ -7791,7 +7772,7 @@
           <p:nvPr/>
         </p:nvPicPr>
         <p:blipFill>
-          <a:blip r:embed="rId4">
+          <a:blip r:embed="rId3">
             <a:alphaModFix/>
           </a:blip>
           <a:stretch>
@@ -7824,20 +7805,6 @@
 <file path=ppt/slides/slide3.xml><?xml version="1.0" encoding="utf-8"?>
 <p:sld xmlns:a="http://schemas.openxmlformats.org/drawingml/2006/main" xmlns:r="http://schemas.openxmlformats.org/officeDocument/2006/relationships" xmlns:p="http://schemas.openxmlformats.org/presentationml/2006/main">
   <p:cSld>
-    <p:bg>
-      <p:bgPr>
-        <a:blipFill dpi="0" rotWithShape="1">
-          <a:blip r:embed="rId2">
-            <a:lum/>
-          </a:blip>
-          <a:srcRect/>
-          <a:stretch>
-            <a:fillRect/>
-          </a:stretch>
-        </a:blipFill>
-        <a:effectLst/>
-      </p:bgPr>
-    </p:bg>
     <p:spTree>
       <p:nvGrpSpPr>
         <p:cNvPr id="1" name=""/>
@@ -7912,7 +7879,7 @@
                     </a:schemeClr>
                   </a:solidFill>
                 </a:rPr>
-                <a:t>while ( !</a:t>
+                <a:t>while (!</a:t>
               </a:r>
               <a:r>
                 <a:rPr lang="en-AU" sz="1200" dirty="0" err="1">
@@ -7958,7 +7925,7 @@
               </a:pPr>
               <a:r>
                 <a:rPr lang="en-AU" sz="1200" dirty="0"/>
-                <a:t>    </a:t>
+                <a:t>      </a:t>
               </a:r>
               <a:r>
                 <a:rPr lang="en-AU" sz="1200" dirty="0" err="1"/>
@@ -8031,7 +7998,7 @@
               </a:pPr>
               <a:r>
                 <a:rPr lang="en-AU" sz="1200" dirty="0"/>
-                <a:t>    </a:t>
+                <a:t>      </a:t>
               </a:r>
               <a:r>
                 <a:rPr lang="en-AU" sz="1200" dirty="0" err="1"/>
@@ -8049,7 +8016,7 @@
               </a:pPr>
               <a:r>
                 <a:rPr lang="en-AU" sz="1200" dirty="0"/>
-                <a:t>    </a:t>
+                <a:t>      </a:t>
               </a:r>
               <a:r>
                 <a:rPr lang="en-AU" sz="1200" dirty="0" err="1"/>
@@ -8086,7 +8053,7 @@
                     </a:schemeClr>
                   </a:solidFill>
                 </a:rPr>
-                <a:t>    if (</a:t>
+                <a:t>      if (</a:t>
               </a:r>
               <a:r>
                 <a:rPr lang="en-AU" sz="1200" dirty="0" err="1">
@@ -8142,7 +8109,7 @@
                     </a:schemeClr>
                   </a:solidFill>
                 </a:rPr>
-                <a:t>    {</a:t>
+                <a:t>      {</a:t>
               </a:r>
             </a:p>
             <a:p>
@@ -8158,7 +8125,7 @@
                     </a:schemeClr>
                   </a:solidFill>
                 </a:rPr>
-                <a:t>        break;  // end the loop</a:t>
+                <a:t>          break;  // end the loop</a:t>
               </a:r>
             </a:p>
             <a:p>
@@ -8174,7 +8141,7 @@
                     </a:schemeClr>
                   </a:solidFill>
                 </a:rPr>
-                <a:t>    }</a:t>
+                <a:t>      }</a:t>
               </a:r>
             </a:p>
             <a:p>
@@ -10043,7 +10010,7 @@
             <p:nvPr/>
           </p:nvPicPr>
           <p:blipFill>
-            <a:blip r:embed="rId3">
+            <a:blip r:embed="rId2">
               <a:alphaModFix amt="30000"/>
             </a:blip>
             <a:stretch>
@@ -10232,7 +10199,7 @@
           <p:nvPr/>
         </p:nvPicPr>
         <p:blipFill>
-          <a:blip r:embed="rId4">
+          <a:blip r:embed="rId3">
             <a:alphaModFix/>
           </a:blip>
           <a:stretch>
@@ -10265,20 +10232,6 @@
 <file path=ppt/slides/slide4.xml><?xml version="1.0" encoding="utf-8"?>
 <p:sld xmlns:a="http://schemas.openxmlformats.org/drawingml/2006/main" xmlns:r="http://schemas.openxmlformats.org/officeDocument/2006/relationships" xmlns:p="http://schemas.openxmlformats.org/presentationml/2006/main">
   <p:cSld>
-    <p:bg>
-      <p:bgPr>
-        <a:blipFill dpi="0" rotWithShape="1">
-          <a:blip r:embed="rId2">
-            <a:lum/>
-          </a:blip>
-          <a:srcRect/>
-          <a:stretch>
-            <a:fillRect/>
-          </a:stretch>
-        </a:blipFill>
-        <a:effectLst/>
-      </p:bgPr>
-    </p:bg>
     <p:spTree>
       <p:nvGrpSpPr>
         <p:cNvPr id="1" name=""/>
@@ -10353,7 +10306,7 @@
                     </a:schemeClr>
                   </a:solidFill>
                 </a:rPr>
-                <a:t>while ( !</a:t>
+                <a:t>while (!</a:t>
               </a:r>
               <a:r>
                 <a:rPr lang="en-AU" sz="1200" dirty="0" err="1">
@@ -10405,7 +10358,7 @@
                     </a:schemeClr>
                   </a:solidFill>
                 </a:rPr>
-                <a:t>    </a:t>
+                <a:t>      </a:t>
               </a:r>
               <a:r>
                 <a:rPr lang="en-AU" sz="1200" dirty="0" err="1">
@@ -10580,7 +10533,7 @@
                     </a:schemeClr>
                   </a:solidFill>
                 </a:rPr>
-                <a:t>    </a:t>
+                <a:t>      </a:t>
               </a:r>
               <a:r>
                 <a:rPr lang="en-AU" sz="1200" dirty="0" err="1">
@@ -10616,7 +10569,7 @@
                     </a:schemeClr>
                   </a:solidFill>
                 </a:rPr>
-                <a:t>    </a:t>
+                <a:t>      </a:t>
               </a:r>
               <a:r>
                 <a:rPr lang="en-AU" sz="1200" dirty="0" err="1">
@@ -10659,7 +10612,7 @@
               </a:pPr>
               <a:r>
                 <a:rPr lang="en-AU" sz="1200" dirty="0"/>
-                <a:t>    if (</a:t>
+                <a:t>      if (</a:t>
               </a:r>
               <a:r>
                 <a:rPr lang="en-AU" sz="1200" dirty="0" err="1"/>
@@ -10691,7 +10644,7 @@
                     </a:schemeClr>
                   </a:solidFill>
                 </a:rPr>
-                <a:t>    {</a:t>
+                <a:t>      {</a:t>
               </a:r>
             </a:p>
             <a:p>
@@ -10707,7 +10660,7 @@
                     </a:schemeClr>
                   </a:solidFill>
                 </a:rPr>
-                <a:t>        break;  // end the loop</a:t>
+                <a:t>          break;  // end the loop</a:t>
               </a:r>
             </a:p>
             <a:p>
@@ -10723,7 +10676,7 @@
                     </a:schemeClr>
                   </a:solidFill>
                 </a:rPr>
-                <a:t>    }</a:t>
+                <a:t>      }</a:t>
               </a:r>
             </a:p>
             <a:p>
@@ -12572,7 +12525,7 @@
             <a:p>
               <a:r>
                 <a:rPr lang="en-US" dirty="0"/>
-                <a:t>10,12,4</a:t>
+                <a:t>12,4</a:t>
               </a:r>
             </a:p>
           </p:txBody>
@@ -12592,7 +12545,7 @@
             <p:nvPr/>
           </p:nvPicPr>
           <p:blipFill>
-            <a:blip r:embed="rId3">
+            <a:blip r:embed="rId2">
               <a:alphaModFix amt="30000"/>
             </a:blip>
             <a:stretch>
@@ -12781,7 +12734,7 @@
           <p:nvPr/>
         </p:nvPicPr>
         <p:blipFill>
-          <a:blip r:embed="rId4">
+          <a:blip r:embed="rId3">
             <a:alphaModFix/>
           </a:blip>
           <a:stretch>
@@ -12814,20 +12767,6 @@
 <file path=ppt/slides/slide5.xml><?xml version="1.0" encoding="utf-8"?>
 <p:sld xmlns:a="http://schemas.openxmlformats.org/drawingml/2006/main" xmlns:r="http://schemas.openxmlformats.org/officeDocument/2006/relationships" xmlns:p="http://schemas.openxmlformats.org/presentationml/2006/main">
   <p:cSld>
-    <p:bg>
-      <p:bgPr>
-        <a:blipFill dpi="0" rotWithShape="1">
-          <a:blip r:embed="rId2">
-            <a:lum/>
-          </a:blip>
-          <a:srcRect/>
-          <a:stretch>
-            <a:fillRect/>
-          </a:stretch>
-        </a:blipFill>
-        <a:effectLst/>
-      </p:bgPr>
-    </p:bg>
     <p:spTree>
       <p:nvGrpSpPr>
         <p:cNvPr id="1" name=""/>
@@ -12896,7 +12835,7 @@
               </a:pPr>
               <a:r>
                 <a:rPr lang="en-AU" sz="1200" dirty="0"/>
-                <a:t>while ( !</a:t>
+                <a:t>while (!</a:t>
               </a:r>
               <a:r>
                 <a:rPr lang="en-AU" sz="1200" dirty="0" err="1"/>
@@ -12936,7 +12875,7 @@
                     </a:schemeClr>
                   </a:solidFill>
                 </a:rPr>
-                <a:t>    </a:t>
+                <a:t>      </a:t>
               </a:r>
               <a:r>
                 <a:rPr lang="en-AU" sz="1200" dirty="0" err="1">
@@ -13111,7 +13050,7 @@
                     </a:schemeClr>
                   </a:solidFill>
                 </a:rPr>
-                <a:t>    </a:t>
+                <a:t>      </a:t>
               </a:r>
               <a:r>
                 <a:rPr lang="en-AU" sz="1200" dirty="0" err="1">
@@ -13147,7 +13086,7 @@
                     </a:schemeClr>
                   </a:solidFill>
                 </a:rPr>
-                <a:t>    </a:t>
+                <a:t>      </a:t>
               </a:r>
               <a:r>
                 <a:rPr lang="en-AU" sz="1200" dirty="0" err="1">
@@ -13196,7 +13135,7 @@
                     </a:schemeClr>
                   </a:solidFill>
                 </a:rPr>
-                <a:t>    if (</a:t>
+                <a:t>      if (</a:t>
               </a:r>
               <a:r>
                 <a:rPr lang="en-AU" sz="1200" dirty="0" err="1">
@@ -13252,7 +13191,7 @@
                     </a:schemeClr>
                   </a:solidFill>
                 </a:rPr>
-                <a:t>    {</a:t>
+                <a:t>      {</a:t>
               </a:r>
             </a:p>
             <a:p>
@@ -13268,7 +13207,7 @@
                     </a:schemeClr>
                   </a:solidFill>
                 </a:rPr>
-                <a:t>        break;  // end the loop</a:t>
+                <a:t>          break;  // end the loop</a:t>
               </a:r>
             </a:p>
             <a:p>
@@ -13284,7 +13223,7 @@
                     </a:schemeClr>
                   </a:solidFill>
                 </a:rPr>
-                <a:t>    }</a:t>
+                <a:t>      }</a:t>
               </a:r>
             </a:p>
             <a:p>
@@ -15153,7 +15092,7 @@
             <p:nvPr/>
           </p:nvPicPr>
           <p:blipFill>
-            <a:blip r:embed="rId3">
+            <a:blip r:embed="rId2">
               <a:alphaModFix amt="30000"/>
             </a:blip>
             <a:stretch>
@@ -15342,7 +15281,7 @@
           <p:nvPr/>
         </p:nvPicPr>
         <p:blipFill>
-          <a:blip r:embed="rId4">
+          <a:blip r:embed="rId3">
             <a:alphaModFix/>
           </a:blip>
           <a:stretch>
@@ -15375,20 +15314,6 @@
 <file path=ppt/slides/slide6.xml><?xml version="1.0" encoding="utf-8"?>
 <p:sld xmlns:a="http://schemas.openxmlformats.org/drawingml/2006/main" xmlns:r="http://schemas.openxmlformats.org/officeDocument/2006/relationships" xmlns:p="http://schemas.openxmlformats.org/presentationml/2006/main">
   <p:cSld>
-    <p:bg>
-      <p:bgPr>
-        <a:blipFill dpi="0" rotWithShape="1">
-          <a:blip r:embed="rId2">
-            <a:lum/>
-          </a:blip>
-          <a:srcRect/>
-          <a:stretch>
-            <a:fillRect/>
-          </a:stretch>
-        </a:blipFill>
-        <a:effectLst/>
-      </p:bgPr>
-    </p:bg>
     <p:spTree>
       <p:nvGrpSpPr>
         <p:cNvPr id="1" name=""/>
@@ -15463,7 +15388,7 @@
                     </a:schemeClr>
                   </a:solidFill>
                 </a:rPr>
-                <a:t>while ( !</a:t>
+                <a:t>while (!</a:t>
               </a:r>
               <a:r>
                 <a:rPr lang="en-AU" sz="1200" dirty="0" err="1">
@@ -15509,7 +15434,7 @@
               </a:pPr>
               <a:r>
                 <a:rPr lang="en-AU" sz="1200" dirty="0"/>
-                <a:t>    </a:t>
+                <a:t>      </a:t>
               </a:r>
               <a:r>
                 <a:rPr lang="en-AU" sz="1200" dirty="0" err="1"/>
@@ -15582,7 +15507,7 @@
               </a:pPr>
               <a:r>
                 <a:rPr lang="en-AU" sz="1200" dirty="0"/>
-                <a:t>    </a:t>
+                <a:t>      </a:t>
               </a:r>
               <a:r>
                 <a:rPr lang="en-AU" sz="1200" dirty="0" err="1"/>
@@ -15600,7 +15525,7 @@
               </a:pPr>
               <a:r>
                 <a:rPr lang="en-AU" sz="1200" dirty="0"/>
-                <a:t>    </a:t>
+                <a:t>      </a:t>
               </a:r>
               <a:r>
                 <a:rPr lang="en-AU" sz="1200" dirty="0" err="1"/>
@@ -15637,7 +15562,7 @@
                     </a:schemeClr>
                   </a:solidFill>
                 </a:rPr>
-                <a:t>    if (</a:t>
+                <a:t>      if (</a:t>
               </a:r>
               <a:r>
                 <a:rPr lang="en-AU" sz="1200" dirty="0" err="1">
@@ -15693,7 +15618,7 @@
                     </a:schemeClr>
                   </a:solidFill>
                 </a:rPr>
-                <a:t>    {</a:t>
+                <a:t>      {</a:t>
               </a:r>
             </a:p>
             <a:p>
@@ -15709,7 +15634,7 @@
                     </a:schemeClr>
                   </a:solidFill>
                 </a:rPr>
-                <a:t>        break;  // end the loop</a:t>
+                <a:t>          break;  // end the loop</a:t>
               </a:r>
             </a:p>
             <a:p>
@@ -15725,7 +15650,7 @@
                     </a:schemeClr>
                   </a:solidFill>
                 </a:rPr>
-                <a:t>    }</a:t>
+                <a:t>      }</a:t>
               </a:r>
             </a:p>
             <a:p>
@@ -17607,7 +17532,7 @@
             <p:nvPr/>
           </p:nvPicPr>
           <p:blipFill>
-            <a:blip r:embed="rId3">
+            <a:blip r:embed="rId2">
               <a:alphaModFix amt="30000"/>
             </a:blip>
             <a:stretch>
@@ -17796,7 +17721,7 @@
           <p:nvPr/>
         </p:nvPicPr>
         <p:blipFill>
-          <a:blip r:embed="rId4">
+          <a:blip r:embed="rId3">
             <a:alphaModFix/>
           </a:blip>
           <a:stretch>
@@ -17829,20 +17754,6 @@
 <file path=ppt/slides/slide7.xml><?xml version="1.0" encoding="utf-8"?>
 <p:sld xmlns:a="http://schemas.openxmlformats.org/drawingml/2006/main" xmlns:r="http://schemas.openxmlformats.org/officeDocument/2006/relationships" xmlns:p="http://schemas.openxmlformats.org/presentationml/2006/main">
   <p:cSld>
-    <p:bg>
-      <p:bgPr>
-        <a:blipFill dpi="0" rotWithShape="1">
-          <a:blip r:embed="rId2">
-            <a:lum/>
-          </a:blip>
-          <a:srcRect/>
-          <a:stretch>
-            <a:fillRect/>
-          </a:stretch>
-        </a:blipFill>
-        <a:effectLst/>
-      </p:bgPr>
-    </p:bg>
     <p:spTree>
       <p:nvGrpSpPr>
         <p:cNvPr id="1" name=""/>
@@ -17917,7 +17828,7 @@
                     </a:schemeClr>
                   </a:solidFill>
                 </a:rPr>
-                <a:t>while ( !</a:t>
+                <a:t>while (!</a:t>
               </a:r>
               <a:r>
                 <a:rPr lang="en-AU" sz="1200" dirty="0" err="1">
@@ -17969,7 +17880,7 @@
                     </a:schemeClr>
                   </a:solidFill>
                 </a:rPr>
-                <a:t>    </a:t>
+                <a:t>      </a:t>
               </a:r>
               <a:r>
                 <a:rPr lang="en-AU" sz="1200" dirty="0" err="1">
@@ -18144,7 +18055,7 @@
                     </a:schemeClr>
                   </a:solidFill>
                 </a:rPr>
-                <a:t>    </a:t>
+                <a:t>      </a:t>
               </a:r>
               <a:r>
                 <a:rPr lang="en-AU" sz="1200" dirty="0" err="1">
@@ -18180,7 +18091,7 @@
                     </a:schemeClr>
                   </a:solidFill>
                 </a:rPr>
-                <a:t>    </a:t>
+                <a:t>      </a:t>
               </a:r>
               <a:r>
                 <a:rPr lang="en-AU" sz="1200" dirty="0" err="1">
@@ -18223,7 +18134,7 @@
               </a:pPr>
               <a:r>
                 <a:rPr lang="en-AU" sz="1200" dirty="0"/>
-                <a:t>    if (</a:t>
+                <a:t>      if (</a:t>
               </a:r>
               <a:r>
                 <a:rPr lang="en-AU" sz="1200" dirty="0" err="1"/>
@@ -18255,7 +18166,7 @@
                     </a:schemeClr>
                   </a:solidFill>
                 </a:rPr>
-                <a:t>    {</a:t>
+                <a:t>      {</a:t>
               </a:r>
             </a:p>
             <a:p>
@@ -18271,7 +18182,7 @@
                     </a:schemeClr>
                   </a:solidFill>
                 </a:rPr>
-                <a:t>        break;  // end the loop</a:t>
+                <a:t>          break;  // end the loop</a:t>
               </a:r>
             </a:p>
             <a:p>
@@ -18287,7 +18198,7 @@
                     </a:schemeClr>
                   </a:solidFill>
                 </a:rPr>
-                <a:t>    }</a:t>
+                <a:t>      }</a:t>
               </a:r>
             </a:p>
             <a:p>
@@ -20156,7 +20067,7 @@
             <p:nvPr/>
           </p:nvPicPr>
           <p:blipFill>
-            <a:blip r:embed="rId3">
+            <a:blip r:embed="rId2">
               <a:alphaModFix amt="30000"/>
             </a:blip>
             <a:stretch>
@@ -20345,7 +20256,7 @@
           <p:nvPr/>
         </p:nvPicPr>
         <p:blipFill>
-          <a:blip r:embed="rId4">
+          <a:blip r:embed="rId3">
             <a:alphaModFix/>
           </a:blip>
           <a:stretch>
@@ -20378,20 +20289,6 @@
 <file path=ppt/slides/slide8.xml><?xml version="1.0" encoding="utf-8"?>
 <p:sld xmlns:a="http://schemas.openxmlformats.org/drawingml/2006/main" xmlns:r="http://schemas.openxmlformats.org/officeDocument/2006/relationships" xmlns:p="http://schemas.openxmlformats.org/presentationml/2006/main">
   <p:cSld>
-    <p:bg>
-      <p:bgPr>
-        <a:blipFill dpi="0" rotWithShape="1">
-          <a:blip r:embed="rId2">
-            <a:lum/>
-          </a:blip>
-          <a:srcRect/>
-          <a:stretch>
-            <a:fillRect/>
-          </a:stretch>
-        </a:blipFill>
-        <a:effectLst/>
-      </p:bgPr>
-    </p:bg>
     <p:spTree>
       <p:nvGrpSpPr>
         <p:cNvPr id="1" name=""/>
@@ -20466,7 +20363,7 @@
                     </a:schemeClr>
                   </a:solidFill>
                 </a:rPr>
-                <a:t>while ( !</a:t>
+                <a:t>while (!</a:t>
               </a:r>
               <a:r>
                 <a:rPr lang="en-AU" sz="1200" dirty="0" err="1">
@@ -20518,7 +20415,7 @@
                     </a:schemeClr>
                   </a:solidFill>
                 </a:rPr>
-                <a:t>    </a:t>
+                <a:t>      </a:t>
               </a:r>
               <a:r>
                 <a:rPr lang="en-AU" sz="1200" dirty="0" err="1">
@@ -20693,7 +20590,7 @@
                     </a:schemeClr>
                   </a:solidFill>
                 </a:rPr>
-                <a:t>    </a:t>
+                <a:t>      </a:t>
               </a:r>
               <a:r>
                 <a:rPr lang="en-AU" sz="1200" dirty="0" err="1">
@@ -20729,7 +20626,7 @@
                     </a:schemeClr>
                   </a:solidFill>
                 </a:rPr>
-                <a:t>    </a:t>
+                <a:t>      </a:t>
               </a:r>
               <a:r>
                 <a:rPr lang="en-AU" sz="1200" dirty="0" err="1">
@@ -20778,7 +20675,7 @@
                     </a:schemeClr>
                   </a:solidFill>
                 </a:rPr>
-                <a:t>    if (</a:t>
+                <a:t>      if (</a:t>
               </a:r>
               <a:r>
                 <a:rPr lang="en-AU" sz="1200" dirty="0" err="1">
@@ -20834,7 +20731,7 @@
                     </a:schemeClr>
                   </a:solidFill>
                 </a:rPr>
-                <a:t>    {</a:t>
+                <a:t>      {</a:t>
               </a:r>
             </a:p>
             <a:p>
@@ -20844,7 +20741,7 @@
               </a:pPr>
               <a:r>
                 <a:rPr lang="en-AU" sz="1200" dirty="0"/>
-                <a:t>        break;  // end the loop</a:t>
+                <a:t>          break;  // end the loop</a:t>
               </a:r>
             </a:p>
             <a:p>
@@ -20860,7 +20757,7 @@
                     </a:schemeClr>
                   </a:solidFill>
                 </a:rPr>
-                <a:t>    }</a:t>
+                <a:t>      }</a:t>
               </a:r>
             </a:p>
             <a:p>
@@ -22733,7 +22630,7 @@
             <p:nvPr/>
           </p:nvPicPr>
           <p:blipFill>
-            <a:blip r:embed="rId3">
+            <a:blip r:embed="rId2">
               <a:alphaModFix amt="30000"/>
             </a:blip>
             <a:stretch>
@@ -22922,7 +22819,7 @@
           <p:nvPr/>
         </p:nvPicPr>
         <p:blipFill>
-          <a:blip r:embed="rId4">
+          <a:blip r:embed="rId3">
             <a:alphaModFix/>
           </a:blip>
           <a:stretch>
@@ -22955,20 +22852,6 @@
 <file path=ppt/slides/slide9.xml><?xml version="1.0" encoding="utf-8"?>
 <p:sld xmlns:a="http://schemas.openxmlformats.org/drawingml/2006/main" xmlns:r="http://schemas.openxmlformats.org/officeDocument/2006/relationships" xmlns:p="http://schemas.openxmlformats.org/presentationml/2006/main">
   <p:cSld>
-    <p:bg>
-      <p:bgPr>
-        <a:blipFill dpi="0" rotWithShape="1">
-          <a:blip r:embed="rId2">
-            <a:lum/>
-          </a:blip>
-          <a:srcRect/>
-          <a:stretch>
-            <a:fillRect/>
-          </a:stretch>
-        </a:blipFill>
-        <a:effectLst/>
-      </p:bgPr>
-    </p:bg>
     <p:spTree>
       <p:nvGrpSpPr>
         <p:cNvPr id="1" name=""/>
@@ -23043,7 +22926,7 @@
                     </a:schemeClr>
                   </a:solidFill>
                 </a:rPr>
-                <a:t>while ( !</a:t>
+                <a:t>while (!</a:t>
               </a:r>
               <a:r>
                 <a:rPr lang="en-AU" sz="1200" dirty="0" err="1">
@@ -23095,7 +22978,7 @@
                     </a:schemeClr>
                   </a:solidFill>
                 </a:rPr>
-                <a:t>    </a:t>
+                <a:t>      </a:t>
               </a:r>
               <a:r>
                 <a:rPr lang="en-AU" sz="1200" dirty="0" err="1">
@@ -23270,7 +23153,7 @@
                     </a:schemeClr>
                   </a:solidFill>
                 </a:rPr>
-                <a:t>    </a:t>
+                <a:t>      </a:t>
               </a:r>
               <a:r>
                 <a:rPr lang="en-AU" sz="1200" dirty="0" err="1">
@@ -23306,7 +23189,7 @@
                     </a:schemeClr>
                   </a:solidFill>
                 </a:rPr>
-                <a:t>    </a:t>
+                <a:t>      </a:t>
               </a:r>
               <a:r>
                 <a:rPr lang="en-AU" sz="1200" dirty="0" err="1">
@@ -23355,7 +23238,7 @@
                     </a:schemeClr>
                   </a:solidFill>
                 </a:rPr>
-                <a:t>    if (</a:t>
+                <a:t>      if (</a:t>
               </a:r>
               <a:r>
                 <a:rPr lang="en-AU" sz="1200" dirty="0" err="1">
@@ -23411,7 +23294,7 @@
                     </a:schemeClr>
                   </a:solidFill>
                 </a:rPr>
-                <a:t>    {</a:t>
+                <a:t>      {</a:t>
               </a:r>
             </a:p>
             <a:p>
@@ -23427,7 +23310,7 @@
                     </a:schemeClr>
                   </a:solidFill>
                 </a:rPr>
-                <a:t>        break;  // end the loop</a:t>
+                <a:t>          break;  // end the loop</a:t>
               </a:r>
             </a:p>
             <a:p>
@@ -23443,7 +23326,7 @@
                     </a:schemeClr>
                   </a:solidFill>
                 </a:rPr>
-                <a:t>    }</a:t>
+                <a:t>      }</a:t>
               </a:r>
             </a:p>
             <a:p>
@@ -25298,7 +25181,7 @@
             <p:nvPr/>
           </p:nvPicPr>
           <p:blipFill>
-            <a:blip r:embed="rId3">
+            <a:blip r:embed="rId2">
               <a:alphaModFix/>
             </a:blip>
             <a:stretch>
@@ -25487,7 +25370,7 @@
           <p:nvPr/>
         </p:nvPicPr>
         <p:blipFill>
-          <a:blip r:embed="rId4">
+          <a:blip r:embed="rId3">
             <a:alphaModFix/>
           </a:blip>
           <a:stretch>

--- a/resources/ppt-slides/control-flow-break.pptx
+++ b/resources/ppt-slides/control-flow-break.pptx
@@ -3042,11 +3042,11 @@
               </a:pPr>
               <a:r>
                 <a:rPr lang="en-AU" sz="1600" dirty="0"/>
-                <a:t>using static </a:t>
+                <a:t/>
               </a:r>
               <a:r>
                 <a:rPr lang="en-AU" sz="1600" dirty="0" err="1"/>
-                <a:t>SplashKitSDK.SplashKit</a:t>
+                <a:t>#include "splashkit.h"</a:t>
               </a:r>
               <a:r>
                 <a:rPr lang="en-AU" sz="1600" dirty="0"/>
@@ -3067,7 +3067,7 @@
               </a:pPr>
               <a:r>
                 <a:rPr lang="en-AU" sz="1600" dirty="0" err="1"/>
-                <a:t>OpenWindow</a:t>
+                <a:t>open_window</a:t>
               </a:r>
               <a:r>
                 <a:rPr lang="en-AU" sz="1600" dirty="0"/>
@@ -3081,7 +3081,7 @@
               </a:pPr>
               <a:r>
                 <a:rPr lang="en-AU" sz="1600" dirty="0" err="1"/>
-                <a:t>ClearScreen</a:t>
+                <a:t>clear_screen</a:t>
               </a:r>
               <a:r>
                 <a:rPr lang="en-AU" sz="1600" dirty="0"/>
@@ -3089,7 +3089,7 @@
               </a:r>
               <a:r>
                 <a:rPr lang="en-AU" sz="1600" dirty="0" err="1"/>
-                <a:t>ColorWhite</a:t>
+                <a:t>color_white</a:t>
               </a:r>
               <a:r>
                 <a:rPr lang="en-AU" sz="1600" dirty="0"/>
@@ -3126,7 +3126,7 @@
                     </a:schemeClr>
                   </a:solidFill>
                 </a:rPr>
-                <a:t>QuitRequested</a:t>
+                <a:t>quit_requested</a:t>
               </a:r>
               <a:r>
                 <a:rPr lang="en-AU" sz="1600" dirty="0">
@@ -5317,7 +5317,7 @@
               </a:r>
               <a:r>
                 <a:rPr lang="en-AU" sz="1200" dirty="0" err="1"/>
-                <a:t>QuitRequested</a:t>
+                <a:t>quit_requested</a:t>
               </a:r>
               <a:r>
                 <a:rPr lang="en-AU" sz="1200" dirty="0"/>
@@ -5363,7 +5363,7 @@
                     </a:schemeClr>
                   </a:solidFill>
                 </a:rPr>
-                <a:t>FillCircle</a:t>
+                <a:t>fill_circle</a:t>
               </a:r>
               <a:r>
                 <a:rPr lang="en-AU" sz="1200" dirty="0">
@@ -5383,7 +5383,7 @@
                     </a:schemeClr>
                   </a:solidFill>
                 </a:rPr>
-                <a:t>RandomColor</a:t>
+                <a:t>random_color</a:t>
               </a:r>
               <a:r>
                 <a:rPr lang="en-AU" sz="1200" dirty="0">
@@ -5403,7 +5403,7 @@
                     </a:schemeClr>
                   </a:solidFill>
                 </a:rPr>
-                <a:t>Rnd</a:t>
+                <a:t>rnd</a:t>
               </a:r>
               <a:r>
                 <a:rPr lang="en-AU" sz="1200" dirty="0">
@@ -5423,7 +5423,7 @@
                     </a:schemeClr>
                   </a:solidFill>
                 </a:rPr>
-                <a:t>ScreenWidth</a:t>
+                <a:t>screen_width</a:t>
               </a:r>
               <a:r>
                 <a:rPr lang="en-AU" sz="1200" dirty="0">
@@ -5462,7 +5462,7 @@
                     </a:schemeClr>
                   </a:solidFill>
                 </a:rPr>
-                <a:t>Rnd</a:t>
+                <a:t>rnd</a:t>
               </a:r>
               <a:r>
                 <a:rPr lang="en-AU" sz="1200" dirty="0">
@@ -5482,7 +5482,7 @@
                     </a:schemeClr>
                   </a:solidFill>
                 </a:rPr>
-                <a:t>ScreenHeight</a:t>
+                <a:t>screen_height</a:t>
               </a:r>
               <a:r>
                 <a:rPr lang="en-AU" sz="1200" dirty="0">
@@ -5502,7 +5502,7 @@
                     </a:schemeClr>
                   </a:solidFill>
                 </a:rPr>
-                <a:t>Rnd</a:t>
+                <a:t>rnd</a:t>
               </a:r>
               <a:r>
                 <a:rPr lang="en-AU" sz="1200" dirty="0">
@@ -5538,7 +5538,7 @@
                     </a:schemeClr>
                   </a:solidFill>
                 </a:rPr>
-                <a:t>RefreshScreen</a:t>
+                <a:t>refresh_screen</a:t>
               </a:r>
               <a:r>
                 <a:rPr lang="en-AU" sz="1200" dirty="0">
@@ -5574,7 +5574,7 @@
                     </a:schemeClr>
                   </a:solidFill>
                 </a:rPr>
-                <a:t>ProcessEvents</a:t>
+                <a:t>process_events</a:t>
               </a:r>
               <a:r>
                 <a:rPr lang="en-AU" sz="1200" dirty="0">
@@ -5623,7 +5623,7 @@
                     </a:schemeClr>
                   </a:solidFill>
                 </a:rPr>
-                <a:t>KeyTyped</a:t>
+                <a:t>key_typed</a:t>
               </a:r>
               <a:r>
                 <a:rPr lang="en-AU" sz="1200" dirty="0">
@@ -5643,7 +5643,7 @@
                     </a:schemeClr>
                   </a:solidFill>
                 </a:rPr>
-                <a:t>KeyCode.EscapeKey</a:t>
+                <a:t>ESCAPE_KEY</a:t>
               </a:r>
               <a:r>
                 <a:rPr lang="en-AU" sz="1200" dirty="0">
@@ -5733,7 +5733,7 @@
                     </a:schemeClr>
                   </a:solidFill>
                 </a:rPr>
-                <a:t>WriteLine("Bye…")</a:t>
+                <a:t>write_line("Bye…")</a:t>
               </a:r>
             </a:p>
             <a:p>
@@ -7889,7 +7889,7 @@
                     </a:schemeClr>
                   </a:solidFill>
                 </a:rPr>
-                <a:t>QuitRequested</a:t>
+                <a:t>quit_requested</a:t>
               </a:r>
               <a:r>
                 <a:rPr lang="en-AU" sz="1200" dirty="0">
@@ -7929,7 +7929,7 @@
               </a:r>
               <a:r>
                 <a:rPr lang="en-AU" sz="1200" dirty="0" err="1"/>
-                <a:t>FillCircle</a:t>
+                <a:t>fill_circle</a:t>
               </a:r>
               <a:r>
                 <a:rPr lang="en-AU" sz="1200" dirty="0"/>
@@ -7937,7 +7937,7 @@
               </a:r>
               <a:r>
                 <a:rPr lang="en-AU" sz="1200" dirty="0" err="1"/>
-                <a:t>RandomColor</a:t>
+                <a:t>random_color</a:t>
               </a:r>
               <a:r>
                 <a:rPr lang="en-AU" sz="1200" dirty="0"/>
@@ -7945,7 +7945,7 @@
               </a:r>
               <a:r>
                 <a:rPr lang="en-AU" sz="1200" dirty="0" err="1"/>
-                <a:t>Rnd</a:t>
+                <a:t>rnd</a:t>
               </a:r>
               <a:r>
                 <a:rPr lang="en-AU" sz="1200" dirty="0"/>
@@ -7953,7 +7953,7 @@
               </a:r>
               <a:r>
                 <a:rPr lang="en-AU" sz="1200" dirty="0" err="1"/>
-                <a:t>ScreenWidth</a:t>
+                <a:t>screen_width</a:t>
               </a:r>
               <a:r>
                 <a:rPr lang="en-AU" sz="1200" dirty="0"/>
@@ -7968,7 +7968,7 @@
               </a:r>
               <a:r>
                 <a:rPr lang="en-AU" sz="1200" dirty="0" err="1"/>
-                <a:t>Rnd</a:t>
+                <a:t>rnd</a:t>
               </a:r>
               <a:r>
                 <a:rPr lang="en-AU" sz="1200" dirty="0"/>
@@ -7976,7 +7976,7 @@
               </a:r>
               <a:r>
                 <a:rPr lang="en-AU" sz="1200" dirty="0" err="1"/>
-                <a:t>ScreenHeight</a:t>
+                <a:t>screen_height</a:t>
               </a:r>
               <a:r>
                 <a:rPr lang="en-AU" sz="1200" dirty="0"/>
@@ -7984,7 +7984,7 @@
               </a:r>
               <a:r>
                 <a:rPr lang="en-AU" sz="1200" dirty="0" err="1"/>
-                <a:t>Rnd</a:t>
+                <a:t>rnd</a:t>
               </a:r>
               <a:r>
                 <a:rPr lang="en-AU" sz="1200" dirty="0"/>
@@ -8002,7 +8002,7 @@
               </a:r>
               <a:r>
                 <a:rPr lang="en-AU" sz="1200" dirty="0" err="1"/>
-                <a:t>RefreshScreen</a:t>
+                <a:t>refresh_screen</a:t>
               </a:r>
               <a:r>
                 <a:rPr lang="en-AU" sz="1200" dirty="0"/>
@@ -8020,7 +8020,7 @@
               </a:r>
               <a:r>
                 <a:rPr lang="en-AU" sz="1200" dirty="0" err="1"/>
-                <a:t>ProcessEvents</a:t>
+                <a:t>process_events</a:t>
               </a:r>
               <a:r>
                 <a:rPr lang="en-AU" sz="1200" dirty="0"/>
@@ -8063,7 +8063,7 @@
                     </a:schemeClr>
                   </a:solidFill>
                 </a:rPr>
-                <a:t>KeyTyped</a:t>
+                <a:t>key_typed</a:t>
               </a:r>
               <a:r>
                 <a:rPr lang="en-AU" sz="1200" dirty="0">
@@ -8083,7 +8083,7 @@
                     </a:schemeClr>
                   </a:solidFill>
                 </a:rPr>
-                <a:t>KeyCode.EscapeKey</a:t>
+                <a:t>ESCAPE_KEY</a:t>
               </a:r>
               <a:r>
                 <a:rPr lang="en-AU" sz="1200" dirty="0">
@@ -8173,7 +8173,7 @@
                     </a:schemeClr>
                   </a:solidFill>
                 </a:rPr>
-                <a:t>WriteLine("Bye…")</a:t>
+                <a:t>write_line("Bye…")</a:t>
               </a:r>
             </a:p>
           </p:txBody>
@@ -10316,7 +10316,7 @@
                     </a:schemeClr>
                   </a:solidFill>
                 </a:rPr>
-                <a:t>QuitRequested</a:t>
+                <a:t>quit_requested</a:t>
               </a:r>
               <a:r>
                 <a:rPr lang="en-AU" sz="1200" dirty="0">
@@ -10368,7 +10368,7 @@
                     </a:schemeClr>
                   </a:solidFill>
                 </a:rPr>
-                <a:t>FillCircle</a:t>
+                <a:t>fill_circle</a:t>
               </a:r>
               <a:r>
                 <a:rPr lang="en-AU" sz="1200" dirty="0">
@@ -10388,7 +10388,7 @@
                     </a:schemeClr>
                   </a:solidFill>
                 </a:rPr>
-                <a:t>RandomColor</a:t>
+                <a:t>random_color</a:t>
               </a:r>
               <a:r>
                 <a:rPr lang="en-AU" sz="1200" dirty="0">
@@ -10408,7 +10408,7 @@
                     </a:schemeClr>
                   </a:solidFill>
                 </a:rPr>
-                <a:t>Rnd</a:t>
+                <a:t>rnd</a:t>
               </a:r>
               <a:r>
                 <a:rPr lang="en-AU" sz="1200" dirty="0">
@@ -10428,7 +10428,7 @@
                     </a:schemeClr>
                   </a:solidFill>
                 </a:rPr>
-                <a:t>ScreenWidth</a:t>
+                <a:t>screen_width</a:t>
               </a:r>
               <a:r>
                 <a:rPr lang="en-AU" sz="1200" dirty="0">
@@ -10467,7 +10467,7 @@
                     </a:schemeClr>
                   </a:solidFill>
                 </a:rPr>
-                <a:t>Rnd</a:t>
+                <a:t>rnd</a:t>
               </a:r>
               <a:r>
                 <a:rPr lang="en-AU" sz="1200" dirty="0">
@@ -10487,7 +10487,7 @@
                     </a:schemeClr>
                   </a:solidFill>
                 </a:rPr>
-                <a:t>ScreenHeight</a:t>
+                <a:t>screen_height</a:t>
               </a:r>
               <a:r>
                 <a:rPr lang="en-AU" sz="1200" dirty="0">
@@ -10507,7 +10507,7 @@
                     </a:schemeClr>
                   </a:solidFill>
                 </a:rPr>
-                <a:t>Rnd</a:t>
+                <a:t>rnd</a:t>
               </a:r>
               <a:r>
                 <a:rPr lang="en-AU" sz="1200" dirty="0">
@@ -10543,7 +10543,7 @@
                     </a:schemeClr>
                   </a:solidFill>
                 </a:rPr>
-                <a:t>RefreshScreen</a:t>
+                <a:t>refresh_screen</a:t>
               </a:r>
               <a:r>
                 <a:rPr lang="en-AU" sz="1200" dirty="0">
@@ -10579,7 +10579,7 @@
                     </a:schemeClr>
                   </a:solidFill>
                 </a:rPr>
-                <a:t>ProcessEvents</a:t>
+                <a:t>process_events</a:t>
               </a:r>
               <a:r>
                 <a:rPr lang="en-AU" sz="1200" dirty="0">
@@ -10616,7 +10616,7 @@
               </a:r>
               <a:r>
                 <a:rPr lang="en-AU" sz="1200" dirty="0" err="1"/>
-                <a:t>KeyTyped</a:t>
+                <a:t>key_typed</a:t>
               </a:r>
               <a:r>
                 <a:rPr lang="en-AU" sz="1200" dirty="0"/>
@@ -10624,7 +10624,7 @@
               </a:r>
               <a:r>
                 <a:rPr lang="en-AU" sz="1200" dirty="0" err="1"/>
-                <a:t>KeyCode.EscapeKey</a:t>
+                <a:t>ESCAPE_KEY</a:t>
               </a:r>
               <a:r>
                 <a:rPr lang="en-AU" sz="1200" dirty="0"/>
@@ -10708,7 +10708,7 @@
                     </a:schemeClr>
                   </a:solidFill>
                 </a:rPr>
-                <a:t>WriteLine("Bye…")</a:t>
+                <a:t>write_line("Bye…")</a:t>
               </a:r>
             </a:p>
           </p:txBody>
@@ -12839,7 +12839,7 @@
               </a:r>
               <a:r>
                 <a:rPr lang="en-AU" sz="1200" dirty="0" err="1"/>
-                <a:t>QuitRequested</a:t>
+                <a:t>quit_requested</a:t>
               </a:r>
               <a:r>
                 <a:rPr lang="en-AU" sz="1200" dirty="0"/>
@@ -12885,7 +12885,7 @@
                     </a:schemeClr>
                   </a:solidFill>
                 </a:rPr>
-                <a:t>FillCircle</a:t>
+                <a:t>fill_circle</a:t>
               </a:r>
               <a:r>
                 <a:rPr lang="en-AU" sz="1200" dirty="0">
@@ -12905,7 +12905,7 @@
                     </a:schemeClr>
                   </a:solidFill>
                 </a:rPr>
-                <a:t>RandomColor</a:t>
+                <a:t>random_color</a:t>
               </a:r>
               <a:r>
                 <a:rPr lang="en-AU" sz="1200" dirty="0">
@@ -12925,7 +12925,7 @@
                     </a:schemeClr>
                   </a:solidFill>
                 </a:rPr>
-                <a:t>Rnd</a:t>
+                <a:t>rnd</a:t>
               </a:r>
               <a:r>
                 <a:rPr lang="en-AU" sz="1200" dirty="0">
@@ -12945,7 +12945,7 @@
                     </a:schemeClr>
                   </a:solidFill>
                 </a:rPr>
-                <a:t>ScreenWidth</a:t>
+                <a:t>screen_width</a:t>
               </a:r>
               <a:r>
                 <a:rPr lang="en-AU" sz="1200" dirty="0">
@@ -12984,7 +12984,7 @@
                     </a:schemeClr>
                   </a:solidFill>
                 </a:rPr>
-                <a:t>Rnd</a:t>
+                <a:t>rnd</a:t>
               </a:r>
               <a:r>
                 <a:rPr lang="en-AU" sz="1200" dirty="0">
@@ -13004,7 +13004,7 @@
                     </a:schemeClr>
                   </a:solidFill>
                 </a:rPr>
-                <a:t>ScreenHeight</a:t>
+                <a:t>screen_height</a:t>
               </a:r>
               <a:r>
                 <a:rPr lang="en-AU" sz="1200" dirty="0">
@@ -13024,7 +13024,7 @@
                     </a:schemeClr>
                   </a:solidFill>
                 </a:rPr>
-                <a:t>Rnd</a:t>
+                <a:t>rnd</a:t>
               </a:r>
               <a:r>
                 <a:rPr lang="en-AU" sz="1200" dirty="0">
@@ -13060,7 +13060,7 @@
                     </a:schemeClr>
                   </a:solidFill>
                 </a:rPr>
-                <a:t>RefreshScreen</a:t>
+                <a:t>refresh_screen</a:t>
               </a:r>
               <a:r>
                 <a:rPr lang="en-AU" sz="1200" dirty="0">
@@ -13096,7 +13096,7 @@
                     </a:schemeClr>
                   </a:solidFill>
                 </a:rPr>
-                <a:t>ProcessEvents</a:t>
+                <a:t>process_events</a:t>
               </a:r>
               <a:r>
                 <a:rPr lang="en-AU" sz="1200" dirty="0">
@@ -13145,7 +13145,7 @@
                     </a:schemeClr>
                   </a:solidFill>
                 </a:rPr>
-                <a:t>KeyTyped</a:t>
+                <a:t>key_typed</a:t>
               </a:r>
               <a:r>
                 <a:rPr lang="en-AU" sz="1200" dirty="0">
@@ -13165,7 +13165,7 @@
                     </a:schemeClr>
                   </a:solidFill>
                 </a:rPr>
-                <a:t>KeyCode.EscapeKey</a:t>
+                <a:t>ESCAPE_KEY</a:t>
               </a:r>
               <a:r>
                 <a:rPr lang="en-AU" sz="1200" dirty="0">
@@ -13255,7 +13255,7 @@
                     </a:schemeClr>
                   </a:solidFill>
                 </a:rPr>
-                <a:t>WriteLine("Bye…")</a:t>
+                <a:t>write_line("Bye…")</a:t>
               </a:r>
             </a:p>
           </p:txBody>
@@ -15398,7 +15398,7 @@
                     </a:schemeClr>
                   </a:solidFill>
                 </a:rPr>
-                <a:t>QuitRequested</a:t>
+                <a:t>quit_requested</a:t>
               </a:r>
               <a:r>
                 <a:rPr lang="en-AU" sz="1200" dirty="0">
@@ -15438,7 +15438,7 @@
               </a:r>
               <a:r>
                 <a:rPr lang="en-AU" sz="1200" dirty="0" err="1"/>
-                <a:t>FillCircle</a:t>
+                <a:t>fill_circle</a:t>
               </a:r>
               <a:r>
                 <a:rPr lang="en-AU" sz="1200" dirty="0"/>
@@ -15446,7 +15446,7 @@
               </a:r>
               <a:r>
                 <a:rPr lang="en-AU" sz="1200" dirty="0" err="1"/>
-                <a:t>RandomColor</a:t>
+                <a:t>random_color</a:t>
               </a:r>
               <a:r>
                 <a:rPr lang="en-AU" sz="1200" dirty="0"/>
@@ -15454,7 +15454,7 @@
               </a:r>
               <a:r>
                 <a:rPr lang="en-AU" sz="1200" dirty="0" err="1"/>
-                <a:t>Rnd</a:t>
+                <a:t>rnd</a:t>
               </a:r>
               <a:r>
                 <a:rPr lang="en-AU" sz="1200" dirty="0"/>
@@ -15462,7 +15462,7 @@
               </a:r>
               <a:r>
                 <a:rPr lang="en-AU" sz="1200" dirty="0" err="1"/>
-                <a:t>ScreenWidth</a:t>
+                <a:t>screen_width</a:t>
               </a:r>
               <a:r>
                 <a:rPr lang="en-AU" sz="1200" dirty="0"/>
@@ -15477,7 +15477,7 @@
               </a:r>
               <a:r>
                 <a:rPr lang="en-AU" sz="1200" dirty="0" err="1"/>
-                <a:t>Rnd</a:t>
+                <a:t>rnd</a:t>
               </a:r>
               <a:r>
                 <a:rPr lang="en-AU" sz="1200" dirty="0"/>
@@ -15485,7 +15485,7 @@
               </a:r>
               <a:r>
                 <a:rPr lang="en-AU" sz="1200" dirty="0" err="1"/>
-                <a:t>ScreenHeight</a:t>
+                <a:t>screen_height</a:t>
               </a:r>
               <a:r>
                 <a:rPr lang="en-AU" sz="1200" dirty="0"/>
@@ -15493,7 +15493,7 @@
               </a:r>
               <a:r>
                 <a:rPr lang="en-AU" sz="1200" dirty="0" err="1"/>
-                <a:t>Rnd</a:t>
+                <a:t>rnd</a:t>
               </a:r>
               <a:r>
                 <a:rPr lang="en-AU" sz="1200" dirty="0"/>
@@ -15511,7 +15511,7 @@
               </a:r>
               <a:r>
                 <a:rPr lang="en-AU" sz="1200" dirty="0" err="1"/>
-                <a:t>RefreshScreen</a:t>
+                <a:t>refresh_screen</a:t>
               </a:r>
               <a:r>
                 <a:rPr lang="en-AU" sz="1200" dirty="0"/>
@@ -15529,7 +15529,7 @@
               </a:r>
               <a:r>
                 <a:rPr lang="en-AU" sz="1200" dirty="0" err="1"/>
-                <a:t>ProcessEvents</a:t>
+                <a:t>process_events</a:t>
               </a:r>
               <a:r>
                 <a:rPr lang="en-AU" sz="1200" dirty="0"/>
@@ -15572,7 +15572,7 @@
                     </a:schemeClr>
                   </a:solidFill>
                 </a:rPr>
-                <a:t>KeyTyped</a:t>
+                <a:t>key_typed</a:t>
               </a:r>
               <a:r>
                 <a:rPr lang="en-AU" sz="1200" dirty="0">
@@ -15592,7 +15592,7 @@
                     </a:schemeClr>
                   </a:solidFill>
                 </a:rPr>
-                <a:t>KeyCode.EscapeKey</a:t>
+                <a:t>ESCAPE_KEY</a:t>
               </a:r>
               <a:r>
                 <a:rPr lang="en-AU" sz="1200" dirty="0">
@@ -15682,7 +15682,7 @@
                     </a:schemeClr>
                   </a:solidFill>
                 </a:rPr>
-                <a:t>WriteLine("Bye…")</a:t>
+                <a:t>write_line("Bye…")</a:t>
               </a:r>
             </a:p>
             <a:p>
@@ -17838,7 +17838,7 @@
                     </a:schemeClr>
                   </a:solidFill>
                 </a:rPr>
-                <a:t>QuitRequested</a:t>
+                <a:t>quit_requested</a:t>
               </a:r>
               <a:r>
                 <a:rPr lang="en-AU" sz="1200" dirty="0">
@@ -17890,7 +17890,7 @@
                     </a:schemeClr>
                   </a:solidFill>
                 </a:rPr>
-                <a:t>FillCircle</a:t>
+                <a:t>fill_circle</a:t>
               </a:r>
               <a:r>
                 <a:rPr lang="en-AU" sz="1200" dirty="0">
@@ -17910,7 +17910,7 @@
                     </a:schemeClr>
                   </a:solidFill>
                 </a:rPr>
-                <a:t>RandomColor</a:t>
+                <a:t>random_color</a:t>
               </a:r>
               <a:r>
                 <a:rPr lang="en-AU" sz="1200" dirty="0">
@@ -17930,7 +17930,7 @@
                     </a:schemeClr>
                   </a:solidFill>
                 </a:rPr>
-                <a:t>Rnd</a:t>
+                <a:t>rnd</a:t>
               </a:r>
               <a:r>
                 <a:rPr lang="en-AU" sz="1200" dirty="0">
@@ -17950,7 +17950,7 @@
                     </a:schemeClr>
                   </a:solidFill>
                 </a:rPr>
-                <a:t>ScreenWidth</a:t>
+                <a:t>screen_width</a:t>
               </a:r>
               <a:r>
                 <a:rPr lang="en-AU" sz="1200" dirty="0">
@@ -17989,7 +17989,7 @@
                     </a:schemeClr>
                   </a:solidFill>
                 </a:rPr>
-                <a:t>Rnd</a:t>
+                <a:t>rnd</a:t>
               </a:r>
               <a:r>
                 <a:rPr lang="en-AU" sz="1200" dirty="0">
@@ -18009,7 +18009,7 @@
                     </a:schemeClr>
                   </a:solidFill>
                 </a:rPr>
-                <a:t>ScreenHeight</a:t>
+                <a:t>screen_height</a:t>
               </a:r>
               <a:r>
                 <a:rPr lang="en-AU" sz="1200" dirty="0">
@@ -18029,7 +18029,7 @@
                     </a:schemeClr>
                   </a:solidFill>
                 </a:rPr>
-                <a:t>Rnd</a:t>
+                <a:t>rnd</a:t>
               </a:r>
               <a:r>
                 <a:rPr lang="en-AU" sz="1200" dirty="0">
@@ -18065,7 +18065,7 @@
                     </a:schemeClr>
                   </a:solidFill>
                 </a:rPr>
-                <a:t>RefreshScreen</a:t>
+                <a:t>refresh_screen</a:t>
               </a:r>
               <a:r>
                 <a:rPr lang="en-AU" sz="1200" dirty="0">
@@ -18101,7 +18101,7 @@
                     </a:schemeClr>
                   </a:solidFill>
                 </a:rPr>
-                <a:t>ProcessEvents</a:t>
+                <a:t>process_events</a:t>
               </a:r>
               <a:r>
                 <a:rPr lang="en-AU" sz="1200" dirty="0">
@@ -18138,7 +18138,7 @@
               </a:r>
               <a:r>
                 <a:rPr lang="en-AU" sz="1200" dirty="0" err="1"/>
-                <a:t>KeyTyped</a:t>
+                <a:t>key_typed</a:t>
               </a:r>
               <a:r>
                 <a:rPr lang="en-AU" sz="1200" dirty="0"/>
@@ -18146,7 +18146,7 @@
               </a:r>
               <a:r>
                 <a:rPr lang="en-AU" sz="1200" dirty="0" err="1"/>
-                <a:t>KeyCode.EscapeKey</a:t>
+                <a:t>ESCAPE_KEY</a:t>
               </a:r>
               <a:r>
                 <a:rPr lang="en-AU" sz="1200" dirty="0"/>
@@ -18230,7 +18230,7 @@
                     </a:schemeClr>
                   </a:solidFill>
                 </a:rPr>
-                <a:t>WriteLine("Bye…")</a:t>
+                <a:t>write_line("Bye…")</a:t>
               </a:r>
             </a:p>
           </p:txBody>
@@ -20373,7 +20373,7 @@
                     </a:schemeClr>
                   </a:solidFill>
                 </a:rPr>
-                <a:t>QuitRequested</a:t>
+                <a:t>quit_requested</a:t>
               </a:r>
               <a:r>
                 <a:rPr lang="en-AU" sz="1200" dirty="0">
@@ -20425,7 +20425,7 @@
                     </a:schemeClr>
                   </a:solidFill>
                 </a:rPr>
-                <a:t>FillCircle</a:t>
+                <a:t>fill_circle</a:t>
               </a:r>
               <a:r>
                 <a:rPr lang="en-AU" sz="1200" dirty="0">
@@ -20445,7 +20445,7 @@
                     </a:schemeClr>
                   </a:solidFill>
                 </a:rPr>
-                <a:t>RandomColor</a:t>
+                <a:t>random_color</a:t>
               </a:r>
               <a:r>
                 <a:rPr lang="en-AU" sz="1200" dirty="0">
@@ -20465,7 +20465,7 @@
                     </a:schemeClr>
                   </a:solidFill>
                 </a:rPr>
-                <a:t>Rnd</a:t>
+                <a:t>rnd</a:t>
               </a:r>
               <a:r>
                 <a:rPr lang="en-AU" sz="1200" dirty="0">
@@ -20485,7 +20485,7 @@
                     </a:schemeClr>
                   </a:solidFill>
                 </a:rPr>
-                <a:t>ScreenWidth</a:t>
+                <a:t>screen_width</a:t>
               </a:r>
               <a:r>
                 <a:rPr lang="en-AU" sz="1200" dirty="0">
@@ -20524,7 +20524,7 @@
                     </a:schemeClr>
                   </a:solidFill>
                 </a:rPr>
-                <a:t>Rnd</a:t>
+                <a:t>rnd</a:t>
               </a:r>
               <a:r>
                 <a:rPr lang="en-AU" sz="1200" dirty="0">
@@ -20544,7 +20544,7 @@
                     </a:schemeClr>
                   </a:solidFill>
                 </a:rPr>
-                <a:t>ScreenHeight</a:t>
+                <a:t>screen_height</a:t>
               </a:r>
               <a:r>
                 <a:rPr lang="en-AU" sz="1200" dirty="0">
@@ -20564,7 +20564,7 @@
                     </a:schemeClr>
                   </a:solidFill>
                 </a:rPr>
-                <a:t>Rnd</a:t>
+                <a:t>rnd</a:t>
               </a:r>
               <a:r>
                 <a:rPr lang="en-AU" sz="1200" dirty="0">
@@ -20600,7 +20600,7 @@
                     </a:schemeClr>
                   </a:solidFill>
                 </a:rPr>
-                <a:t>RefreshScreen</a:t>
+                <a:t>refresh_screen</a:t>
               </a:r>
               <a:r>
                 <a:rPr lang="en-AU" sz="1200" dirty="0">
@@ -20636,7 +20636,7 @@
                     </a:schemeClr>
                   </a:solidFill>
                 </a:rPr>
-                <a:t>ProcessEvents</a:t>
+                <a:t>process_events</a:t>
               </a:r>
               <a:r>
                 <a:rPr lang="en-AU" sz="1200" dirty="0">
@@ -20685,7 +20685,7 @@
                     </a:schemeClr>
                   </a:solidFill>
                 </a:rPr>
-                <a:t>KeyTyped</a:t>
+                <a:t>key_typed</a:t>
               </a:r>
               <a:r>
                 <a:rPr lang="en-AU" sz="1200" dirty="0">
@@ -20705,7 +20705,7 @@
                     </a:schemeClr>
                   </a:solidFill>
                 </a:rPr>
-                <a:t>KeyCode.EscapeKey</a:t>
+                <a:t>ESCAPE_KEY</a:t>
               </a:r>
               <a:r>
                 <a:rPr lang="en-AU" sz="1200" dirty="0">
@@ -20789,7 +20789,7 @@
                     </a:schemeClr>
                   </a:solidFill>
                 </a:rPr>
-                <a:t>WriteLine("Bye…")</a:t>
+                <a:t>write_line("Bye…")</a:t>
               </a:r>
             </a:p>
           </p:txBody>
@@ -22936,7 +22936,7 @@
                     </a:schemeClr>
                   </a:solidFill>
                 </a:rPr>
-                <a:t>QuitRequested</a:t>
+                <a:t>quit_requested</a:t>
               </a:r>
               <a:r>
                 <a:rPr lang="en-AU" sz="1200" dirty="0">
@@ -22988,7 +22988,7 @@
                     </a:schemeClr>
                   </a:solidFill>
                 </a:rPr>
-                <a:t>FillCircle</a:t>
+                <a:t>fill_circle</a:t>
               </a:r>
               <a:r>
                 <a:rPr lang="en-AU" sz="1200" dirty="0">
@@ -23008,7 +23008,7 @@
                     </a:schemeClr>
                   </a:solidFill>
                 </a:rPr>
-                <a:t>RandomColor</a:t>
+                <a:t>random_color</a:t>
               </a:r>
               <a:r>
                 <a:rPr lang="en-AU" sz="1200" dirty="0">
@@ -23028,7 +23028,7 @@
                     </a:schemeClr>
                   </a:solidFill>
                 </a:rPr>
-                <a:t>Rnd</a:t>
+                <a:t>rnd</a:t>
               </a:r>
               <a:r>
                 <a:rPr lang="en-AU" sz="1200" dirty="0">
@@ -23048,7 +23048,7 @@
                     </a:schemeClr>
                   </a:solidFill>
                 </a:rPr>
-                <a:t>ScreenWidth</a:t>
+                <a:t>screen_width</a:t>
               </a:r>
               <a:r>
                 <a:rPr lang="en-AU" sz="1200" dirty="0">
@@ -23087,7 +23087,7 @@
                     </a:schemeClr>
                   </a:solidFill>
                 </a:rPr>
-                <a:t>Rnd</a:t>
+                <a:t>rnd</a:t>
               </a:r>
               <a:r>
                 <a:rPr lang="en-AU" sz="1200" dirty="0">
@@ -23107,7 +23107,7 @@
                     </a:schemeClr>
                   </a:solidFill>
                 </a:rPr>
-                <a:t>ScreenHeight</a:t>
+                <a:t>screen_height</a:t>
               </a:r>
               <a:r>
                 <a:rPr lang="en-AU" sz="1200" dirty="0">
@@ -23127,7 +23127,7 @@
                     </a:schemeClr>
                   </a:solidFill>
                 </a:rPr>
-                <a:t>Rnd</a:t>
+                <a:t>rnd</a:t>
               </a:r>
               <a:r>
                 <a:rPr lang="en-AU" sz="1200" dirty="0">
@@ -23163,7 +23163,7 @@
                     </a:schemeClr>
                   </a:solidFill>
                 </a:rPr>
-                <a:t>RefreshScreen</a:t>
+                <a:t>refresh_screen</a:t>
               </a:r>
               <a:r>
                 <a:rPr lang="en-AU" sz="1200" dirty="0">
@@ -23199,7 +23199,7 @@
                     </a:schemeClr>
                   </a:solidFill>
                 </a:rPr>
-                <a:t>ProcessEvents</a:t>
+                <a:t>process_events</a:t>
               </a:r>
               <a:r>
                 <a:rPr lang="en-AU" sz="1200" dirty="0">
@@ -23248,7 +23248,7 @@
                     </a:schemeClr>
                   </a:solidFill>
                 </a:rPr>
-                <a:t>KeyTyped</a:t>
+                <a:t>key_typed</a:t>
               </a:r>
               <a:r>
                 <a:rPr lang="en-AU" sz="1200" dirty="0">
@@ -23268,7 +23268,7 @@
                     </a:schemeClr>
                   </a:solidFill>
                 </a:rPr>
-                <a:t>KeyCode.EscapeKey</a:t>
+                <a:t>ESCAPE_KEY</a:t>
               </a:r>
               <a:r>
                 <a:rPr lang="en-AU" sz="1200" dirty="0">
@@ -23352,7 +23352,7 @@
               </a:pPr>
               <a:r>
                 <a:rPr lang="en-AU" sz="1200" dirty="0"/>
-                <a:t>WriteLine("Bye…")</a:t>
+                <a:t>write_line("Bye…")</a:t>
               </a:r>
             </a:p>
           </p:txBody>
